--- a/ai/8.3.pptx
+++ b/ai/8.3.pptx
@@ -16,7 +16,7 @@
     <p:sldId id="280" r:id="rId7"/>
     <p:sldId id="281" r:id="rId8"/>
     <p:sldId id="282" r:id="rId9"/>
-    <p:sldId id="283" r:id="rId10"/>
+    <p:sldId id="286" r:id="rId10"/>
   </p:sldIdLst>
   <p:sldSz cx="16256000" cy="9144000"/>
   <p:notesSz cx="6858000" cy="9144000"/>
@@ -224,7 +224,7 @@
   </p:defaultTextStyle>
   <p:extLst>
     <p:ext uri="{EFAFB233-063F-42B5-8137-9DF3F51BA10A}">
-      <p15:sldGuideLst xmlns="" xmlns:p15="http://schemas.microsoft.com/office/powerpoint/2012/main">
+      <p15:sldGuideLst xmlns:p15="http://schemas.microsoft.com/office/powerpoint/2012/main">
         <p15:guide id="1" orient="horz" pos="2880">
           <p15:clr>
             <a:srgbClr val="A4A3A4"/>
@@ -1384,7 +1384,7 @@
   <p:cSld>
     <p:spTree>
       <p:nvGrpSpPr>
-        <p:cNvPr id="1" name="Shape 377"/>
+        <p:cNvPr id="1" name="Shape 538"/>
         <p:cNvGrpSpPr/>
         <p:nvPr/>
       </p:nvGrpSpPr>
@@ -1398,7 +1398,7 @@
       </p:grpSpPr>
       <p:sp>
         <p:nvSpPr>
-          <p:cNvPr id="378" name="Shape 378"/>
+          <p:cNvPr id="539" name="Shape 539"/>
           <p:cNvSpPr>
             <a:spLocks noGrp="1" noRot="1" noChangeAspect="1"/>
           </p:cNvSpPr>
@@ -1439,7 +1439,7 @@
       </p:sp>
       <p:sp>
         <p:nvSpPr>
-          <p:cNvPr id="379" name="Shape 379"/>
+          <p:cNvPr id="540" name="Shape 540"/>
           <p:cNvSpPr txBox="1">
             <a:spLocks noGrp="1"/>
           </p:cNvSpPr>
@@ -1455,9 +1455,13 @@
           <a:prstGeom prst="rect">
             <a:avLst/>
           </a:prstGeom>
+          <a:noFill/>
+          <a:ln>
+            <a:noFill/>
+          </a:ln>
         </p:spPr>
         <p:txBody>
-          <a:bodyPr lIns="91425" tIns="91425" rIns="91425" bIns="91425" anchor="t" anchorCtr="0">
+          <a:bodyPr lIns="91425" tIns="91425" rIns="91425" bIns="91425" anchor="ctr" anchorCtr="0">
             <a:noAutofit/>
           </a:bodyPr>
           <a:lstStyle/>
@@ -1475,7 +1479,7 @@
     </p:spTree>
     <p:extLst>
       <p:ext uri="{BB962C8B-B14F-4D97-AF65-F5344CB8AC3E}">
-        <p14:creationId xmlns:p14="http://schemas.microsoft.com/office/powerpoint/2010/main" val="1298981649"/>
+        <p14:creationId xmlns:p14="http://schemas.microsoft.com/office/powerpoint/2010/main" val="1529538552"/>
       </p:ext>
     </p:extLst>
   </p:cSld>
@@ -1558,7 +1562,7 @@
           </a:lstStyle>
           <a:p>
             <a:r>
-              <a:rPr lang="en-US" smtClean="0"/>
+              <a:rPr lang="en-US"/>
               <a:t>Click to edit Master title style</a:t>
             </a:r>
             <a:endParaRPr lang="en-US" dirty="0"/>
@@ -1686,7 +1690,7 @@
           </a:lstStyle>
           <a:p>
             <a:r>
-              <a:rPr lang="en-US" smtClean="0"/>
+              <a:rPr lang="en-US"/>
               <a:t>Click to edit Master subtitle style</a:t>
             </a:r>
             <a:endParaRPr lang="en-US" dirty="0"/>
@@ -1880,6 +1884,149 @@
 </p:sldLayout>
 </file>
 
+<file path=ppt/slideLayouts/slideLayout12.xml><?xml version="1.0" encoding="utf-8"?>
+<p:sldLayout xmlns:a="http://schemas.openxmlformats.org/drawingml/2006/main" xmlns:r="http://schemas.openxmlformats.org/officeDocument/2006/relationships" xmlns:p="http://schemas.openxmlformats.org/presentationml/2006/main" userDrawn="1">
+  <p:cSld name="TItle">
+    <p:spTree>
+      <p:nvGrpSpPr>
+        <p:cNvPr id="1" name="Shape 194"/>
+        <p:cNvGrpSpPr/>
+        <p:nvPr/>
+      </p:nvGrpSpPr>
+      <p:grpSpPr>
+        <a:xfrm>
+          <a:off x="0" y="0"/>
+          <a:ext cx="0" cy="0"/>
+          <a:chOff x="0" y="0"/>
+          <a:chExt cx="0" cy="0"/>
+        </a:xfrm>
+      </p:grpSpPr>
+      <p:sp>
+        <p:nvSpPr>
+          <p:cNvPr id="195" name="Shape 195"/>
+          <p:cNvSpPr txBox="1">
+            <a:spLocks noGrp="1"/>
+          </p:cNvSpPr>
+          <p:nvPr>
+            <p:ph type="title"/>
+          </p:nvPr>
+        </p:nvSpPr>
+        <p:spPr>
+          <a:xfrm>
+            <a:off x="1155700" y="833718"/>
+            <a:ext cx="13932000" cy="1706182"/>
+          </a:xfrm>
+          <a:prstGeom prst="rect">
+            <a:avLst/>
+          </a:prstGeom>
+          <a:noFill/>
+          <a:ln>
+            <a:noFill/>
+          </a:ln>
+        </p:spPr>
+        <p:txBody>
+          <a:bodyPr lIns="91425" tIns="91425" rIns="91425" bIns="91425" anchor="ctr" anchorCtr="0"/>
+          <a:lstStyle>
+            <a:lvl1pPr lvl="0" algn="ctr" rtl="0">
+              <a:spcBef>
+                <a:spcPts val="0"/>
+              </a:spcBef>
+              <a:spcAft>
+                <a:spcPts val="0"/>
+              </a:spcAft>
+              <a:defRPr/>
+            </a:lvl1pPr>
+            <a:lvl2pPr lvl="1" algn="ctr" rtl="0">
+              <a:spcBef>
+                <a:spcPts val="0"/>
+              </a:spcBef>
+              <a:spcAft>
+                <a:spcPts val="0"/>
+              </a:spcAft>
+              <a:defRPr/>
+            </a:lvl2pPr>
+            <a:lvl3pPr lvl="2" algn="ctr" rtl="0">
+              <a:spcBef>
+                <a:spcPts val="0"/>
+              </a:spcBef>
+              <a:spcAft>
+                <a:spcPts val="0"/>
+              </a:spcAft>
+              <a:defRPr/>
+            </a:lvl3pPr>
+            <a:lvl4pPr lvl="3" algn="ctr" rtl="0">
+              <a:spcBef>
+                <a:spcPts val="0"/>
+              </a:spcBef>
+              <a:spcAft>
+                <a:spcPts val="0"/>
+              </a:spcAft>
+              <a:defRPr/>
+            </a:lvl4pPr>
+            <a:lvl5pPr lvl="4" algn="ctr" rtl="0">
+              <a:spcBef>
+                <a:spcPts val="0"/>
+              </a:spcBef>
+              <a:spcAft>
+                <a:spcPts val="0"/>
+              </a:spcAft>
+              <a:defRPr/>
+            </a:lvl5pPr>
+            <a:lvl6pPr marL="457200" lvl="5" algn="ctr" rtl="0">
+              <a:spcBef>
+                <a:spcPts val="0"/>
+              </a:spcBef>
+              <a:spcAft>
+                <a:spcPts val="0"/>
+              </a:spcAft>
+              <a:defRPr/>
+            </a:lvl6pPr>
+            <a:lvl7pPr marL="914400" lvl="6" algn="ctr" rtl="0">
+              <a:spcBef>
+                <a:spcPts val="0"/>
+              </a:spcBef>
+              <a:spcAft>
+                <a:spcPts val="0"/>
+              </a:spcAft>
+              <a:defRPr/>
+            </a:lvl7pPr>
+            <a:lvl8pPr marL="1371600" lvl="7" algn="ctr" rtl="0">
+              <a:spcBef>
+                <a:spcPts val="0"/>
+              </a:spcBef>
+              <a:spcAft>
+                <a:spcPts val="0"/>
+              </a:spcAft>
+              <a:defRPr/>
+            </a:lvl8pPr>
+            <a:lvl9pPr marL="1828800" lvl="8" algn="ctr" rtl="0">
+              <a:spcBef>
+                <a:spcPts val="0"/>
+              </a:spcBef>
+              <a:spcAft>
+                <a:spcPts val="0"/>
+              </a:spcAft>
+              <a:defRPr/>
+            </a:lvl9pPr>
+          </a:lstStyle>
+          <a:p>
+            <a:endParaRPr/>
+          </a:p>
+        </p:txBody>
+      </p:sp>
+    </p:spTree>
+    <p:extLst>
+      <p:ext uri="{BB962C8B-B14F-4D97-AF65-F5344CB8AC3E}">
+        <p14:creationId xmlns:p14="http://schemas.microsoft.com/office/powerpoint/2010/main" val="986826181"/>
+      </p:ext>
+    </p:extLst>
+  </p:cSld>
+  <p:clrMapOvr>
+    <a:masterClrMapping/>
+  </p:clrMapOvr>
+</p:sldLayout>
+</file>
+
 <file path=ppt/slideLayouts/slideLayout2.xml><?xml version="1.0" encoding="utf-8"?>
 <p:sldLayout xmlns:a="http://schemas.openxmlformats.org/drawingml/2006/main" xmlns:r="http://schemas.openxmlformats.org/officeDocument/2006/relationships" xmlns:p="http://schemas.openxmlformats.org/presentationml/2006/main" type="obj" preserve="1">
   <p:cSld name="Title and Content">
@@ -1938,7 +2085,7 @@
           </a:lstStyle>
           <a:p>
             <a:r>
-              <a:rPr lang="en-US" smtClean="0"/>
+              <a:rPr lang="en-US"/>
               <a:t>Click to edit Master title style</a:t>
             </a:r>
             <a:endParaRPr lang="en-US" dirty="0"/>
@@ -2003,35 +2150,35 @@
           <a:p>
             <a:pPr lvl="0"/>
             <a:r>
-              <a:rPr lang="en-US" smtClean="0"/>
+              <a:rPr lang="en-US"/>
               <a:t>Click to edit Master text styles</a:t>
             </a:r>
           </a:p>
           <a:p>
             <a:pPr lvl="1"/>
             <a:r>
-              <a:rPr lang="en-US" smtClean="0"/>
+              <a:rPr lang="en-US"/>
               <a:t>Second level</a:t>
             </a:r>
           </a:p>
           <a:p>
             <a:pPr lvl="2"/>
             <a:r>
-              <a:rPr lang="en-US" smtClean="0"/>
+              <a:rPr lang="en-US"/>
               <a:t>Third level</a:t>
             </a:r>
           </a:p>
           <a:p>
             <a:pPr lvl="3"/>
             <a:r>
-              <a:rPr lang="en-US" smtClean="0"/>
+              <a:rPr lang="en-US"/>
               <a:t>Fourth level</a:t>
             </a:r>
           </a:p>
           <a:p>
             <a:pPr lvl="4"/>
             <a:r>
-              <a:rPr lang="en-US" smtClean="0"/>
+              <a:rPr lang="en-US"/>
               <a:t>Fifth level</a:t>
             </a:r>
             <a:endParaRPr lang="en-US" dirty="0"/>
@@ -2101,7 +2248,7 @@
           </a:lstStyle>
           <a:p>
             <a:r>
-              <a:rPr lang="en-US" smtClean="0"/>
+              <a:rPr lang="en-US"/>
               <a:t>Click to edit Master title style</a:t>
             </a:r>
             <a:endParaRPr lang="en-US" dirty="0"/>
@@ -2221,7 +2368,7 @@
           <a:p>
             <a:pPr lvl="0"/>
             <a:r>
-              <a:rPr lang="en-US" smtClean="0"/>
+              <a:rPr lang="en-US"/>
               <a:t>Click to edit Master text styles</a:t>
             </a:r>
           </a:p>
@@ -2292,7 +2439,7 @@
           </a:lstStyle>
           <a:p>
             <a:r>
-              <a:rPr lang="en-US" smtClean="0"/>
+              <a:rPr lang="en-US"/>
               <a:t>Click to edit Master title style</a:t>
             </a:r>
             <a:endParaRPr lang="en-US" dirty="0"/>
@@ -2367,35 +2514,35 @@
           <a:p>
             <a:pPr lvl="0"/>
             <a:r>
-              <a:rPr lang="en-US" smtClean="0"/>
+              <a:rPr lang="en-US"/>
               <a:t>Click to edit Master text styles</a:t>
             </a:r>
           </a:p>
           <a:p>
             <a:pPr lvl="1"/>
             <a:r>
-              <a:rPr lang="en-US" smtClean="0"/>
+              <a:rPr lang="en-US"/>
               <a:t>Second level</a:t>
             </a:r>
           </a:p>
           <a:p>
             <a:pPr lvl="2"/>
             <a:r>
-              <a:rPr lang="en-US" smtClean="0"/>
+              <a:rPr lang="en-US"/>
               <a:t>Third level</a:t>
             </a:r>
           </a:p>
           <a:p>
             <a:pPr lvl="3"/>
             <a:r>
-              <a:rPr lang="en-US" smtClean="0"/>
+              <a:rPr lang="en-US"/>
               <a:t>Fourth level</a:t>
             </a:r>
           </a:p>
           <a:p>
             <a:pPr lvl="4"/>
             <a:r>
-              <a:rPr lang="en-US" smtClean="0"/>
+              <a:rPr lang="en-US"/>
               <a:t>Fifth level</a:t>
             </a:r>
             <a:endParaRPr lang="en-US" dirty="0"/>
@@ -2470,35 +2617,35 @@
           <a:p>
             <a:pPr lvl="0"/>
             <a:r>
-              <a:rPr lang="en-US" smtClean="0"/>
+              <a:rPr lang="en-US"/>
               <a:t>Click to edit Master text styles</a:t>
             </a:r>
           </a:p>
           <a:p>
             <a:pPr lvl="1"/>
             <a:r>
-              <a:rPr lang="en-US" smtClean="0"/>
+              <a:rPr lang="en-US"/>
               <a:t>Second level</a:t>
             </a:r>
           </a:p>
           <a:p>
             <a:pPr lvl="2"/>
             <a:r>
-              <a:rPr lang="en-US" smtClean="0"/>
+              <a:rPr lang="en-US"/>
               <a:t>Third level</a:t>
             </a:r>
           </a:p>
           <a:p>
             <a:pPr lvl="3"/>
             <a:r>
-              <a:rPr lang="en-US" smtClean="0"/>
+              <a:rPr lang="en-US"/>
               <a:t>Fourth level</a:t>
             </a:r>
           </a:p>
           <a:p>
             <a:pPr lvl="4"/>
             <a:r>
-              <a:rPr lang="en-US" smtClean="0"/>
+              <a:rPr lang="en-US"/>
               <a:t>Fifth level</a:t>
             </a:r>
             <a:endParaRPr lang="en-US" dirty="0"/>
@@ -2570,7 +2717,7 @@
           </a:lstStyle>
           <a:p>
             <a:r>
-              <a:rPr lang="en-US" smtClean="0"/>
+              <a:rPr lang="en-US"/>
               <a:t>Click to edit Master title style</a:t>
             </a:r>
             <a:endParaRPr lang="en-US" dirty="0"/>
@@ -2645,7 +2792,7 @@
           <a:p>
             <a:pPr lvl="0"/>
             <a:r>
-              <a:rPr lang="en-US" smtClean="0"/>
+              <a:rPr lang="en-US"/>
               <a:t>Click to edit Master text styles</a:t>
             </a:r>
           </a:p>
@@ -2716,35 +2863,35 @@
           <a:p>
             <a:pPr lvl="0"/>
             <a:r>
-              <a:rPr lang="en-US" smtClean="0"/>
+              <a:rPr lang="en-US"/>
               <a:t>Click to edit Master text styles</a:t>
             </a:r>
           </a:p>
           <a:p>
             <a:pPr lvl="1"/>
             <a:r>
-              <a:rPr lang="en-US" smtClean="0"/>
+              <a:rPr lang="en-US"/>
               <a:t>Second level</a:t>
             </a:r>
           </a:p>
           <a:p>
             <a:pPr lvl="2"/>
             <a:r>
-              <a:rPr lang="en-US" smtClean="0"/>
+              <a:rPr lang="en-US"/>
               <a:t>Third level</a:t>
             </a:r>
           </a:p>
           <a:p>
             <a:pPr lvl="3"/>
             <a:r>
-              <a:rPr lang="en-US" smtClean="0"/>
+              <a:rPr lang="en-US"/>
               <a:t>Fourth level</a:t>
             </a:r>
           </a:p>
           <a:p>
             <a:pPr lvl="4"/>
             <a:r>
-              <a:rPr lang="en-US" smtClean="0"/>
+              <a:rPr lang="en-US"/>
               <a:t>Fifth level</a:t>
             </a:r>
             <a:endParaRPr lang="en-US" dirty="0"/>
@@ -2819,7 +2966,7 @@
           <a:p>
             <a:pPr lvl="0"/>
             <a:r>
-              <a:rPr lang="en-US" smtClean="0"/>
+              <a:rPr lang="en-US"/>
               <a:t>Click to edit Master text styles</a:t>
             </a:r>
           </a:p>
@@ -2890,35 +3037,35 @@
           <a:p>
             <a:pPr lvl="0"/>
             <a:r>
-              <a:rPr lang="en-US" smtClean="0"/>
+              <a:rPr lang="en-US"/>
               <a:t>Click to edit Master text styles</a:t>
             </a:r>
           </a:p>
           <a:p>
             <a:pPr lvl="1"/>
             <a:r>
-              <a:rPr lang="en-US" smtClean="0"/>
+              <a:rPr lang="en-US"/>
               <a:t>Second level</a:t>
             </a:r>
           </a:p>
           <a:p>
             <a:pPr lvl="2"/>
             <a:r>
-              <a:rPr lang="en-US" smtClean="0"/>
+              <a:rPr lang="en-US"/>
               <a:t>Third level</a:t>
             </a:r>
           </a:p>
           <a:p>
             <a:pPr lvl="3"/>
             <a:r>
-              <a:rPr lang="en-US" smtClean="0"/>
+              <a:rPr lang="en-US"/>
               <a:t>Fourth level</a:t>
             </a:r>
           </a:p>
           <a:p>
             <a:pPr lvl="4"/>
             <a:r>
-              <a:rPr lang="en-US" smtClean="0"/>
+              <a:rPr lang="en-US"/>
               <a:t>Fifth level</a:t>
             </a:r>
             <a:endParaRPr lang="en-US" dirty="0"/>
@@ -2990,7 +3137,7 @@
           </a:lstStyle>
           <a:p>
             <a:r>
-              <a:rPr lang="en-US" smtClean="0"/>
+              <a:rPr lang="en-US"/>
               <a:t>Click to edit Master title style</a:t>
             </a:r>
             <a:endParaRPr lang="en-US" dirty="0"/>
@@ -3091,7 +3238,7 @@
           </a:lstStyle>
           <a:p>
             <a:r>
-              <a:rPr lang="en-US" smtClean="0"/>
+              <a:rPr lang="en-US"/>
               <a:t>Click to edit Master title style</a:t>
             </a:r>
             <a:endParaRPr lang="en-US" dirty="0"/>
@@ -3166,35 +3313,35 @@
           <a:p>
             <a:pPr lvl="0"/>
             <a:r>
-              <a:rPr lang="en-US" smtClean="0"/>
+              <a:rPr lang="en-US"/>
               <a:t>Click to edit Master text styles</a:t>
             </a:r>
           </a:p>
           <a:p>
             <a:pPr lvl="1"/>
             <a:r>
-              <a:rPr lang="en-US" smtClean="0"/>
+              <a:rPr lang="en-US"/>
               <a:t>Second level</a:t>
             </a:r>
           </a:p>
           <a:p>
             <a:pPr lvl="2"/>
             <a:r>
-              <a:rPr lang="en-US" smtClean="0"/>
+              <a:rPr lang="en-US"/>
               <a:t>Third level</a:t>
             </a:r>
           </a:p>
           <a:p>
             <a:pPr lvl="3"/>
             <a:r>
-              <a:rPr lang="en-US" smtClean="0"/>
+              <a:rPr lang="en-US"/>
               <a:t>Fourth level</a:t>
             </a:r>
           </a:p>
           <a:p>
             <a:pPr lvl="4"/>
             <a:r>
-              <a:rPr lang="en-US" smtClean="0"/>
+              <a:rPr lang="en-US"/>
               <a:t>Fifth level</a:t>
             </a:r>
             <a:endParaRPr lang="en-US" dirty="0"/>
@@ -3264,7 +3411,7 @@
           <a:p>
             <a:pPr lvl="0"/>
             <a:r>
-              <a:rPr lang="en-US" smtClean="0"/>
+              <a:rPr lang="en-US"/>
               <a:t>Click to edit Master text styles</a:t>
             </a:r>
           </a:p>
@@ -3335,7 +3482,7 @@
           </a:lstStyle>
           <a:p>
             <a:r>
-              <a:rPr lang="en-US" smtClean="0"/>
+              <a:rPr lang="en-US"/>
               <a:t>Click to edit Master title style</a:t>
             </a:r>
             <a:endParaRPr lang="en-US" dirty="0"/>
@@ -3400,10 +3547,9 @@
           </a:lstStyle>
           <a:p>
             <a:r>
-              <a:rPr lang="en-US" smtClean="0"/>
+              <a:rPr lang="en-US"/>
               <a:t>Drag picture to placeholder or click icon to add</a:t>
             </a:r>
-            <a:endParaRPr lang="en-US"/>
           </a:p>
         </p:txBody>
       </p:sp>
@@ -3472,7 +3618,7 @@
           <a:p>
             <a:pPr lvl="0"/>
             <a:r>
-              <a:rPr lang="en-US" smtClean="0"/>
+              <a:rPr lang="en-US"/>
               <a:t>Click to edit Master text styles</a:t>
             </a:r>
           </a:p>
@@ -3544,35 +3690,35 @@
           <a:p>
             <a:pPr lvl="0"/>
             <a:r>
-              <a:rPr lang="en-US" smtClean="0"/>
+              <a:rPr lang="en-US"/>
               <a:t>Click to edit Master text styles</a:t>
             </a:r>
           </a:p>
           <a:p>
             <a:pPr lvl="1"/>
             <a:r>
-              <a:rPr lang="en-US" smtClean="0"/>
+              <a:rPr lang="en-US"/>
               <a:t>Second level</a:t>
             </a:r>
           </a:p>
           <a:p>
             <a:pPr lvl="2"/>
             <a:r>
-              <a:rPr lang="en-US" smtClean="0"/>
+              <a:rPr lang="en-US"/>
               <a:t>Third level</a:t>
             </a:r>
           </a:p>
           <a:p>
             <a:pPr lvl="3"/>
             <a:r>
-              <a:rPr lang="en-US" smtClean="0"/>
+              <a:rPr lang="en-US"/>
               <a:t>Fourth level</a:t>
             </a:r>
           </a:p>
           <a:p>
             <a:pPr lvl="4"/>
             <a:r>
-              <a:rPr lang="en-US" smtClean="0"/>
+              <a:rPr lang="en-US"/>
               <a:t>Fifth level</a:t>
             </a:r>
             <a:endParaRPr lang="en-US" dirty="0"/>
@@ -3588,7 +3734,7 @@
           <p:nvPr userDrawn="1"/>
         </p:nvPicPr>
         <p:blipFill>
-          <a:blip r:embed="rId13">
+          <a:blip r:embed="rId14">
             <a:extLst>
               <a:ext uri="{28A0092B-C50C-407E-A947-70E740481C1C}">
                 <a14:useLocalDpi xmlns:a14="http://schemas.microsoft.com/office/drawing/2010/main" val="0"/>
@@ -3632,7 +3778,7 @@
           <a:lstStyle/>
           <a:p>
             <a:r>
-              <a:rPr lang="en-US" sz="2300" dirty="0" smtClean="0">
+              <a:rPr lang="en-US" sz="2300" dirty="0">
                 <a:solidFill>
                   <a:srgbClr val="FFFFFF"/>
                 </a:solidFill>
@@ -3641,13 +3787,6 @@
               </a:rPr>
               <a:t>Lists – Part 3</a:t>
             </a:r>
-            <a:endParaRPr lang="en-US" sz="2300" dirty="0">
-              <a:solidFill>
-                <a:srgbClr val="FFFFFF"/>
-              </a:solidFill>
-              <a:latin typeface="Lucida Grande"/>
-              <a:cs typeface="Lucida Grande"/>
-            </a:endParaRPr>
           </a:p>
         </p:txBody>
       </p:sp>
@@ -3675,7 +3814,7 @@
           <a:p>
             <a:pPr algn="ctr"/>
             <a:r>
-              <a:rPr lang="en-US" sz="1700" b="0" dirty="0" smtClean="0">
+              <a:rPr lang="en-US" sz="1700" b="0" dirty="0">
                 <a:solidFill>
                   <a:schemeClr val="bg1"/>
                 </a:solidFill>
@@ -3685,7 +3824,7 @@
               <a:t>PYTHON</a:t>
             </a:r>
             <a:r>
-              <a:rPr lang="en-US" sz="1700" baseline="0" dirty="0" smtClean="0">
+              <a:rPr lang="en-US" sz="1700" baseline="0" dirty="0">
                 <a:solidFill>
                   <a:schemeClr val="bg1"/>
                 </a:solidFill>
@@ -3698,7 +3837,7 @@
           <a:p>
             <a:pPr algn="ctr"/>
             <a:r>
-              <a:rPr lang="en-US" sz="1700" baseline="0" dirty="0" smtClean="0">
+              <a:rPr lang="en-US" sz="1700" baseline="0" dirty="0">
                 <a:solidFill>
                   <a:schemeClr val="bg1"/>
                 </a:solidFill>
@@ -3737,14 +3876,8 @@
     <p:sldLayoutId id="2147483704" r:id="rId9"/>
     <p:sldLayoutId id="2147483693" r:id="rId10"/>
     <p:sldLayoutId id="2147483694" r:id="rId11"/>
+    <p:sldLayoutId id="2147483705" r:id="rId12"/>
   </p:sldLayoutIdLst>
-  <p:timing>
-    <p:tnLst>
-      <p:par>
-        <p:cTn xmlns:p14="http://schemas.microsoft.com/office/powerpoint/2010/main" id="1" dur="indefinite" restart="never" nodeType="tmRoot"/>
-      </p:par>
-    </p:tnLst>
-  </p:timing>
   <p:hf sldNum="0" hdr="0" ftr="0" dt="0"/>
   <p:txStyles>
     <p:titleStyle>
@@ -4028,8 +4161,8 @@
         </p:nvSpPr>
         <p:spPr>
           <a:xfrm>
-            <a:off x="812800" y="1057607"/>
-            <a:ext cx="14630400" cy="1226172"/>
+            <a:off x="0" y="1057607"/>
+            <a:ext cx="16256000" cy="1226172"/>
           </a:xfrm>
           <a:prstGeom prst="rect">
             <a:avLst/>
@@ -4063,7 +4196,7 @@
               <a:buNone/>
             </a:pPr>
             <a:r>
-              <a:rPr lang="en-US" sz="7600" u="none" strike="noStrike" cap="none" dirty="0">
+              <a:rPr lang="es-419" sz="7600" u="none" strike="noStrike" cap="none">
                 <a:solidFill>
                   <a:srgbClr val="FFFF00"/>
                 </a:solidFill>
@@ -4072,7 +4205,7 @@
                 <a:cs typeface="Arial" charset="0"/>
                 <a:sym typeface="Cabin"/>
               </a:rPr>
-              <a:t>Best Friends: Strings and Lists</a:t>
+              <a:t>Mejores Amigos: Cadenas y Listas</a:t>
             </a:r>
           </a:p>
         </p:txBody>
@@ -4102,6 +4235,86 @@
           </a:bodyPr>
           <a:lstStyle/>
           <a:p>
+            <a:pPr lvl="0">
+              <a:buClr>
+                <a:schemeClr val="lt1"/>
+              </a:buClr>
+              <a:buSzPct val="25000"/>
+            </a:pPr>
+            <a:r>
+              <a:rPr lang="es-419" sz="3000" b="1" i="0" u="none" strike="noStrike" cap="none">
+                <a:solidFill>
+                  <a:schemeClr val="lt1"/>
+                </a:solidFill>
+                <a:latin typeface="Courier New"/>
+                <a:ea typeface="Courier New"/>
+                <a:cs typeface="Courier New"/>
+                <a:sym typeface="Courier New"/>
+              </a:rPr>
+              <a:t>&gt;&gt;&gt; </a:t>
+            </a:r>
+            <a:r>
+              <a:rPr lang="es-419" sz="3000" b="1" i="0" u="none" strike="noStrike" cap="none">
+                <a:solidFill>
+                  <a:srgbClr val="00FF00"/>
+                </a:solidFill>
+                <a:latin typeface="Courier New"/>
+                <a:ea typeface="Courier New"/>
+                <a:cs typeface="Courier New"/>
+                <a:sym typeface="Courier New"/>
+              </a:rPr>
+              <a:t>abc</a:t>
+            </a:r>
+            <a:r>
+              <a:rPr lang="es-419" sz="3000" b="1" i="0" u="none" strike="noStrike" cap="none">
+                <a:solidFill>
+                  <a:srgbClr val="FF7F00"/>
+                </a:solidFill>
+                <a:latin typeface="Courier New"/>
+                <a:ea typeface="Courier New"/>
+                <a:cs typeface="Courier New"/>
+                <a:sym typeface="Courier New"/>
+              </a:rPr>
+              <a:t> </a:t>
+            </a:r>
+            <a:r>
+              <a:rPr lang="es-419" sz="3000" b="1" i="0" u="none" strike="noStrike" cap="none">
+                <a:solidFill>
+                  <a:srgbClr val="00FF00"/>
+                </a:solidFill>
+                <a:latin typeface="Courier New"/>
+                <a:ea typeface="Courier New"/>
+                <a:cs typeface="Courier New"/>
+                <a:sym typeface="Courier New"/>
+              </a:rPr>
+              <a:t>=</a:t>
+            </a:r>
+            <a:r>
+              <a:rPr lang="es-419" sz="3000" b="1" i="0" u="none" strike="noStrike" cap="none">
+                <a:solidFill>
+                  <a:srgbClr val="FF7F00"/>
+                </a:solidFill>
+                <a:latin typeface="Courier New"/>
+                <a:ea typeface="Courier New"/>
+                <a:cs typeface="Courier New"/>
+                <a:sym typeface="Courier New"/>
+              </a:rPr>
+              <a:t> </a:t>
+            </a:r>
+            <a:r>
+              <a:rPr lang="es-419" sz="3000" b="1">
+                <a:solidFill>
+                  <a:srgbClr val="FF7F00"/>
+                </a:solidFill>
+                <a:latin typeface="Courier New"/>
+                <a:ea typeface="Courier New"/>
+                <a:cs typeface="Courier New"/>
+                <a:sym typeface="Courier New"/>
+              </a:rPr>
+              <a:t>'Con tres palabras'</a:t>
+            </a:r>
+          </a:p>
+          <a:p>
             <a:pPr marL="0" marR="0" lvl="0" indent="0" algn="l" rtl="0">
               <a:lnSpc>
                 <a:spcPct val="100000"/>
@@ -4120,7 +4333,7 @@
               <a:buNone/>
             </a:pPr>
             <a:r>
-              <a:rPr lang="en-US" sz="3000" b="1" i="0" u="none" strike="noStrike" cap="none" dirty="0">
+              <a:rPr lang="es-419" sz="3000" b="1" i="0" u="none" strike="noStrike" cap="none">
                 <a:solidFill>
                   <a:schemeClr val="lt1"/>
                 </a:solidFill>
@@ -4132,7 +4345,7 @@
               <a:t>&gt;&gt;&gt; </a:t>
             </a:r>
             <a:r>
-              <a:rPr lang="en-US" sz="3000" b="1" i="0" u="none" strike="noStrike" cap="none" dirty="0" err="1">
+              <a:rPr lang="es-419" sz="3000" b="1">
                 <a:solidFill>
                   <a:srgbClr val="00FF00"/>
                 </a:solidFill>
@@ -4141,10 +4354,10 @@
                 <a:cs typeface="Courier New"/>
                 <a:sym typeface="Courier New"/>
               </a:rPr>
-              <a:t>abc</a:t>
-            </a:r>
-            <a:r>
-              <a:rPr lang="en-US" sz="3000" b="1" i="0" u="none" strike="noStrike" cap="none" dirty="0">
+              <a:t>cosas</a:t>
+            </a:r>
+            <a:r>
+              <a:rPr lang="es-419" sz="3000" b="1" i="0" u="none" strike="noStrike" cap="none">
                 <a:solidFill>
                   <a:srgbClr val="FF7F00"/>
                 </a:solidFill>
@@ -4153,10 +4366,10 @@
                 <a:cs typeface="Courier New"/>
                 <a:sym typeface="Courier New"/>
               </a:rPr>
-              <a:t> </a:t>
-            </a:r>
-            <a:r>
-              <a:rPr lang="en-US" sz="3000" b="1" i="0" u="none" strike="noStrike" cap="none" dirty="0">
+              <a:t> =</a:t>
+            </a:r>
+            <a:r>
+              <a:rPr lang="es-419" sz="3000" b="1" i="0" u="none" strike="noStrike" cap="none">
                 <a:solidFill>
                   <a:srgbClr val="00FF00"/>
                 </a:solidFill>
@@ -4165,113 +4378,10 @@
                 <a:cs typeface="Courier New"/>
                 <a:sym typeface="Courier New"/>
               </a:rPr>
-              <a:t>=</a:t>
-            </a:r>
-            <a:r>
-              <a:rPr lang="en-US" sz="3000" b="1" i="0" u="none" strike="noStrike" cap="none" dirty="0">
-                <a:solidFill>
-                  <a:srgbClr val="FF7F00"/>
-                </a:solidFill>
-                <a:latin typeface="Courier New"/>
-                <a:ea typeface="Courier New"/>
-                <a:cs typeface="Courier New"/>
-                <a:sym typeface="Courier New"/>
-              </a:rPr>
-              <a:t> 'With three words</a:t>
-            </a:r>
-            <a:r>
-              <a:rPr lang="en-US" sz="3000" b="1" dirty="0">
-                <a:solidFill>
-                  <a:srgbClr val="FF7F00"/>
-                </a:solidFill>
-                <a:latin typeface="Courier New"/>
-                <a:ea typeface="Courier New"/>
-                <a:cs typeface="Courier New"/>
-                <a:sym typeface="Courier New"/>
-              </a:rPr>
-              <a:t>'</a:t>
-            </a:r>
-          </a:p>
-          <a:p>
-            <a:pPr marL="0" marR="0" lvl="0" indent="0" algn="l" rtl="0">
-              <a:lnSpc>
-                <a:spcPct val="100000"/>
-              </a:lnSpc>
-              <a:spcBef>
-                <a:spcPts val="0"/>
-              </a:spcBef>
-              <a:spcAft>
-                <a:spcPts val="0"/>
-              </a:spcAft>
-              <a:buClr>
-                <a:schemeClr val="lt1"/>
-              </a:buClr>
-              <a:buSzPct val="25000"/>
-              <a:buFont typeface="Cabin"/>
-              <a:buNone/>
-            </a:pPr>
-            <a:r>
-              <a:rPr lang="en-US" sz="3000" b="1" i="0" u="none" strike="noStrike" cap="none" dirty="0">
-                <a:solidFill>
-                  <a:schemeClr val="lt1"/>
-                </a:solidFill>
-                <a:latin typeface="Courier New"/>
-                <a:ea typeface="Courier New"/>
-                <a:cs typeface="Courier New"/>
-                <a:sym typeface="Courier New"/>
-              </a:rPr>
-              <a:t>&gt;&gt;&gt; </a:t>
-            </a:r>
-            <a:r>
-              <a:rPr lang="en-US" sz="3000" b="1" i="0" u="none" strike="noStrike" cap="none" dirty="0">
-                <a:solidFill>
-                  <a:srgbClr val="00FF00"/>
-                </a:solidFill>
-                <a:latin typeface="Courier New"/>
-                <a:ea typeface="Courier New"/>
-                <a:cs typeface="Courier New"/>
-                <a:sym typeface="Courier New"/>
-              </a:rPr>
-              <a:t>stuff</a:t>
-            </a:r>
-            <a:r>
-              <a:rPr lang="en-US" sz="3000" b="1" i="0" u="none" strike="noStrike" cap="none" dirty="0">
-                <a:solidFill>
-                  <a:srgbClr val="FF7F00"/>
-                </a:solidFill>
-                <a:latin typeface="Courier New"/>
-                <a:ea typeface="Courier New"/>
-                <a:cs typeface="Courier New"/>
-                <a:sym typeface="Courier New"/>
-              </a:rPr>
-              <a:t> =</a:t>
-            </a:r>
-            <a:r>
-              <a:rPr lang="en-US" sz="3000" b="1" i="0" u="none" strike="noStrike" cap="none" dirty="0">
-                <a:solidFill>
-                  <a:srgbClr val="00FF00"/>
-                </a:solidFill>
-                <a:latin typeface="Courier New"/>
-                <a:ea typeface="Courier New"/>
-                <a:cs typeface="Courier New"/>
-                <a:sym typeface="Courier New"/>
-              </a:rPr>
-              <a:t> </a:t>
-            </a:r>
-            <a:r>
-              <a:rPr lang="en-US" sz="3000" b="1" i="0" u="none" strike="noStrike" cap="none" dirty="0" err="1">
-                <a:solidFill>
-                  <a:srgbClr val="00FF00"/>
-                </a:solidFill>
-                <a:latin typeface="Courier New"/>
-                <a:ea typeface="Courier New"/>
-                <a:cs typeface="Courier New"/>
-                <a:sym typeface="Courier New"/>
-              </a:rPr>
-              <a:t>abc</a:t>
-            </a:r>
-            <a:r>
-              <a:rPr lang="en-US" sz="3000" b="1" i="0" u="none" strike="noStrike" cap="none" dirty="0" err="1">
+              <a:t> abc</a:t>
+            </a:r>
+            <a:r>
+              <a:rPr lang="es-419" sz="3000" b="1" i="0" u="none" strike="noStrike" cap="none">
                 <a:solidFill>
                   <a:srgbClr val="FF00FF"/>
                 </a:solidFill>
@@ -4283,7 +4393,7 @@
               <a:t>.split</a:t>
             </a:r>
             <a:r>
-              <a:rPr lang="en-US" sz="3000" b="1" i="0" u="none" strike="noStrike" cap="none" dirty="0">
+              <a:rPr lang="es-419" sz="3000" b="1" i="0" u="none" strike="noStrike" cap="none">
                 <a:solidFill>
                   <a:schemeClr val="lt1"/>
                 </a:solidFill>
@@ -4303,7 +4413,7 @@
               <a:buSzPct val="25000"/>
             </a:pPr>
             <a:r>
-              <a:rPr lang="en-US" sz="3000" b="1" i="0" u="none" strike="noStrike" cap="none" dirty="0">
+              <a:rPr lang="es-419" sz="3000" b="1" i="0" u="none" strike="noStrike" cap="none">
                 <a:solidFill>
                   <a:schemeClr val="lt1"/>
                 </a:solidFill>
@@ -4315,7 +4425,7 @@
               <a:t>&gt;&gt;&gt; </a:t>
             </a:r>
             <a:r>
-              <a:rPr lang="en-US" sz="3000" b="1" i="0" u="none" strike="noStrike" cap="none" dirty="0" smtClean="0">
+              <a:rPr lang="es-419" sz="3000" b="1" i="0" u="none" strike="noStrike" cap="none">
                 <a:solidFill>
                   <a:srgbClr val="FFFF00"/>
                 </a:solidFill>
@@ -4327,7 +4437,7 @@
               <a:t>print</a:t>
             </a:r>
             <a:r>
-              <a:rPr lang="en-US" sz="3000" b="1" dirty="0" smtClean="0">
+              <a:rPr lang="es-419" sz="3000" b="1">
                 <a:solidFill>
                   <a:schemeClr val="lt1"/>
                 </a:solidFill>
@@ -4339,7 +4449,7 @@
               <a:t>(</a:t>
             </a:r>
             <a:r>
-              <a:rPr lang="en-US" sz="3000" b="1" i="0" u="none" strike="noStrike" cap="none" dirty="0" smtClean="0">
+              <a:rPr lang="es-419" sz="3000" b="1" i="0" u="none" strike="noStrike" cap="none">
                 <a:solidFill>
                   <a:srgbClr val="00FF00"/>
                 </a:solidFill>
@@ -4348,10 +4458,10 @@
                 <a:cs typeface="Courier New"/>
                 <a:sym typeface="Courier New"/>
               </a:rPr>
-              <a:t>stuff</a:t>
-            </a:r>
-            <a:r>
-              <a:rPr lang="en-US" sz="3000" b="1" dirty="0" smtClean="0">
+              <a:t>cosas</a:t>
+            </a:r>
+            <a:r>
+              <a:rPr lang="es-419" sz="3000" b="1">
                 <a:solidFill>
                   <a:srgbClr val="FFFF00"/>
                 </a:solidFill>
@@ -4362,7 +4472,7 @@
               </a:rPr>
               <a:t>)</a:t>
             </a:r>
-            <a:endParaRPr lang="en-US" sz="3000" b="1" i="0" u="none" strike="noStrike" cap="none" dirty="0">
+            <a:endParaRPr lang="es-419" sz="3000" b="1" i="0" u="none" strike="noStrike" cap="none">
               <a:solidFill>
                 <a:srgbClr val="00FF00"/>
               </a:solidFill>
@@ -4373,37 +4483,6 @@
             </a:endParaRPr>
           </a:p>
           <a:p>
-            <a:pPr marL="0" marR="0" lvl="0" indent="0" algn="l" rtl="0">
-              <a:lnSpc>
-                <a:spcPct val="100000"/>
-              </a:lnSpc>
-              <a:spcBef>
-                <a:spcPts val="0"/>
-              </a:spcBef>
-              <a:spcAft>
-                <a:spcPts val="0"/>
-              </a:spcAft>
-              <a:buClr>
-                <a:schemeClr val="lt1"/>
-              </a:buClr>
-              <a:buSzPct val="25000"/>
-              <a:buFont typeface="Cabin"/>
-              <a:buNone/>
-            </a:pPr>
-            <a:r>
-              <a:rPr lang="en-US" sz="3000" b="1" i="0" u="none" strike="noStrike" cap="none" dirty="0">
-                <a:solidFill>
-                  <a:schemeClr val="lt1"/>
-                </a:solidFill>
-                <a:latin typeface="Courier New"/>
-                <a:ea typeface="Courier New"/>
-                <a:cs typeface="Courier New"/>
-                <a:sym typeface="Courier New"/>
-              </a:rPr>
-              <a:t>['With', 'three', 'words']</a:t>
-            </a:r>
-          </a:p>
-          <a:p>
             <a:pPr lvl="0">
               <a:buClr>
                 <a:schemeClr val="lt1"/>
@@ -4411,7 +4490,39 @@
               <a:buSzPct val="25000"/>
             </a:pPr>
             <a:r>
-              <a:rPr lang="en-US" sz="3000" b="1" i="0" u="none" strike="noStrike" cap="none" dirty="0">
+              <a:rPr lang="es-419" sz="3000" b="1">
+                <a:solidFill>
+                  <a:schemeClr val="lt1"/>
+                </a:solidFill>
+                <a:latin typeface="Courier New"/>
+                <a:ea typeface="Courier New"/>
+                <a:cs typeface="Courier New"/>
+                <a:sym typeface="Courier New"/>
+              </a:rPr>
+              <a:t>['Con', 'tres', 'palabras</a:t>
+            </a:r>
+            <a:r>
+              <a:rPr lang="es-419" sz="3000" b="1" i="0" u="none" strike="noStrike" cap="none">
+                <a:solidFill>
+                  <a:schemeClr val="lt1"/>
+                </a:solidFill>
+                <a:latin typeface="Courier New"/>
+                <a:ea typeface="Courier New"/>
+                <a:cs typeface="Courier New"/>
+                <a:sym typeface="Courier New"/>
+              </a:rPr>
+              <a:t>']</a:t>
+            </a:r>
+          </a:p>
+          <a:p>
+            <a:pPr lvl="0">
+              <a:buClr>
+                <a:schemeClr val="lt1"/>
+              </a:buClr>
+              <a:buSzPct val="25000"/>
+            </a:pPr>
+            <a:r>
+              <a:rPr lang="es-419" sz="3000" b="1" i="0" u="none" strike="noStrike" cap="none">
                 <a:solidFill>
                   <a:schemeClr val="lt1"/>
                 </a:solidFill>
@@ -4423,7 +4534,7 @@
               <a:t>&gt;&gt;&gt; </a:t>
             </a:r>
             <a:r>
-              <a:rPr lang="en-US" sz="3000" b="1" i="0" u="none" strike="noStrike" cap="none" dirty="0" smtClean="0">
+              <a:rPr lang="es-419" sz="3000" b="1" i="0" u="none" strike="noStrike" cap="none">
                 <a:solidFill>
                   <a:srgbClr val="FFFF00"/>
                 </a:solidFill>
@@ -4435,7 +4546,7 @@
               <a:t>print(</a:t>
             </a:r>
             <a:r>
-              <a:rPr lang="en-US" sz="3000" b="1" i="0" u="none" strike="noStrike" cap="none" dirty="0" err="1" smtClean="0">
+              <a:rPr lang="es-419" sz="3000" b="1" i="0" u="none" strike="noStrike" cap="none">
                 <a:solidFill>
                   <a:srgbClr val="FF00FF"/>
                 </a:solidFill>
@@ -4447,7 +4558,7 @@
               <a:t>len</a:t>
             </a:r>
             <a:r>
-              <a:rPr lang="en-US" sz="3000" b="1" i="0" u="none" strike="noStrike" cap="none" dirty="0" smtClean="0">
+              <a:rPr lang="es-419" sz="3000" b="1" i="0" u="none" strike="noStrike" cap="none">
                 <a:solidFill>
                   <a:schemeClr val="lt1"/>
                 </a:solidFill>
@@ -4459,7 +4570,7 @@
               <a:t>(</a:t>
             </a:r>
             <a:r>
-              <a:rPr lang="en-US" sz="3000" b="1" i="0" u="none" strike="noStrike" cap="none" dirty="0" smtClean="0">
+              <a:rPr lang="es-419" sz="3000" b="1" i="0" u="none" strike="noStrike" cap="none">
                 <a:solidFill>
                   <a:srgbClr val="00FF00"/>
                 </a:solidFill>
@@ -4468,10 +4579,10 @@
                 <a:cs typeface="Courier New"/>
                 <a:sym typeface="Courier New"/>
               </a:rPr>
-              <a:t>stuff</a:t>
-            </a:r>
-            <a:r>
-              <a:rPr lang="en-US" sz="3000" b="1" i="0" u="none" strike="noStrike" cap="none" dirty="0" smtClean="0">
+              <a:t>cosas</a:t>
+            </a:r>
+            <a:r>
+              <a:rPr lang="es-419" sz="3000" b="1" i="0" u="none" strike="noStrike" cap="none">
                 <a:solidFill>
                   <a:schemeClr val="lt1"/>
                 </a:solidFill>
@@ -4483,7 +4594,7 @@
               <a:t>)</a:t>
             </a:r>
             <a:r>
-              <a:rPr lang="en-US" sz="3000" b="1" dirty="0" smtClean="0">
+              <a:rPr lang="es-419" sz="3000" b="1">
                 <a:solidFill>
                   <a:srgbClr val="FFFF00"/>
                 </a:solidFill>
@@ -4494,7 +4605,7 @@
               </a:rPr>
               <a:t>)</a:t>
             </a:r>
-            <a:endParaRPr lang="en-US" sz="3000" b="1" i="0" u="none" strike="noStrike" cap="none" dirty="0">
+            <a:endParaRPr lang="es-419" sz="3000" b="1" i="0" u="none" strike="noStrike" cap="none">
               <a:solidFill>
                 <a:schemeClr val="lt1"/>
               </a:solidFill>
@@ -4523,7 +4634,7 @@
               <a:buNone/>
             </a:pPr>
             <a:r>
-              <a:rPr lang="en-US" sz="3000" b="1" i="0" u="none" strike="noStrike" cap="none" dirty="0">
+              <a:rPr lang="es-419" sz="3000" b="1" i="0" u="none" strike="noStrike" cap="none">
                 <a:solidFill>
                   <a:schemeClr val="lt1"/>
                 </a:solidFill>
@@ -4543,7 +4654,7 @@
               <a:buSzPct val="25000"/>
             </a:pPr>
             <a:r>
-              <a:rPr lang="en-US" sz="3000" b="1" i="0" u="none" strike="noStrike" cap="none" dirty="0">
+              <a:rPr lang="es-419" sz="3000" b="1" i="0" u="none" strike="noStrike" cap="none">
                 <a:solidFill>
                   <a:schemeClr val="lt1"/>
                 </a:solidFill>
@@ -4555,7 +4666,7 @@
               <a:t>&gt;&gt;&gt; </a:t>
             </a:r>
             <a:r>
-              <a:rPr lang="en-US" sz="3000" b="1" i="0" u="none" strike="noStrike" cap="none" dirty="0" smtClean="0">
+              <a:rPr lang="es-419" sz="3000" b="1" i="0" u="none" strike="noStrike" cap="none">
                 <a:solidFill>
                   <a:srgbClr val="FFFF00"/>
                 </a:solidFill>
@@ -4567,7 +4678,7 @@
               <a:t>print(</a:t>
             </a:r>
             <a:r>
-              <a:rPr lang="en-US" sz="3000" b="1" i="0" u="none" strike="noStrike" cap="none" dirty="0" smtClean="0">
+              <a:rPr lang="es-419" sz="3000" b="1" i="0" u="none" strike="noStrike" cap="none">
                 <a:solidFill>
                   <a:srgbClr val="00FF00"/>
                 </a:solidFill>
@@ -4576,10 +4687,10 @@
                 <a:cs typeface="Courier New"/>
                 <a:sym typeface="Courier New"/>
               </a:rPr>
-              <a:t>stuff</a:t>
-            </a:r>
-            <a:r>
-              <a:rPr lang="en-US" sz="3000" b="1" i="0" u="none" strike="noStrike" cap="none" dirty="0" smtClean="0">
+              <a:t>cosas</a:t>
+            </a:r>
+            <a:r>
+              <a:rPr lang="es-419" sz="3000" b="1" i="0" u="none" strike="noStrike" cap="none">
                 <a:solidFill>
                   <a:srgbClr val="00FFFF"/>
                 </a:solidFill>
@@ -4591,7 +4702,7 @@
               <a:t>[</a:t>
             </a:r>
             <a:r>
-              <a:rPr lang="en-US" sz="3000" b="1" i="0" u="none" strike="noStrike" cap="none" dirty="0" smtClean="0">
+              <a:rPr lang="es-419" sz="3000" b="1" i="0" u="none" strike="noStrike" cap="none">
                 <a:solidFill>
                   <a:srgbClr val="FF7F00"/>
                 </a:solidFill>
@@ -4603,7 +4714,7 @@
               <a:t>0</a:t>
             </a:r>
             <a:r>
-              <a:rPr lang="en-US" sz="3000" b="1" i="0" u="none" strike="noStrike" cap="none" dirty="0" smtClean="0">
+              <a:rPr lang="es-419" sz="3000" b="1" i="0" u="none" strike="noStrike" cap="none">
                 <a:solidFill>
                   <a:srgbClr val="00FFFF"/>
                 </a:solidFill>
@@ -4615,7 +4726,7 @@
               <a:t>]</a:t>
             </a:r>
             <a:r>
-              <a:rPr lang="en-US" sz="3000" b="1" dirty="0" smtClean="0">
+              <a:rPr lang="es-419" sz="3000" b="1">
                 <a:solidFill>
                   <a:srgbClr val="FFFF00"/>
                 </a:solidFill>
@@ -4626,7 +4737,7 @@
               </a:rPr>
               <a:t>)</a:t>
             </a:r>
-            <a:endParaRPr lang="en-US" sz="3000" b="1" i="0" u="none" strike="noStrike" cap="none" dirty="0">
+            <a:endParaRPr lang="es-419" sz="3000" b="1" i="0" u="none" strike="noStrike" cap="none">
               <a:solidFill>
                 <a:srgbClr val="00FFFF"/>
               </a:solidFill>
@@ -4655,16 +4766,16 @@
               <a:buNone/>
             </a:pPr>
             <a:r>
-              <a:rPr lang="en-US" sz="3000" b="1" i="0" u="none" strike="noStrike" cap="none" dirty="0">
-                <a:solidFill>
-                  <a:schemeClr val="lt1"/>
-                </a:solidFill>
-                <a:latin typeface="Courier New"/>
-                <a:ea typeface="Courier New"/>
-                <a:cs typeface="Courier New"/>
-                <a:sym typeface="Courier New"/>
-              </a:rPr>
-              <a:t>With</a:t>
+              <a:rPr lang="es-419" sz="3000" b="1" i="0" u="none" strike="noStrike" cap="none">
+                <a:solidFill>
+                  <a:schemeClr val="lt1"/>
+                </a:solidFill>
+                <a:latin typeface="Courier New"/>
+                <a:ea typeface="Courier New"/>
+                <a:cs typeface="Courier New"/>
+                <a:sym typeface="Courier New"/>
+              </a:rPr>
+              <a:t>Con</a:t>
             </a:r>
           </a:p>
         </p:txBody>
@@ -4701,7 +4812,7 @@
               <a:buSzPct val="25000"/>
             </a:pPr>
             <a:r>
-              <a:rPr lang="en-US" sz="3000" b="1" i="0" u="none" strike="noStrike" cap="none" dirty="0">
+              <a:rPr lang="es-419" sz="3000" b="1" i="0" u="none" strike="noStrike" cap="none">
                 <a:solidFill>
                   <a:schemeClr val="lt1"/>
                 </a:solidFill>
@@ -4713,7 +4824,7 @@
               <a:t>&gt;&gt;&gt; </a:t>
             </a:r>
             <a:r>
-              <a:rPr lang="en-US" sz="3000" b="1" i="0" u="none" strike="noStrike" cap="none" dirty="0" smtClean="0">
+              <a:rPr lang="es-419" sz="3000" b="1" i="0" u="none" strike="noStrike" cap="none">
                 <a:solidFill>
                   <a:srgbClr val="FFFF00"/>
                 </a:solidFill>
@@ -4725,7 +4836,7 @@
               <a:t>print(</a:t>
             </a:r>
             <a:r>
-              <a:rPr lang="en-US" sz="3000" b="1" i="0" u="none" strike="noStrike" cap="none" dirty="0" smtClean="0">
+              <a:rPr lang="es-419" sz="3000" b="1" i="0" u="none" strike="noStrike" cap="none">
                 <a:solidFill>
                   <a:srgbClr val="00FF00"/>
                 </a:solidFill>
@@ -4734,10 +4845,10 @@
                 <a:cs typeface="Courier New"/>
                 <a:sym typeface="Courier New"/>
               </a:rPr>
-              <a:t>stuff</a:t>
-            </a:r>
-            <a:r>
-              <a:rPr lang="en-US" sz="3000" b="1" dirty="0" smtClean="0">
+              <a:t>cosas</a:t>
+            </a:r>
+            <a:r>
+              <a:rPr lang="es-419" sz="3000" b="1">
                 <a:solidFill>
                   <a:srgbClr val="FFFF00"/>
                 </a:solidFill>
@@ -4748,7 +4859,7 @@
               </a:rPr>
               <a:t>)</a:t>
             </a:r>
-            <a:endParaRPr lang="en-US" sz="3000" b="1" i="0" u="none" strike="noStrike" cap="none" dirty="0">
+            <a:endParaRPr lang="es-419" sz="3000" b="1" i="0" u="none" strike="noStrike" cap="none">
               <a:solidFill>
                 <a:srgbClr val="00FF00"/>
               </a:solidFill>
@@ -4759,6 +4870,38 @@
             </a:endParaRPr>
           </a:p>
           <a:p>
+            <a:pPr lvl="0">
+              <a:buClr>
+                <a:schemeClr val="lt1"/>
+              </a:buClr>
+              <a:buSzPct val="25000"/>
+            </a:pPr>
+            <a:r>
+              <a:rPr lang="es-419" sz="3000" b="1">
+                <a:solidFill>
+                  <a:schemeClr val="lt1"/>
+                </a:solidFill>
+                <a:latin typeface="Courier New"/>
+                <a:ea typeface="Courier New"/>
+                <a:cs typeface="Courier New"/>
+                <a:sym typeface="Courier New"/>
+              </a:rPr>
+              <a:t>['Con', 'tres', 'palabras</a:t>
+            </a:r>
+            <a:r>
+              <a:rPr lang="es-419" sz="3000" b="1" i="0" u="none" strike="noStrike" cap="none">
+                <a:solidFill>
+                  <a:schemeClr val="lt1"/>
+                </a:solidFill>
+                <a:latin typeface="Courier New"/>
+                <a:ea typeface="Courier New"/>
+                <a:cs typeface="Courier New"/>
+                <a:sym typeface="Courier New"/>
+              </a:rPr>
+              <a:t>']</a:t>
+            </a:r>
+          </a:p>
+          <a:p>
             <a:pPr marL="0" marR="0" lvl="0" indent="0" algn="l" rtl="0">
               <a:lnSpc>
                 <a:spcPct val="100000"/>
@@ -4777,62 +4920,7 @@
               <a:buNone/>
             </a:pPr>
             <a:r>
-              <a:rPr lang="en-US" sz="3000" b="1" i="0" u="none" strike="noStrike" cap="none" dirty="0">
-                <a:solidFill>
-                  <a:schemeClr val="lt1"/>
-                </a:solidFill>
-                <a:latin typeface="Courier New"/>
-                <a:ea typeface="Courier New"/>
-                <a:cs typeface="Courier New"/>
-                <a:sym typeface="Courier New"/>
-              </a:rPr>
-              <a:t>['With', </a:t>
-            </a:r>
-            <a:r>
-              <a:rPr lang="en-US" sz="3000" b="1" i="0" u="none" strike="noStrike" cap="none" dirty="0" smtClean="0">
-                <a:solidFill>
-                  <a:schemeClr val="lt1"/>
-                </a:solidFill>
-                <a:latin typeface="Courier New"/>
-                <a:ea typeface="Courier New"/>
-                <a:cs typeface="Courier New"/>
-                <a:sym typeface="Courier New"/>
-              </a:rPr>
-              <a:t>'three</a:t>
-            </a:r>
-            <a:r>
-              <a:rPr lang="en-US" sz="3000" b="1" i="0" u="none" strike="noStrike" cap="none" dirty="0">
-                <a:solidFill>
-                  <a:schemeClr val="lt1"/>
-                </a:solidFill>
-                <a:latin typeface="Courier New"/>
-                <a:ea typeface="Courier New"/>
-                <a:cs typeface="Courier New"/>
-                <a:sym typeface="Courier New"/>
-              </a:rPr>
-              <a:t>', 'words']</a:t>
-            </a:r>
-          </a:p>
-          <a:p>
-            <a:pPr marL="0" marR="0" lvl="0" indent="0" algn="l" rtl="0">
-              <a:lnSpc>
-                <a:spcPct val="100000"/>
-              </a:lnSpc>
-              <a:spcBef>
-                <a:spcPts val="0"/>
-              </a:spcBef>
-              <a:spcAft>
-                <a:spcPts val="0"/>
-              </a:spcAft>
-              <a:buClr>
-                <a:schemeClr val="lt1"/>
-              </a:buClr>
-              <a:buSzPct val="25000"/>
-              <a:buFont typeface="Cabin"/>
-              <a:buNone/>
-            </a:pPr>
-            <a:r>
-              <a:rPr lang="en-US" sz="3000" b="1" i="0" u="none" strike="noStrike" cap="none" dirty="0">
+              <a:rPr lang="es-419" sz="3000" b="1" i="0" u="none" strike="noStrike" cap="none">
                 <a:solidFill>
                   <a:schemeClr val="lt1"/>
                 </a:solidFill>
@@ -4844,7 +4932,7 @@
               <a:t>&gt;&gt;&gt; </a:t>
             </a:r>
             <a:r>
-              <a:rPr lang="en-US" sz="3000" b="1" i="0" u="none" strike="noStrike" cap="none" dirty="0">
+              <a:rPr lang="es-419" sz="3000" b="1" i="0" u="none" strike="noStrike" cap="none">
                 <a:solidFill>
                   <a:srgbClr val="FFFF00"/>
                 </a:solidFill>
@@ -4856,7 +4944,7 @@
               <a:t>for</a:t>
             </a:r>
             <a:r>
-              <a:rPr lang="en-US" sz="3000" b="1" i="0" u="none" strike="noStrike" cap="none" dirty="0">
+              <a:rPr lang="es-419" sz="3000" b="1" i="0" u="none" strike="noStrike" cap="none">
                 <a:solidFill>
                   <a:srgbClr val="FF7F00"/>
                 </a:solidFill>
@@ -4868,7 +4956,7 @@
               <a:t> </a:t>
             </a:r>
             <a:r>
-              <a:rPr lang="en-US" sz="3000" b="1" i="0" u="none" strike="noStrike" cap="none" dirty="0">
+              <a:rPr lang="es-419" sz="3000" b="1" i="0" u="none" strike="noStrike" cap="none">
                 <a:solidFill>
                   <a:srgbClr val="00FF00"/>
                 </a:solidFill>
@@ -4880,7 +4968,7 @@
               <a:t>w</a:t>
             </a:r>
             <a:r>
-              <a:rPr lang="en-US" sz="3000" b="1" i="0" u="none" strike="noStrike" cap="none" dirty="0">
+              <a:rPr lang="es-419" sz="3000" b="1" i="0" u="none" strike="noStrike" cap="none">
                 <a:solidFill>
                   <a:srgbClr val="FF7F00"/>
                 </a:solidFill>
@@ -4892,7 +4980,7 @@
               <a:t> </a:t>
             </a:r>
             <a:r>
-              <a:rPr lang="en-US" sz="3000" b="1" i="0" u="none" strike="noStrike" cap="none" dirty="0">
+              <a:rPr lang="es-419" sz="3000" b="1" i="0" u="none" strike="noStrike" cap="none">
                 <a:solidFill>
                   <a:srgbClr val="FFFF00"/>
                 </a:solidFill>
@@ -4904,7 +4992,7 @@
               <a:t>in</a:t>
             </a:r>
             <a:r>
-              <a:rPr lang="en-US" sz="3000" b="1" i="0" u="none" strike="noStrike" cap="none" dirty="0">
+              <a:rPr lang="es-419" sz="3000" b="1" i="0" u="none" strike="noStrike" cap="none">
                 <a:solidFill>
                   <a:srgbClr val="FF7F00"/>
                 </a:solidFill>
@@ -4916,7 +5004,7 @@
               <a:t> </a:t>
             </a:r>
             <a:r>
-              <a:rPr lang="en-US" sz="3000" b="1" i="0" u="none" strike="noStrike" cap="none" dirty="0">
+              <a:rPr lang="es-419" sz="3000" b="1" i="0" u="none" strike="noStrike" cap="none">
                 <a:solidFill>
                   <a:srgbClr val="00FF00"/>
                 </a:solidFill>
@@ -4925,10 +5013,10 @@
                 <a:cs typeface="Courier New"/>
                 <a:sym typeface="Courier New"/>
               </a:rPr>
-              <a:t>stuff </a:t>
-            </a:r>
-            <a:r>
-              <a:rPr lang="en-US" sz="3000" b="1" i="0" u="none" strike="noStrike" cap="none" dirty="0">
+              <a:t>cosas </a:t>
+            </a:r>
+            <a:r>
+              <a:rPr lang="es-419" sz="3000" b="1" i="0" u="none" strike="noStrike" cap="none">
                 <a:solidFill>
                   <a:schemeClr val="lt1"/>
                 </a:solidFill>
@@ -4948,7 +5036,7 @@
               <a:buSzPct val="25000"/>
             </a:pPr>
             <a:r>
-              <a:rPr lang="en-US" sz="3000" b="1" i="0" u="none" strike="noStrike" cap="none" dirty="0">
+              <a:rPr lang="es-419" sz="3000" b="1" i="0" u="none" strike="noStrike" cap="none">
                 <a:solidFill>
                   <a:schemeClr val="lt1"/>
                 </a:solidFill>
@@ -4960,7 +5048,7 @@
               <a:t>... </a:t>
             </a:r>
             <a:r>
-              <a:rPr lang="en-US" sz="3000" b="1" dirty="0">
+              <a:rPr lang="es-419" sz="3000" b="1">
                 <a:solidFill>
                   <a:schemeClr val="lt1"/>
                 </a:solidFill>
@@ -4972,7 +5060,7 @@
               <a:t>    </a:t>
             </a:r>
             <a:r>
-              <a:rPr lang="en-US" sz="3000" b="1" i="0" u="none" strike="noStrike" cap="none" dirty="0" smtClean="0">
+              <a:rPr lang="es-419" sz="3000" b="1" i="0" u="none" strike="noStrike" cap="none">
                 <a:solidFill>
                   <a:srgbClr val="FFFF00"/>
                 </a:solidFill>
@@ -4984,7 +5072,7 @@
               <a:t>print(</a:t>
             </a:r>
             <a:r>
-              <a:rPr lang="en-US" sz="3000" b="1" i="0" u="none" strike="noStrike" cap="none" dirty="0" smtClean="0">
+              <a:rPr lang="es-419" sz="3000" b="1" i="0" u="none" strike="noStrike" cap="none">
                 <a:solidFill>
                   <a:srgbClr val="00FF00"/>
                 </a:solidFill>
@@ -4996,7 +5084,7 @@
               <a:t>w</a:t>
             </a:r>
             <a:r>
-              <a:rPr lang="en-US" sz="3000" b="1" dirty="0" smtClean="0">
+              <a:rPr lang="es-419" sz="3000" b="1">
                 <a:solidFill>
                   <a:srgbClr val="FFFF00"/>
                 </a:solidFill>
@@ -5007,7 +5095,7 @@
               </a:rPr>
               <a:t>)</a:t>
             </a:r>
-            <a:endParaRPr lang="en-US" sz="3000" b="1" i="0" u="none" strike="noStrike" cap="none" dirty="0">
+            <a:endParaRPr lang="es-419" sz="3000" b="1" i="0" u="none" strike="noStrike" cap="none">
               <a:solidFill>
                 <a:srgbClr val="00FF00"/>
               </a:solidFill>
@@ -5036,7 +5124,7 @@
               <a:buNone/>
             </a:pPr>
             <a:r>
-              <a:rPr lang="en-US" sz="3000" b="1" i="0" u="none" strike="noStrike" cap="none" dirty="0">
+              <a:rPr lang="es-419" sz="3000" b="1" i="0" u="none" strike="noStrike" cap="none">
                 <a:solidFill>
                   <a:schemeClr val="lt1"/>
                 </a:solidFill>
@@ -5067,16 +5155,16 @@
               <a:buNone/>
             </a:pPr>
             <a:r>
-              <a:rPr lang="en-US" sz="3000" b="1" i="0" u="none" strike="noStrike" cap="none" dirty="0">
-                <a:solidFill>
-                  <a:schemeClr val="lt1"/>
-                </a:solidFill>
-                <a:latin typeface="Courier New"/>
-                <a:ea typeface="Courier New"/>
-                <a:cs typeface="Courier New"/>
-                <a:sym typeface="Courier New"/>
-              </a:rPr>
-              <a:t>With</a:t>
+              <a:rPr lang="es-419" sz="3000" b="1" i="0" u="none" strike="noStrike" cap="none">
+                <a:solidFill>
+                  <a:schemeClr val="lt1"/>
+                </a:solidFill>
+                <a:latin typeface="Courier New"/>
+                <a:ea typeface="Courier New"/>
+                <a:cs typeface="Courier New"/>
+                <a:sym typeface="Courier New"/>
+              </a:rPr>
+              <a:t>Con</a:t>
             </a:r>
           </a:p>
           <a:p>
@@ -5098,16 +5186,28 @@
               <a:buNone/>
             </a:pPr>
             <a:r>
-              <a:rPr lang="en-US" sz="3000" b="1" i="0" u="none" strike="noStrike" cap="none" dirty="0">
-                <a:solidFill>
-                  <a:schemeClr val="lt1"/>
-                </a:solidFill>
-                <a:latin typeface="Courier New"/>
-                <a:ea typeface="Courier New"/>
-                <a:cs typeface="Courier New"/>
-                <a:sym typeface="Courier New"/>
-              </a:rPr>
-              <a:t>Three</a:t>
+              <a:rPr lang="es-419" sz="3000" b="1">
+                <a:solidFill>
+                  <a:schemeClr val="lt1"/>
+                </a:solidFill>
+                <a:latin typeface="Courier New"/>
+                <a:ea typeface="Courier New"/>
+                <a:cs typeface="Courier New"/>
+                <a:sym typeface="Courier New"/>
+              </a:rPr>
+              <a:t>t</a:t>
+            </a:r>
+            <a:r>
+              <a:rPr lang="es-419" sz="3000" b="1" i="0" u="none" strike="noStrike" cap="none">
+                <a:solidFill>
+                  <a:schemeClr val="lt1"/>
+                </a:solidFill>
+                <a:latin typeface="Courier New"/>
+                <a:ea typeface="Courier New"/>
+                <a:cs typeface="Courier New"/>
+                <a:sym typeface="Courier New"/>
+              </a:rPr>
+              <a:t>res</a:t>
             </a:r>
           </a:p>
           <a:p>
@@ -5129,16 +5229,28 @@
               <a:buNone/>
             </a:pPr>
             <a:r>
-              <a:rPr lang="en-US" sz="3000" b="1" i="0" u="none" strike="noStrike" cap="none" dirty="0">
-                <a:solidFill>
-                  <a:schemeClr val="lt1"/>
-                </a:solidFill>
-                <a:latin typeface="Courier New"/>
-                <a:ea typeface="Courier New"/>
-                <a:cs typeface="Courier New"/>
-                <a:sym typeface="Courier New"/>
-              </a:rPr>
-              <a:t>Words</a:t>
+              <a:rPr lang="es-419" sz="3000" b="1">
+                <a:solidFill>
+                  <a:schemeClr val="lt1"/>
+                </a:solidFill>
+                <a:latin typeface="Courier New"/>
+                <a:ea typeface="Courier New"/>
+                <a:cs typeface="Courier New"/>
+                <a:sym typeface="Courier New"/>
+              </a:rPr>
+              <a:t>p</a:t>
+            </a:r>
+            <a:r>
+              <a:rPr lang="es-419" sz="3000" b="1" i="0" u="none" strike="noStrike" cap="none">
+                <a:solidFill>
+                  <a:schemeClr val="lt1"/>
+                </a:solidFill>
+                <a:latin typeface="Courier New"/>
+                <a:ea typeface="Courier New"/>
+                <a:cs typeface="Courier New"/>
+                <a:sym typeface="Courier New"/>
+              </a:rPr>
+              <a:t>alabras</a:t>
             </a:r>
           </a:p>
           <a:p>
@@ -5160,7 +5272,7 @@
               <a:buNone/>
             </a:pPr>
             <a:r>
-              <a:rPr lang="en-US" sz="3000" b="1" i="0" u="none" strike="noStrike" cap="none" dirty="0">
+              <a:rPr lang="es-419" sz="3000" b="1" i="0" u="none" strike="noStrike" cap="none">
                 <a:solidFill>
                   <a:schemeClr val="lt1"/>
                 </a:solidFill>
@@ -5217,7 +5329,7 @@
               <a:buNone/>
             </a:pPr>
             <a:r>
-              <a:rPr lang="en-US" sz="3400" u="none" strike="noStrike" cap="none" dirty="0">
+              <a:rPr lang="es-419" sz="3400" u="none" strike="noStrike" cap="none" dirty="0">
                 <a:solidFill>
                   <a:srgbClr val="FF00FF"/>
                 </a:solidFill>
@@ -5229,7 +5341,7 @@
               <a:t>Split</a:t>
             </a:r>
             <a:r>
-              <a:rPr lang="en-US" sz="3400" u="none" strike="noStrike" cap="none" dirty="0">
+              <a:rPr lang="es-419" sz="3400" u="none" strike="noStrike" cap="none" dirty="0">
                 <a:solidFill>
                   <a:schemeClr val="lt1"/>
                 </a:solidFill>
@@ -5238,10 +5350,10 @@
                 <a:cs typeface="Arial" charset="0"/>
                 <a:sym typeface="Cabin"/>
               </a:rPr>
-              <a:t> breaks a string into parts and produces a list of strings.  We think of these as words.  We can </a:t>
-            </a:r>
-            <a:r>
-              <a:rPr lang="en-US" sz="3400" u="none" strike="noStrike" cap="none" dirty="0">
+              <a:t> separa una cadena en partes y produce una lista de cadenas. Podemos verlas como palabras. Podemos </a:t>
+            </a:r>
+            <a:r>
+              <a:rPr lang="es-419" sz="3400" u="none" strike="noStrike" cap="none" dirty="0">
                 <a:solidFill>
                   <a:srgbClr val="00FFFF"/>
                 </a:solidFill>
@@ -5250,10 +5362,10 @@
                 <a:cs typeface="Arial" charset="0"/>
                 <a:sym typeface="Cabin"/>
               </a:rPr>
-              <a:t>access</a:t>
-            </a:r>
-            <a:r>
-              <a:rPr lang="en-US" sz="3400" u="none" strike="noStrike" cap="none" dirty="0">
+              <a:t>acceder</a:t>
+            </a:r>
+            <a:r>
+              <a:rPr lang="es-419" sz="3400" u="none" strike="noStrike" cap="none" dirty="0">
                 <a:solidFill>
                   <a:schemeClr val="lt1"/>
                 </a:solidFill>
@@ -5262,10 +5374,10 @@
                 <a:cs typeface="Arial" charset="0"/>
                 <a:sym typeface="Cabin"/>
               </a:rPr>
-              <a:t> a particular word or </a:t>
-            </a:r>
-            <a:r>
-              <a:rPr lang="en-US" sz="3400" u="none" strike="noStrike" cap="none" dirty="0">
+              <a:t> una palabra en particular o </a:t>
+            </a:r>
+            <a:r>
+              <a:rPr lang="es-419" sz="3400" u="none" strike="noStrike" cap="none" dirty="0">
                 <a:solidFill>
                   <a:srgbClr val="FFFF00"/>
                 </a:solidFill>
@@ -5274,10 +5386,10 @@
                 <a:cs typeface="Arial" charset="0"/>
                 <a:sym typeface="Cabin"/>
               </a:rPr>
-              <a:t>loop</a:t>
-            </a:r>
-            <a:r>
-              <a:rPr lang="en-US" sz="3400" u="none" strike="noStrike" cap="none" dirty="0">
+              <a:t>iterar</a:t>
+            </a:r>
+            <a:r>
+              <a:rPr lang="es-419" sz="3400" u="none" strike="noStrike" cap="none" dirty="0">
                 <a:solidFill>
                   <a:schemeClr val="lt1"/>
                 </a:solidFill>
@@ -5286,8 +5398,65 @@
                 <a:cs typeface="Arial" charset="0"/>
                 <a:sym typeface="Cabin"/>
               </a:rPr>
-              <a:t> through all the words.</a:t>
-            </a:r>
+              <a:t> </a:t>
+            </a:r>
+            <a:r>
+              <a:rPr lang="es-419" sz="3400" dirty="0">
+                <a:solidFill>
+                  <a:schemeClr val="lt1"/>
+                </a:solidFill>
+                <a:latin typeface="Arial" charset="0"/>
+                <a:ea typeface="Arial" charset="0"/>
+                <a:cs typeface="Arial" charset="0"/>
+                <a:sym typeface="Cabin"/>
+              </a:rPr>
+              <a:t>a </a:t>
+            </a:r>
+            <a:r>
+              <a:rPr lang="es-419" sz="3400" dirty="0" err="1">
+                <a:solidFill>
+                  <a:schemeClr val="lt1"/>
+                </a:solidFill>
+                <a:latin typeface="Arial" charset="0"/>
+                <a:ea typeface="Arial" charset="0"/>
+                <a:cs typeface="Arial" charset="0"/>
+                <a:sym typeface="Cabin"/>
+              </a:rPr>
+              <a:t>trav</a:t>
+            </a:r>
+            <a:r>
+              <a:rPr lang="es-MX" sz="3400" dirty="0" err="1">
+                <a:solidFill>
+                  <a:schemeClr val="lt1"/>
+                </a:solidFill>
+                <a:latin typeface="Arial" charset="0"/>
+                <a:ea typeface="Arial" charset="0"/>
+                <a:cs typeface="Arial" charset="0"/>
+                <a:sym typeface="Cabin"/>
+              </a:rPr>
+              <a:t>és</a:t>
+            </a:r>
+            <a:r>
+              <a:rPr lang="es-MX" sz="3400" dirty="0">
+                <a:solidFill>
+                  <a:schemeClr val="lt1"/>
+                </a:solidFill>
+                <a:latin typeface="Arial" charset="0"/>
+                <a:ea typeface="Arial" charset="0"/>
+                <a:cs typeface="Arial" charset="0"/>
+                <a:sym typeface="Cabin"/>
+              </a:rPr>
+              <a:t> de todas ellas.</a:t>
+            </a:r>
+            <a:endParaRPr lang="es-419" sz="3400" u="none" strike="noStrike" cap="none" dirty="0">
+              <a:solidFill>
+                <a:schemeClr val="lt1"/>
+              </a:solidFill>
+              <a:latin typeface="Arial" charset="0"/>
+              <a:ea typeface="Arial" charset="0"/>
+              <a:cs typeface="Arial" charset="0"/>
+              <a:sym typeface="Cabin"/>
+            </a:endParaRPr>
           </a:p>
         </p:txBody>
       </p:sp>
@@ -5341,6 +5510,110 @@
           </a:bodyPr>
           <a:lstStyle/>
           <a:p>
+            <a:pPr lvl="0">
+              <a:buClr>
+                <a:schemeClr val="lt1"/>
+              </a:buClr>
+              <a:buSzPct val="25000"/>
+            </a:pPr>
+            <a:r>
+              <a:rPr lang="es-419" sz="2600" b="1" i="0" u="none" strike="noStrike" cap="none" dirty="0">
+                <a:solidFill>
+                  <a:schemeClr val="lt1"/>
+                </a:solidFill>
+                <a:latin typeface="Courier New"/>
+                <a:ea typeface="Courier New"/>
+                <a:cs typeface="Courier New"/>
+                <a:sym typeface="Courier New"/>
+              </a:rPr>
+              <a:t>&gt;&gt;&gt; </a:t>
+            </a:r>
+            <a:r>
+              <a:rPr lang="es-419" sz="2600" b="1" i="0" u="none" strike="noStrike" cap="none" dirty="0" err="1">
+                <a:solidFill>
+                  <a:srgbClr val="00FF00"/>
+                </a:solidFill>
+                <a:latin typeface="Courier New"/>
+                <a:ea typeface="Courier New"/>
+                <a:cs typeface="Courier New"/>
+                <a:sym typeface="Courier New"/>
+              </a:rPr>
+              <a:t>linea</a:t>
+            </a:r>
+            <a:r>
+              <a:rPr lang="es-419" sz="2600" b="1" i="0" u="none" strike="noStrike" cap="none" dirty="0">
+                <a:solidFill>
+                  <a:srgbClr val="FF7F00"/>
+                </a:solidFill>
+                <a:latin typeface="Courier New"/>
+                <a:ea typeface="Courier New"/>
+                <a:cs typeface="Courier New"/>
+                <a:sym typeface="Courier New"/>
+              </a:rPr>
+              <a:t> </a:t>
+            </a:r>
+            <a:r>
+              <a:rPr lang="es-419" sz="2600" b="1" i="0" u="none" strike="noStrike" cap="none" dirty="0">
+                <a:solidFill>
+                  <a:schemeClr val="lt1"/>
+                </a:solidFill>
+                <a:latin typeface="Courier New"/>
+                <a:ea typeface="Courier New"/>
+                <a:cs typeface="Courier New"/>
+                <a:sym typeface="Courier New"/>
+              </a:rPr>
+              <a:t>=</a:t>
+            </a:r>
+            <a:r>
+              <a:rPr lang="es-419" sz="2600" b="1" i="0" u="none" strike="noStrike" cap="none" dirty="0">
+                <a:solidFill>
+                  <a:srgbClr val="FF7F00"/>
+                </a:solidFill>
+                <a:latin typeface="Courier New"/>
+                <a:ea typeface="Courier New"/>
+                <a:cs typeface="Courier New"/>
+                <a:sym typeface="Courier New"/>
+              </a:rPr>
+              <a:t> </a:t>
+            </a:r>
+            <a:r>
+              <a:rPr lang="es-419" sz="2600" b="1" dirty="0">
+                <a:solidFill>
+                  <a:srgbClr val="FF7F00"/>
+                </a:solidFill>
+                <a:latin typeface="Courier New"/>
+                <a:ea typeface="Courier New"/>
+                <a:cs typeface="Courier New"/>
+                <a:sym typeface="Courier New"/>
+              </a:rPr>
+              <a:t>'</a:t>
+            </a:r>
+            <a:r>
+              <a:rPr lang="es-419" sz="2600" b="1" i="0" u="none" strike="noStrike" cap="none" dirty="0">
+                <a:solidFill>
+                  <a:srgbClr val="FF7F00"/>
+                </a:solidFill>
+                <a:latin typeface="Courier New"/>
+                <a:ea typeface="Courier New"/>
+                <a:cs typeface="Courier New"/>
+                <a:sym typeface="Courier New"/>
+              </a:rPr>
+              <a:t>Muchos         espacios</a:t>
+            </a:r>
+            <a:r>
+              <a:rPr lang="es-419" sz="2600" b="1" dirty="0">
+                <a:solidFill>
+                  <a:srgbClr val="FF7F00"/>
+                </a:solidFill>
+                <a:latin typeface="Courier New"/>
+                <a:ea typeface="Courier New"/>
+                <a:cs typeface="Courier New"/>
+                <a:sym typeface="Courier New"/>
+              </a:rPr>
+              <a:t>'</a:t>
+            </a:r>
+          </a:p>
+          <a:p>
             <a:pPr marL="0" marR="0" lvl="0" indent="0" algn="l" rtl="0">
               <a:lnSpc>
                 <a:spcPct val="100000"/>
@@ -5359,7 +5632,7 @@
               <a:buNone/>
             </a:pPr>
             <a:r>
-              <a:rPr lang="en-US" sz="2600" b="1" i="0" u="none" strike="noStrike" cap="none" dirty="0" smtClean="0">
+              <a:rPr lang="es-419" sz="2600" b="1" i="0" u="none" strike="noStrike" cap="none" dirty="0">
                 <a:solidFill>
                   <a:schemeClr val="lt1"/>
                 </a:solidFill>
@@ -5371,7 +5644,7 @@
               <a:t>&gt;&gt;&gt; </a:t>
             </a:r>
             <a:r>
-              <a:rPr lang="en-US" sz="2600" b="1" i="0" u="none" strike="noStrike" cap="none" dirty="0" smtClean="0">
+              <a:rPr lang="es-419" sz="2600" b="1" i="0" u="none" strike="noStrike" cap="none" dirty="0" err="1">
                 <a:solidFill>
                   <a:srgbClr val="00FF00"/>
                 </a:solidFill>
@@ -5380,10 +5653,10 @@
                 <a:cs typeface="Courier New"/>
                 <a:sym typeface="Courier New"/>
               </a:rPr>
-              <a:t>line</a:t>
-            </a:r>
-            <a:r>
-              <a:rPr lang="en-US" sz="2600" b="1" i="0" u="none" strike="noStrike" cap="none" dirty="0" smtClean="0">
+              <a:t>etc</a:t>
+            </a:r>
+            <a:r>
+              <a:rPr lang="es-419" sz="2600" b="1" i="0" u="none" strike="noStrike" cap="none" dirty="0">
                 <a:solidFill>
                   <a:srgbClr val="FF7F00"/>
                 </a:solidFill>
@@ -5395,7 +5668,7 @@
               <a:t> </a:t>
             </a:r>
             <a:r>
-              <a:rPr lang="en-US" sz="2600" b="1" i="0" u="none" strike="noStrike" cap="none" dirty="0" smtClean="0">
+              <a:rPr lang="es-419" sz="2600" b="1" i="0" u="none" strike="noStrike" cap="none" dirty="0">
                 <a:solidFill>
                   <a:schemeClr val="lt1"/>
                 </a:solidFill>
@@ -5407,7 +5680,7 @@
               <a:t>=</a:t>
             </a:r>
             <a:r>
-              <a:rPr lang="en-US" sz="2600" b="1" i="0" u="none" strike="noStrike" cap="none" dirty="0" smtClean="0">
+              <a:rPr lang="es-419" sz="2600" b="1" i="0" u="none" strike="noStrike" cap="none" dirty="0">
                 <a:solidFill>
                   <a:srgbClr val="FF7F00"/>
                 </a:solidFill>
@@ -5416,29 +5689,44 @@
                 <a:cs typeface="Courier New"/>
                 <a:sym typeface="Courier New"/>
               </a:rPr>
-              <a:t> 'A lot               of spaces</a:t>
-            </a:r>
-            <a:r>
-              <a:rPr lang="en-US" sz="2600" b="1" dirty="0" smtClean="0">
-                <a:solidFill>
-                  <a:srgbClr val="FF7F00"/>
-                </a:solidFill>
-                <a:latin typeface="Courier New"/>
-                <a:ea typeface="Courier New"/>
-                <a:cs typeface="Courier New"/>
-                <a:sym typeface="Courier New"/>
-              </a:rPr>
-              <a:t>'</a:t>
-            </a:r>
-            <a:endParaRPr lang="en-US" sz="2600" b="1" dirty="0">
-              <a:solidFill>
-                <a:srgbClr val="FF7F00"/>
-              </a:solidFill>
-              <a:latin typeface="Courier New"/>
-              <a:ea typeface="Courier New"/>
-              <a:cs typeface="Courier New"/>
-              <a:sym typeface="Courier New"/>
-            </a:endParaRPr>
+              <a:t> </a:t>
+            </a:r>
+            <a:r>
+              <a:rPr lang="es-419" sz="2600" b="1" i="0" u="none" strike="noStrike" cap="none" dirty="0" err="1">
+                <a:solidFill>
+                  <a:srgbClr val="00FF00"/>
+                </a:solidFill>
+                <a:latin typeface="Courier New"/>
+                <a:ea typeface="Courier New"/>
+                <a:cs typeface="Courier New"/>
+                <a:sym typeface="Courier New"/>
+              </a:rPr>
+              <a:t>linea.</a:t>
+            </a:r>
+            <a:r>
+              <a:rPr lang="es-419" sz="2600" b="1" i="0" u="none" strike="noStrike" cap="none" dirty="0" err="1">
+                <a:solidFill>
+                  <a:srgbClr val="FF00FF"/>
+                </a:solidFill>
+                <a:latin typeface="Courier New"/>
+                <a:ea typeface="Courier New"/>
+                <a:cs typeface="Courier New"/>
+                <a:sym typeface="Courier New"/>
+              </a:rPr>
+              <a:t>split</a:t>
+            </a:r>
+            <a:r>
+              <a:rPr lang="es-419" sz="2600" b="1" i="0" u="none" strike="noStrike" cap="none" dirty="0">
+                <a:solidFill>
+                  <a:schemeClr val="lt1"/>
+                </a:solidFill>
+                <a:latin typeface="Courier New"/>
+                <a:ea typeface="Courier New"/>
+                <a:cs typeface="Courier New"/>
+                <a:sym typeface="Courier New"/>
+              </a:rPr>
+              <a:t>()</a:t>
+            </a:r>
           </a:p>
           <a:p>
             <a:pPr marL="0" marR="0" lvl="0" indent="0" algn="l" rtl="0">
@@ -5459,7 +5747,7 @@
               <a:buNone/>
             </a:pPr>
             <a:r>
-              <a:rPr lang="en-US" sz="2600" b="1" i="0" u="none" strike="noStrike" cap="none" dirty="0">
+              <a:rPr lang="es-419" sz="2600" b="1" i="0" u="none" strike="noStrike" cap="none" dirty="0">
                 <a:solidFill>
                   <a:schemeClr val="lt1"/>
                 </a:solidFill>
@@ -5471,7 +5759,31 @@
               <a:t>&gt;&gt;&gt; </a:t>
             </a:r>
             <a:r>
-              <a:rPr lang="en-US" sz="2600" b="1" i="0" u="none" strike="noStrike" cap="none" dirty="0" err="1">
+              <a:rPr lang="es-419" sz="2600" b="1" i="0" u="none" strike="noStrike" cap="none" dirty="0" err="1">
+                <a:solidFill>
+                  <a:srgbClr val="FFFF00"/>
+                </a:solidFill>
+                <a:latin typeface="Courier New"/>
+                <a:ea typeface="Courier New"/>
+                <a:cs typeface="Courier New"/>
+                <a:sym typeface="Courier New"/>
+              </a:rPr>
+              <a:t>print</a:t>
+            </a:r>
+            <a:r>
+              <a:rPr lang="es-419" sz="2600" b="1" i="0" u="none" strike="noStrike" cap="none" dirty="0">
+                <a:solidFill>
+                  <a:srgbClr val="FFFF00"/>
+                </a:solidFill>
+                <a:latin typeface="Courier New"/>
+                <a:ea typeface="Courier New"/>
+                <a:cs typeface="Courier New"/>
+                <a:sym typeface="Courier New"/>
+              </a:rPr>
+              <a:t>(</a:t>
+            </a:r>
+            <a:r>
+              <a:rPr lang="es-419" sz="2600" b="1" i="0" u="none" strike="noStrike" cap="none" dirty="0" err="1">
                 <a:solidFill>
                   <a:srgbClr val="00FF00"/>
                 </a:solidFill>
@@ -5483,76 +5795,48 @@
               <a:t>etc</a:t>
             </a:r>
             <a:r>
-              <a:rPr lang="en-US" sz="2600" b="1" i="0" u="none" strike="noStrike" cap="none" dirty="0">
-                <a:solidFill>
-                  <a:srgbClr val="FF7F00"/>
-                </a:solidFill>
-                <a:latin typeface="Courier New"/>
-                <a:ea typeface="Courier New"/>
-                <a:cs typeface="Courier New"/>
-                <a:sym typeface="Courier New"/>
-              </a:rPr>
-              <a:t> </a:t>
-            </a:r>
-            <a:r>
-              <a:rPr lang="en-US" sz="2600" b="1" i="0" u="none" strike="noStrike" cap="none" dirty="0">
-                <a:solidFill>
-                  <a:schemeClr val="lt1"/>
-                </a:solidFill>
-                <a:latin typeface="Courier New"/>
-                <a:ea typeface="Courier New"/>
-                <a:cs typeface="Courier New"/>
-                <a:sym typeface="Courier New"/>
-              </a:rPr>
-              <a:t>=</a:t>
-            </a:r>
-            <a:r>
-              <a:rPr lang="en-US" sz="2600" b="1" i="0" u="none" strike="noStrike" cap="none" dirty="0">
-                <a:solidFill>
-                  <a:srgbClr val="FF7F00"/>
-                </a:solidFill>
-                <a:latin typeface="Courier New"/>
-                <a:ea typeface="Courier New"/>
-                <a:cs typeface="Courier New"/>
-                <a:sym typeface="Courier New"/>
-              </a:rPr>
-              <a:t> </a:t>
-            </a:r>
-            <a:r>
-              <a:rPr lang="en-US" sz="2600" b="1" i="0" u="none" strike="noStrike" cap="none" dirty="0" err="1">
-                <a:solidFill>
-                  <a:srgbClr val="00FF00"/>
-                </a:solidFill>
-                <a:latin typeface="Courier New"/>
-                <a:ea typeface="Courier New"/>
-                <a:cs typeface="Courier New"/>
-                <a:sym typeface="Courier New"/>
-              </a:rPr>
-              <a:t>line.</a:t>
-            </a:r>
-            <a:r>
-              <a:rPr lang="en-US" sz="2600" b="1" i="0" u="none" strike="noStrike" cap="none" dirty="0" err="1">
-                <a:solidFill>
-                  <a:srgbClr val="FF00FF"/>
-                </a:solidFill>
-                <a:latin typeface="Courier New"/>
-                <a:ea typeface="Courier New"/>
-                <a:cs typeface="Courier New"/>
-                <a:sym typeface="Courier New"/>
-              </a:rPr>
-              <a:t>split</a:t>
-            </a:r>
-            <a:r>
-              <a:rPr lang="en-US" sz="2600" b="1" i="0" u="none" strike="noStrike" cap="none" dirty="0">
-                <a:solidFill>
-                  <a:schemeClr val="lt1"/>
-                </a:solidFill>
-                <a:latin typeface="Courier New"/>
-                <a:ea typeface="Courier New"/>
-                <a:cs typeface="Courier New"/>
-                <a:sym typeface="Courier New"/>
-              </a:rPr>
-              <a:t>()</a:t>
+              <a:rPr lang="es-419" sz="2600" b="1" i="0" u="none" strike="noStrike" cap="none" dirty="0">
+                <a:solidFill>
+                  <a:srgbClr val="FFFF00"/>
+                </a:solidFill>
+                <a:latin typeface="Courier New"/>
+                <a:ea typeface="Courier New"/>
+                <a:cs typeface="Courier New"/>
+                <a:sym typeface="Courier New"/>
+              </a:rPr>
+              <a:t>)</a:t>
+            </a:r>
+          </a:p>
+          <a:p>
+            <a:pPr lvl="0">
+              <a:buClr>
+                <a:schemeClr val="lt1"/>
+              </a:buClr>
+              <a:buSzPct val="25000"/>
+            </a:pPr>
+            <a:r>
+              <a:rPr lang="es-419" sz="2600" b="1" dirty="0">
+                <a:solidFill>
+                  <a:schemeClr val="lt1"/>
+                </a:solidFill>
+                <a:latin typeface="Courier New"/>
+                <a:ea typeface="Courier New"/>
+                <a:cs typeface="Courier New"/>
+                <a:sym typeface="Courier New"/>
+              </a:rPr>
+              <a:t>['Muchos', 'Espacios</a:t>
+            </a:r>
+            <a:r>
+              <a:rPr lang="es-419" sz="2600" b="1" i="0" u="none" strike="noStrike" cap="none" dirty="0">
+                <a:solidFill>
+                  <a:schemeClr val="lt1"/>
+                </a:solidFill>
+                <a:latin typeface="Courier New"/>
+                <a:ea typeface="Courier New"/>
+                <a:cs typeface="Courier New"/>
+                <a:sym typeface="Courier New"/>
+              </a:rPr>
+              <a:t>']</a:t>
             </a:r>
           </a:p>
           <a:p>
@@ -5574,7 +5858,27 @@
               <a:buNone/>
             </a:pPr>
             <a:r>
-              <a:rPr lang="en-US" sz="2600" b="1" i="0" u="none" strike="noStrike" cap="none" dirty="0">
+              <a:rPr lang="es-419" sz="2600" b="1" i="0" u="none" strike="noStrike" cap="none" dirty="0">
+                <a:solidFill>
+                  <a:schemeClr val="lt1"/>
+                </a:solidFill>
+                <a:latin typeface="Courier New"/>
+                <a:ea typeface="Courier New"/>
+                <a:cs typeface="Courier New"/>
+                <a:sym typeface="Courier New"/>
+              </a:rPr>
+              <a:t>&gt;&gt;&gt;</a:t>
+            </a:r>
+          </a:p>
+          <a:p>
+            <a:pPr lvl="0">
+              <a:buClr>
+                <a:schemeClr val="lt1"/>
+              </a:buClr>
+              <a:buSzPct val="25000"/>
+            </a:pPr>
+            <a:r>
+              <a:rPr lang="es-419" sz="2600" b="1" i="0" u="none" strike="noStrike" cap="none" dirty="0">
                 <a:solidFill>
                   <a:schemeClr val="lt1"/>
                 </a:solidFill>
@@ -5586,19 +5890,7 @@
               <a:t>&gt;&gt;&gt; </a:t>
             </a:r>
             <a:r>
-              <a:rPr lang="en-US" sz="2600" b="1" i="0" u="none" strike="noStrike" cap="none" dirty="0" smtClean="0">
-                <a:solidFill>
-                  <a:srgbClr val="FFFF00"/>
-                </a:solidFill>
-                <a:latin typeface="Courier New"/>
-                <a:ea typeface="Courier New"/>
-                <a:cs typeface="Courier New"/>
-                <a:sym typeface="Courier New"/>
-              </a:rPr>
-              <a:t>print(</a:t>
-            </a:r>
-            <a:r>
-              <a:rPr lang="en-US" sz="2600" b="1" i="0" u="none" strike="noStrike" cap="none" dirty="0" err="1" smtClean="0">
+              <a:rPr lang="es-419" sz="2600" b="1" i="0" u="none" strike="noStrike" cap="none" dirty="0" err="1">
                 <a:solidFill>
                   <a:srgbClr val="00FF00"/>
                 </a:solidFill>
@@ -5607,29 +5899,128 @@
                 <a:cs typeface="Courier New"/>
                 <a:sym typeface="Courier New"/>
               </a:rPr>
-              <a:t>etc</a:t>
-            </a:r>
-            <a:r>
-              <a:rPr lang="en-US" sz="2600" b="1" i="0" u="none" strike="noStrike" cap="none" dirty="0" smtClean="0">
-                <a:solidFill>
-                  <a:srgbClr val="FFFF00"/>
-                </a:solidFill>
-                <a:latin typeface="Courier New"/>
-                <a:ea typeface="Courier New"/>
-                <a:cs typeface="Courier New"/>
-                <a:sym typeface="Courier New"/>
-              </a:rPr>
-              <a:t>)</a:t>
-            </a:r>
-            <a:endParaRPr lang="en-US" sz="2600" b="1" i="0" u="none" strike="noStrike" cap="none" dirty="0">
-              <a:solidFill>
-                <a:srgbClr val="FFFF00"/>
-              </a:solidFill>
-              <a:latin typeface="Courier New"/>
-              <a:ea typeface="Courier New"/>
-              <a:cs typeface="Courier New"/>
-              <a:sym typeface="Courier New"/>
-            </a:endParaRPr>
+              <a:t>linea</a:t>
+            </a:r>
+            <a:r>
+              <a:rPr lang="es-419" sz="2600" b="1" i="0" u="none" strike="noStrike" cap="none" dirty="0">
+                <a:solidFill>
+                  <a:srgbClr val="FF7F00"/>
+                </a:solidFill>
+                <a:latin typeface="Courier New"/>
+                <a:ea typeface="Courier New"/>
+                <a:cs typeface="Courier New"/>
+                <a:sym typeface="Courier New"/>
+              </a:rPr>
+              <a:t> </a:t>
+            </a:r>
+            <a:r>
+              <a:rPr lang="es-419" sz="2600" b="1" i="0" u="none" strike="noStrike" cap="none" dirty="0">
+                <a:solidFill>
+                  <a:schemeClr val="lt1"/>
+                </a:solidFill>
+                <a:latin typeface="Courier New"/>
+                <a:ea typeface="Courier New"/>
+                <a:cs typeface="Courier New"/>
+                <a:sym typeface="Courier New"/>
+              </a:rPr>
+              <a:t>=</a:t>
+            </a:r>
+            <a:r>
+              <a:rPr lang="es-419" sz="2600" b="1" i="0" u="none" strike="noStrike" cap="none" dirty="0">
+                <a:solidFill>
+                  <a:srgbClr val="FF7F00"/>
+                </a:solidFill>
+                <a:latin typeface="Courier New"/>
+                <a:ea typeface="Courier New"/>
+                <a:cs typeface="Courier New"/>
+                <a:sym typeface="Courier New"/>
+              </a:rPr>
+              <a:t> </a:t>
+            </a:r>
+            <a:r>
+              <a:rPr lang="es-419" sz="2600" b="1" dirty="0">
+                <a:solidFill>
+                  <a:srgbClr val="FF7F00"/>
+                </a:solidFill>
+                <a:latin typeface="Courier New"/>
+                <a:ea typeface="Courier New"/>
+                <a:cs typeface="Courier New"/>
+                <a:sym typeface="Courier New"/>
+              </a:rPr>
+              <a:t>'</a:t>
+            </a:r>
+            <a:r>
+              <a:rPr lang="es-419" sz="2600" b="1" i="0" u="none" strike="noStrike" cap="none" dirty="0" err="1">
+                <a:solidFill>
+                  <a:srgbClr val="FF7F00"/>
+                </a:solidFill>
+                <a:latin typeface="Courier New"/>
+                <a:ea typeface="Courier New"/>
+                <a:cs typeface="Courier New"/>
+                <a:sym typeface="Courier New"/>
+              </a:rPr>
+              <a:t>primero</a:t>
+            </a:r>
+            <a:r>
+              <a:rPr lang="es-419" sz="2600" b="1" i="0" u="none" strike="noStrike" cap="none" dirty="0" err="1">
+                <a:solidFill>
+                  <a:srgbClr val="00FFFF"/>
+                </a:solidFill>
+                <a:latin typeface="Courier New"/>
+                <a:ea typeface="Courier New"/>
+                <a:cs typeface="Courier New"/>
+                <a:sym typeface="Courier New"/>
+              </a:rPr>
+              <a:t>;</a:t>
+            </a:r>
+            <a:r>
+              <a:rPr lang="es-419" sz="2600" b="1" dirty="0" err="1">
+                <a:solidFill>
+                  <a:srgbClr val="FF7F00"/>
+                </a:solidFill>
+                <a:latin typeface="Courier New"/>
+                <a:ea typeface="Courier New"/>
+                <a:cs typeface="Courier New"/>
+                <a:sym typeface="Courier New"/>
+              </a:rPr>
+              <a:t>segundo</a:t>
+            </a:r>
+            <a:r>
+              <a:rPr lang="es-419" sz="2600" b="1" i="0" u="none" strike="noStrike" cap="none" dirty="0" err="1">
+                <a:solidFill>
+                  <a:srgbClr val="00FFFF"/>
+                </a:solidFill>
+                <a:latin typeface="Courier New"/>
+                <a:ea typeface="Courier New"/>
+                <a:cs typeface="Courier New"/>
+                <a:sym typeface="Courier New"/>
+              </a:rPr>
+              <a:t>;</a:t>
+            </a:r>
+            <a:r>
+              <a:rPr lang="es-419" sz="2600" b="1" i="0" u="none" strike="noStrike" cap="none" dirty="0" err="1">
+                <a:solidFill>
+                  <a:srgbClr val="FF7F00"/>
+                </a:solidFill>
+                <a:latin typeface="Courier New"/>
+                <a:ea typeface="Courier New"/>
+                <a:cs typeface="Courier New"/>
+                <a:sym typeface="Courier New"/>
+              </a:rPr>
+              <a:t>tercero</a:t>
+            </a:r>
+            <a:r>
+              <a:rPr lang="es-419" sz="2600" b="1" dirty="0">
+                <a:solidFill>
+                  <a:srgbClr val="FF7F00"/>
+                </a:solidFill>
+                <a:latin typeface="Courier New"/>
+                <a:ea typeface="Courier New"/>
+                <a:cs typeface="Courier New"/>
+                <a:sym typeface="Courier New"/>
+              </a:rPr>
+              <a:t>'</a:t>
+            </a:r>
           </a:p>
           <a:p>
             <a:pPr marL="0" marR="0" lvl="0" indent="0" algn="l" rtl="0">
@@ -5650,69 +6041,7 @@
               <a:buNone/>
             </a:pPr>
             <a:r>
-              <a:rPr lang="en-US" sz="2600" b="1" i="0" u="none" strike="noStrike" cap="none" dirty="0">
-                <a:solidFill>
-                  <a:schemeClr val="lt1"/>
-                </a:solidFill>
-                <a:latin typeface="Courier New"/>
-                <a:ea typeface="Courier New"/>
-                <a:cs typeface="Courier New"/>
-                <a:sym typeface="Courier New"/>
-              </a:rPr>
-              <a:t>['A', 'lot', 'of', 'spaces']</a:t>
-            </a:r>
-          </a:p>
-          <a:p>
-            <a:pPr marL="0" marR="0" lvl="0" indent="0" algn="l" rtl="0">
-              <a:lnSpc>
-                <a:spcPct val="100000"/>
-              </a:lnSpc>
-              <a:spcBef>
-                <a:spcPts val="0"/>
-              </a:spcBef>
-              <a:spcAft>
-                <a:spcPts val="0"/>
-              </a:spcAft>
-              <a:buClr>
-                <a:schemeClr val="lt1"/>
-              </a:buClr>
-              <a:buSzPct val="25000"/>
-              <a:buFont typeface="Courier New"/>
-              <a:buNone/>
-            </a:pPr>
-            <a:r>
-              <a:rPr lang="en-US" sz="2600" b="1" i="0" u="none" strike="noStrike" cap="none" dirty="0">
-                <a:solidFill>
-                  <a:schemeClr val="lt1"/>
-                </a:solidFill>
-                <a:latin typeface="Courier New"/>
-                <a:ea typeface="Courier New"/>
-                <a:cs typeface="Courier New"/>
-                <a:sym typeface="Courier New"/>
-              </a:rPr>
-              <a:t>&gt;&gt;&gt;</a:t>
-            </a:r>
-          </a:p>
-          <a:p>
-            <a:pPr marL="0" marR="0" lvl="0" indent="0" algn="l" rtl="0">
-              <a:lnSpc>
-                <a:spcPct val="100000"/>
-              </a:lnSpc>
-              <a:spcBef>
-                <a:spcPts val="0"/>
-              </a:spcBef>
-              <a:spcAft>
-                <a:spcPts val="0"/>
-              </a:spcAft>
-              <a:buClr>
-                <a:schemeClr val="lt1"/>
-              </a:buClr>
-              <a:buSzPct val="25000"/>
-              <a:buFont typeface="Courier New"/>
-              <a:buNone/>
-            </a:pPr>
-            <a:r>
-              <a:rPr lang="en-US" sz="2600" b="1" i="0" u="none" strike="noStrike" cap="none" dirty="0">
+              <a:rPr lang="es-419" sz="2600" b="1" i="0" u="none" strike="noStrike" cap="none" dirty="0">
                 <a:solidFill>
                   <a:schemeClr val="lt1"/>
                 </a:solidFill>
@@ -5724,7 +6053,7 @@
               <a:t>&gt;&gt;&gt; </a:t>
             </a:r>
             <a:r>
-              <a:rPr lang="en-US" sz="2600" b="1" i="0" u="none" strike="noStrike" cap="none" dirty="0">
+              <a:rPr lang="es-419" sz="2600" b="1" i="0" u="none" strike="noStrike" cap="none" dirty="0">
                 <a:solidFill>
                   <a:srgbClr val="00FF00"/>
                 </a:solidFill>
@@ -5733,10 +6062,10 @@
                 <a:cs typeface="Courier New"/>
                 <a:sym typeface="Courier New"/>
               </a:rPr>
-              <a:t>line</a:t>
-            </a:r>
-            <a:r>
-              <a:rPr lang="en-US" sz="2600" b="1" i="0" u="none" strike="noStrike" cap="none" dirty="0">
+              <a:t>cosa</a:t>
+            </a:r>
+            <a:r>
+              <a:rPr lang="es-419" sz="2600" b="1" i="0" u="none" strike="noStrike" cap="none" dirty="0">
                 <a:solidFill>
                   <a:srgbClr val="FF7F00"/>
                 </a:solidFill>
@@ -5748,7 +6077,7 @@
               <a:t> </a:t>
             </a:r>
             <a:r>
-              <a:rPr lang="en-US" sz="2600" b="1" i="0" u="none" strike="noStrike" cap="none" dirty="0">
+              <a:rPr lang="es-419" sz="2600" b="1" i="0" u="none" strike="noStrike" cap="none" dirty="0">
                 <a:solidFill>
                   <a:schemeClr val="lt1"/>
                 </a:solidFill>
@@ -5760,122 +6089,7 @@
               <a:t>=</a:t>
             </a:r>
             <a:r>
-              <a:rPr lang="en-US" sz="2600" b="1" i="0" u="none" strike="noStrike" cap="none" dirty="0">
-                <a:solidFill>
-                  <a:srgbClr val="FF7F00"/>
-                </a:solidFill>
-                <a:latin typeface="Courier New"/>
-                <a:ea typeface="Courier New"/>
-                <a:cs typeface="Courier New"/>
-                <a:sym typeface="Courier New"/>
-              </a:rPr>
-              <a:t> '</a:t>
-            </a:r>
-            <a:r>
-              <a:rPr lang="en-US" sz="2600" b="1" i="0" u="none" strike="noStrike" cap="none" dirty="0" err="1">
-                <a:solidFill>
-                  <a:srgbClr val="FF7F00"/>
-                </a:solidFill>
-                <a:latin typeface="Courier New"/>
-                <a:ea typeface="Courier New"/>
-                <a:cs typeface="Courier New"/>
-                <a:sym typeface="Courier New"/>
-              </a:rPr>
-              <a:t>first</a:t>
-            </a:r>
-            <a:r>
-              <a:rPr lang="en-US" sz="2600" b="1" i="0" u="none" strike="noStrike" cap="none" dirty="0" err="1">
-                <a:solidFill>
-                  <a:srgbClr val="00FFFF"/>
-                </a:solidFill>
-                <a:latin typeface="Courier New"/>
-                <a:ea typeface="Courier New"/>
-                <a:cs typeface="Courier New"/>
-                <a:sym typeface="Courier New"/>
-              </a:rPr>
-              <a:t>;</a:t>
-            </a:r>
-            <a:r>
-              <a:rPr lang="en-US" sz="2600" b="1" i="0" u="none" strike="noStrike" cap="none" dirty="0" err="1">
-                <a:solidFill>
-                  <a:srgbClr val="FF7F00"/>
-                </a:solidFill>
-                <a:latin typeface="Courier New"/>
-                <a:ea typeface="Courier New"/>
-                <a:cs typeface="Courier New"/>
-                <a:sym typeface="Courier New"/>
-              </a:rPr>
-              <a:t>second</a:t>
-            </a:r>
-            <a:r>
-              <a:rPr lang="en-US" sz="2600" b="1" i="0" u="none" strike="noStrike" cap="none" dirty="0" err="1">
-                <a:solidFill>
-                  <a:srgbClr val="00FFFF"/>
-                </a:solidFill>
-                <a:latin typeface="Courier New"/>
-                <a:ea typeface="Courier New"/>
-                <a:cs typeface="Courier New"/>
-                <a:sym typeface="Courier New"/>
-              </a:rPr>
-              <a:t>;</a:t>
-            </a:r>
-            <a:r>
-              <a:rPr lang="en-US" sz="2600" b="1" i="0" u="none" strike="noStrike" cap="none" dirty="0" err="1">
-                <a:solidFill>
-                  <a:srgbClr val="FF7F00"/>
-                </a:solidFill>
-                <a:latin typeface="Courier New"/>
-                <a:ea typeface="Courier New"/>
-                <a:cs typeface="Courier New"/>
-                <a:sym typeface="Courier New"/>
-              </a:rPr>
-              <a:t>third</a:t>
-            </a:r>
-            <a:r>
-              <a:rPr lang="en-US" sz="2600" b="1" dirty="0">
-                <a:solidFill>
-                  <a:srgbClr val="FF7F00"/>
-                </a:solidFill>
-                <a:latin typeface="Courier New"/>
-                <a:ea typeface="Courier New"/>
-                <a:cs typeface="Courier New"/>
-                <a:sym typeface="Courier New"/>
-              </a:rPr>
-              <a:t>'</a:t>
-            </a:r>
-          </a:p>
-          <a:p>
-            <a:pPr marL="0" marR="0" lvl="0" indent="0" algn="l" rtl="0">
-              <a:lnSpc>
-                <a:spcPct val="100000"/>
-              </a:lnSpc>
-              <a:spcBef>
-                <a:spcPts val="0"/>
-              </a:spcBef>
-              <a:spcAft>
-                <a:spcPts val="0"/>
-              </a:spcAft>
-              <a:buClr>
-                <a:schemeClr val="lt1"/>
-              </a:buClr>
-              <a:buSzPct val="25000"/>
-              <a:buFont typeface="Courier New"/>
-              <a:buNone/>
-            </a:pPr>
-            <a:r>
-              <a:rPr lang="en-US" sz="2600" b="1" i="0" u="none" strike="noStrike" cap="none" dirty="0">
-                <a:solidFill>
-                  <a:schemeClr val="lt1"/>
-                </a:solidFill>
-                <a:latin typeface="Courier New"/>
-                <a:ea typeface="Courier New"/>
-                <a:cs typeface="Courier New"/>
-                <a:sym typeface="Courier New"/>
-              </a:rPr>
-              <a:t>&gt;&gt;&gt; </a:t>
-            </a:r>
-            <a:r>
-              <a:rPr lang="en-US" sz="2600" b="1" i="0" u="none" strike="noStrike" cap="none" dirty="0">
+              <a:rPr lang="es-419" sz="2600" b="1" i="0" u="none" strike="noStrike" cap="none" dirty="0">
                 <a:solidFill>
                   <a:srgbClr val="00FF00"/>
                 </a:solidFill>
@@ -5884,34 +6098,10 @@
                 <a:cs typeface="Courier New"/>
                 <a:sym typeface="Courier New"/>
               </a:rPr>
-              <a:t>thing</a:t>
-            </a:r>
-            <a:r>
-              <a:rPr lang="en-US" sz="2600" b="1" i="0" u="none" strike="noStrike" cap="none" dirty="0">
-                <a:solidFill>
-                  <a:srgbClr val="FF7F00"/>
-                </a:solidFill>
-                <a:latin typeface="Courier New"/>
-                <a:ea typeface="Courier New"/>
-                <a:cs typeface="Courier New"/>
-                <a:sym typeface="Courier New"/>
-              </a:rPr>
               <a:t> </a:t>
             </a:r>
             <a:r>
-              <a:rPr lang="en-US" sz="2600" b="1" i="0" u="none" strike="noStrike" cap="none" dirty="0">
-                <a:solidFill>
-                  <a:schemeClr val="lt1"/>
-                </a:solidFill>
-                <a:latin typeface="Courier New"/>
-                <a:ea typeface="Courier New"/>
-                <a:cs typeface="Courier New"/>
-                <a:sym typeface="Courier New"/>
-              </a:rPr>
-              <a:t>=</a:t>
-            </a:r>
-            <a:r>
-              <a:rPr lang="en-US" sz="2600" b="1" i="0" u="none" strike="noStrike" cap="none" dirty="0">
+              <a:rPr lang="es-419" sz="2600" b="1" i="0" u="none" strike="noStrike" cap="none" dirty="0" err="1">
                 <a:solidFill>
                   <a:srgbClr val="00FF00"/>
                 </a:solidFill>
@@ -5920,22 +6110,10 @@
                 <a:cs typeface="Courier New"/>
                 <a:sym typeface="Courier New"/>
               </a:rPr>
-              <a:t> </a:t>
-            </a:r>
-            <a:r>
-              <a:rPr lang="en-US" sz="2600" b="1" i="0" u="none" strike="noStrike" cap="none" dirty="0" err="1">
-                <a:solidFill>
-                  <a:srgbClr val="00FF00"/>
-                </a:solidFill>
-                <a:latin typeface="Courier New"/>
-                <a:ea typeface="Courier New"/>
-                <a:cs typeface="Courier New"/>
-                <a:sym typeface="Courier New"/>
-              </a:rPr>
-              <a:t>line</a:t>
-            </a:r>
-            <a:r>
-              <a:rPr lang="en-US" sz="2600" b="1" i="0" u="none" strike="noStrike" cap="none" dirty="0" err="1">
+              <a:t>linea</a:t>
+            </a:r>
+            <a:r>
+              <a:rPr lang="es-419" sz="2600" b="1" i="0" u="none" strike="noStrike" cap="none" dirty="0" err="1">
                 <a:solidFill>
                   <a:srgbClr val="FF00FF"/>
                 </a:solidFill>
@@ -5947,7 +6125,7 @@
               <a:t>.split</a:t>
             </a:r>
             <a:r>
-              <a:rPr lang="en-US" sz="2600" b="1" i="0" u="none" strike="noStrike" cap="none" dirty="0">
+              <a:rPr lang="es-419" sz="2600" b="1" i="0" u="none" strike="noStrike" cap="none" dirty="0">
                 <a:solidFill>
                   <a:schemeClr val="lt1"/>
                 </a:solidFill>
@@ -5967,7 +6145,7 @@
               <a:buSzPct val="25000"/>
             </a:pPr>
             <a:r>
-              <a:rPr lang="en-US" sz="2600" b="1" i="0" u="none" strike="noStrike" cap="none" dirty="0">
+              <a:rPr lang="es-419" sz="2600" b="1" i="0" u="none" strike="noStrike" cap="none" dirty="0">
                 <a:solidFill>
                   <a:schemeClr val="lt1"/>
                 </a:solidFill>
@@ -5979,7 +6157,7 @@
               <a:t>&gt;&gt;&gt; </a:t>
             </a:r>
             <a:r>
-              <a:rPr lang="en-US" sz="2600" b="1" i="0" u="none" strike="noStrike" cap="none" dirty="0" smtClean="0">
+              <a:rPr lang="es-419" sz="2600" b="1" i="0" u="none" strike="noStrike" cap="none" dirty="0" err="1">
                 <a:solidFill>
                   <a:srgbClr val="FFFF00"/>
                 </a:solidFill>
@@ -5988,10 +6166,22 @@
                 <a:cs typeface="Courier New"/>
                 <a:sym typeface="Courier New"/>
               </a:rPr>
-              <a:t>print(</a:t>
-            </a:r>
-            <a:r>
-              <a:rPr lang="en-US" sz="2600" b="1" i="0" u="none" strike="noStrike" cap="none" dirty="0" smtClean="0">
+              <a:t>print</a:t>
+            </a:r>
+            <a:r>
+              <a:rPr lang="es-419" sz="2600" b="1" i="0" u="none" strike="noStrike" cap="none" dirty="0">
+                <a:solidFill>
+                  <a:srgbClr val="FFFF00"/>
+                </a:solidFill>
+                <a:latin typeface="Courier New"/>
+                <a:ea typeface="Courier New"/>
+                <a:cs typeface="Courier New"/>
+                <a:sym typeface="Courier New"/>
+              </a:rPr>
+              <a:t>(</a:t>
+            </a:r>
+            <a:r>
+              <a:rPr lang="es-419" sz="2600" b="1" i="0" u="none" strike="noStrike" cap="none" dirty="0">
                 <a:solidFill>
                   <a:srgbClr val="00FF00"/>
                 </a:solidFill>
@@ -6000,10 +6190,10 @@
                 <a:cs typeface="Courier New"/>
                 <a:sym typeface="Courier New"/>
               </a:rPr>
-              <a:t>thing</a:t>
-            </a:r>
-            <a:r>
-              <a:rPr lang="en-US" sz="2600" b="1" dirty="0" smtClean="0">
+              <a:t>cosa</a:t>
+            </a:r>
+            <a:r>
+              <a:rPr lang="es-419" sz="2600" b="1" dirty="0">
                 <a:solidFill>
                   <a:srgbClr val="FFFF00"/>
                 </a:solidFill>
@@ -6014,7 +6204,7 @@
               </a:rPr>
               <a:t>)</a:t>
             </a:r>
-            <a:endParaRPr lang="en-US" sz="2600" b="1" i="0" u="none" strike="noStrike" cap="none" dirty="0">
+            <a:endParaRPr lang="es-419" sz="2600" b="1" i="0" u="none" strike="noStrike" cap="none" dirty="0">
               <a:solidFill>
                 <a:srgbClr val="00FF00"/>
               </a:solidFill>
@@ -6025,25 +6215,14 @@
             </a:endParaRPr>
           </a:p>
           <a:p>
-            <a:pPr marL="0" marR="0" lvl="0" indent="0" algn="l" rtl="0">
-              <a:lnSpc>
-                <a:spcPct val="100000"/>
-              </a:lnSpc>
-              <a:spcBef>
-                <a:spcPts val="0"/>
-              </a:spcBef>
-              <a:spcAft>
-                <a:spcPts val="0"/>
-              </a:spcAft>
+            <a:pPr lvl="0">
               <a:buClr>
                 <a:schemeClr val="lt1"/>
               </a:buClr>
               <a:buSzPct val="25000"/>
-              <a:buFont typeface="Courier New"/>
-              <a:buNone/>
             </a:pPr>
             <a:r>
-              <a:rPr lang="en-US" sz="2600" b="1" i="0" u="none" strike="noStrike" cap="none" dirty="0">
+              <a:rPr lang="es-419" sz="2600" b="1" dirty="0">
                 <a:solidFill>
                   <a:schemeClr val="lt1"/>
                 </a:solidFill>
@@ -6055,19 +6234,31 @@
               <a:t>['</a:t>
             </a:r>
             <a:r>
-              <a:rPr lang="en-US" sz="2600" b="1" i="0" u="none" strike="noStrike" cap="none" dirty="0" err="1">
-                <a:solidFill>
-                  <a:schemeClr val="lt1"/>
-                </a:solidFill>
-                <a:latin typeface="Courier New"/>
-                <a:ea typeface="Courier New"/>
-                <a:cs typeface="Courier New"/>
-                <a:sym typeface="Courier New"/>
-              </a:rPr>
-              <a:t>first;second;third</a:t>
-            </a:r>
-            <a:r>
-              <a:rPr lang="en-US" sz="2600" b="1" i="0" u="none" strike="noStrike" cap="none" dirty="0">
+              <a:rPr lang="es-419" sz="2600" b="1" dirty="0" err="1">
+                <a:solidFill>
+                  <a:schemeClr val="lt1"/>
+                </a:solidFill>
+                <a:latin typeface="Courier New"/>
+                <a:ea typeface="Courier New"/>
+                <a:cs typeface="Courier New"/>
+                <a:sym typeface="Courier New"/>
+              </a:rPr>
+              <a:t>primero</a:t>
+            </a:r>
+            <a:r>
+              <a:rPr lang="es-419" sz="2600" b="1" i="0" u="none" strike="noStrike" cap="none" dirty="0" err="1">
+                <a:solidFill>
+                  <a:schemeClr val="lt1"/>
+                </a:solidFill>
+                <a:latin typeface="Courier New"/>
+                <a:ea typeface="Courier New"/>
+                <a:cs typeface="Courier New"/>
+                <a:sym typeface="Courier New"/>
+              </a:rPr>
+              <a:t>;segundo;tercero</a:t>
+            </a:r>
+            <a:r>
+              <a:rPr lang="es-419" sz="2600" b="1" i="0" u="none" strike="noStrike" cap="none" dirty="0">
                 <a:solidFill>
                   <a:schemeClr val="lt1"/>
                 </a:solidFill>
@@ -6087,7 +6278,7 @@
               <a:buSzPct val="25000"/>
             </a:pPr>
             <a:r>
-              <a:rPr lang="en-US" sz="2600" b="1" i="0" u="none" strike="noStrike" cap="none" dirty="0">
+              <a:rPr lang="es-419" sz="2600" b="1" i="0" u="none" strike="noStrike" cap="none" dirty="0">
                 <a:solidFill>
                   <a:schemeClr val="lt1"/>
                 </a:solidFill>
@@ -6099,7 +6290,7 @@
               <a:t>&gt;&gt;&gt; </a:t>
             </a:r>
             <a:r>
-              <a:rPr lang="en-US" sz="2600" b="1" i="0" u="none" strike="noStrike" cap="none" dirty="0" smtClean="0">
+              <a:rPr lang="es-419" sz="2600" b="1" i="0" u="none" strike="noStrike" cap="none" dirty="0" err="1">
                 <a:solidFill>
                   <a:srgbClr val="FFFF00"/>
                 </a:solidFill>
@@ -6108,10 +6299,22 @@
                 <a:cs typeface="Courier New"/>
                 <a:sym typeface="Courier New"/>
               </a:rPr>
-              <a:t>print(</a:t>
-            </a:r>
-            <a:r>
-              <a:rPr lang="en-US" sz="2600" b="1" i="0" u="none" strike="noStrike" cap="none" dirty="0" err="1" smtClean="0">
+              <a:t>print</a:t>
+            </a:r>
+            <a:r>
+              <a:rPr lang="es-419" sz="2600" b="1" i="0" u="none" strike="noStrike" cap="none" dirty="0">
+                <a:solidFill>
+                  <a:srgbClr val="FFFF00"/>
+                </a:solidFill>
+                <a:latin typeface="Courier New"/>
+                <a:ea typeface="Courier New"/>
+                <a:cs typeface="Courier New"/>
+                <a:sym typeface="Courier New"/>
+              </a:rPr>
+              <a:t>(</a:t>
+            </a:r>
+            <a:r>
+              <a:rPr lang="es-419" sz="2600" b="1" i="0" u="none" strike="noStrike" cap="none" dirty="0" err="1">
                 <a:solidFill>
                   <a:srgbClr val="FF00FF"/>
                 </a:solidFill>
@@ -6123,7 +6326,7 @@
               <a:t>len</a:t>
             </a:r>
             <a:r>
-              <a:rPr lang="en-US" sz="2600" b="1" i="0" u="none" strike="noStrike" cap="none" dirty="0" smtClean="0">
+              <a:rPr lang="es-419" sz="2600" b="1" i="0" u="none" strike="noStrike" cap="none" dirty="0">
                 <a:solidFill>
                   <a:schemeClr val="lt1"/>
                 </a:solidFill>
@@ -6135,7 +6338,7 @@
               <a:t>(</a:t>
             </a:r>
             <a:r>
-              <a:rPr lang="en-US" sz="2600" b="1" i="0" u="none" strike="noStrike" cap="none" dirty="0" smtClean="0">
+              <a:rPr lang="es-419" sz="2600" b="1" dirty="0">
                 <a:solidFill>
                   <a:srgbClr val="00FF00"/>
                 </a:solidFill>
@@ -6144,10 +6347,10 @@
                 <a:cs typeface="Courier New"/>
                 <a:sym typeface="Courier New"/>
               </a:rPr>
-              <a:t>thing</a:t>
-            </a:r>
-            <a:r>
-              <a:rPr lang="en-US" sz="2600" b="1" i="0" u="none" strike="noStrike" cap="none" dirty="0" smtClean="0">
+              <a:t>cosa</a:t>
+            </a:r>
+            <a:r>
+              <a:rPr lang="es-419" sz="2600" b="1" i="0" u="none" strike="noStrike" cap="none" dirty="0">
                 <a:solidFill>
                   <a:schemeClr val="lt1"/>
                 </a:solidFill>
@@ -6159,7 +6362,7 @@
               <a:t>)</a:t>
             </a:r>
             <a:r>
-              <a:rPr lang="en-US" sz="2600" b="1" dirty="0" smtClean="0">
+              <a:rPr lang="es-419" sz="2600" b="1" dirty="0">
                 <a:solidFill>
                   <a:srgbClr val="FFFF00"/>
                 </a:solidFill>
@@ -6170,7 +6373,7 @@
               </a:rPr>
               <a:t>)</a:t>
             </a:r>
-            <a:endParaRPr lang="en-US" sz="2600" b="1" i="0" u="none" strike="noStrike" cap="none" dirty="0">
+            <a:endParaRPr lang="es-419" sz="2600" b="1" i="0" u="none" strike="noStrike" cap="none" dirty="0">
               <a:solidFill>
                 <a:schemeClr val="lt1"/>
               </a:solidFill>
@@ -6199,7 +6402,7 @@
               <a:buNone/>
             </a:pPr>
             <a:r>
-              <a:rPr lang="en-US" sz="2600" b="1" i="0" u="none" strike="noStrike" cap="none" dirty="0" smtClean="0">
+              <a:rPr lang="es-419" sz="2600" b="1" i="0" u="none" strike="noStrike" cap="none" dirty="0">
                 <a:solidFill>
                   <a:schemeClr val="lt1"/>
                 </a:solidFill>
@@ -6230,7 +6433,7 @@
               <a:buNone/>
             </a:pPr>
             <a:r>
-              <a:rPr lang="en-US" sz="2600" b="1" i="0" u="none" strike="noStrike" cap="none" dirty="0" smtClean="0">
+              <a:rPr lang="es-419" sz="2600" b="1" i="0" u="none" strike="noStrike" cap="none" dirty="0">
                 <a:solidFill>
                   <a:schemeClr val="lt1"/>
                 </a:solidFill>
@@ -6242,7 +6445,7 @@
               <a:t>&gt;&gt;&gt; </a:t>
             </a:r>
             <a:r>
-              <a:rPr lang="en-US" sz="2600" b="1" i="0" u="none" strike="noStrike" cap="none" dirty="0">
+              <a:rPr lang="es-419" sz="2600" b="1" i="0" u="none" strike="noStrike" cap="none" dirty="0">
                 <a:solidFill>
                   <a:srgbClr val="00FF00"/>
                 </a:solidFill>
@@ -6251,10 +6454,10 @@
                 <a:cs typeface="Courier New"/>
                 <a:sym typeface="Courier New"/>
               </a:rPr>
-              <a:t>thing</a:t>
-            </a:r>
-            <a:r>
-              <a:rPr lang="en-US" sz="2600" b="1" i="0" u="none" strike="noStrike" cap="none" dirty="0">
+              <a:t>cosa</a:t>
+            </a:r>
+            <a:r>
+              <a:rPr lang="es-419" sz="2600" b="1" i="0" u="none" strike="noStrike" cap="none" dirty="0">
                 <a:solidFill>
                   <a:srgbClr val="FF7F00"/>
                 </a:solidFill>
@@ -6266,7 +6469,7 @@
               <a:t> </a:t>
             </a:r>
             <a:r>
-              <a:rPr lang="en-US" sz="2600" b="1" i="0" u="none" strike="noStrike" cap="none" dirty="0">
+              <a:rPr lang="es-419" sz="2600" b="1" i="0" u="none" strike="noStrike" cap="none" dirty="0">
                 <a:solidFill>
                   <a:schemeClr val="lt1"/>
                 </a:solidFill>
@@ -6278,7 +6481,7 @@
               <a:t>=</a:t>
             </a:r>
             <a:r>
-              <a:rPr lang="en-US" sz="2600" b="1" i="0" u="none" strike="noStrike" cap="none" dirty="0">
+              <a:rPr lang="es-419" sz="2600" b="1" i="0" u="none" strike="noStrike" cap="none" dirty="0">
                 <a:solidFill>
                   <a:srgbClr val="FF7F00"/>
                 </a:solidFill>
@@ -6290,7 +6493,7 @@
               <a:t> </a:t>
             </a:r>
             <a:r>
-              <a:rPr lang="en-US" sz="2600" b="1" i="0" u="none" strike="noStrike" cap="none" dirty="0" err="1">
+              <a:rPr lang="es-419" sz="2600" b="1" i="0" u="none" strike="noStrike" cap="none" dirty="0" err="1">
                 <a:solidFill>
                   <a:srgbClr val="00FF00"/>
                 </a:solidFill>
@@ -6299,10 +6502,10 @@
                 <a:cs typeface="Courier New"/>
                 <a:sym typeface="Courier New"/>
               </a:rPr>
-              <a:t>line</a:t>
-            </a:r>
-            <a:r>
-              <a:rPr lang="en-US" sz="2600" b="1" i="0" u="none" strike="noStrike" cap="none" dirty="0" err="1">
+              <a:t>linea</a:t>
+            </a:r>
+            <a:r>
+              <a:rPr lang="es-419" sz="2600" b="1" i="0" u="none" strike="noStrike" cap="none" dirty="0" err="1">
                 <a:solidFill>
                   <a:srgbClr val="FF00FF"/>
                 </a:solidFill>
@@ -6314,7 +6517,7 @@
               <a:t>.split</a:t>
             </a:r>
             <a:r>
-              <a:rPr lang="en-US" sz="2600" b="1" i="0" u="none" strike="noStrike" cap="none" dirty="0">
+              <a:rPr lang="es-419" sz="2600" b="1" i="0" u="none" strike="noStrike" cap="none" dirty="0">
                 <a:solidFill>
                   <a:schemeClr val="lt1"/>
                 </a:solidFill>
@@ -6326,7 +6529,7 @@
               <a:t>(</a:t>
             </a:r>
             <a:r>
-              <a:rPr lang="en-US" sz="2600" b="1" i="0" u="none" strike="noStrike" cap="none" dirty="0">
+              <a:rPr lang="es-419" sz="2600" b="1" i="0" u="none" strike="noStrike" cap="none" dirty="0">
                 <a:solidFill>
                   <a:srgbClr val="00FFFF"/>
                 </a:solidFill>
@@ -6338,7 +6541,7 @@
               <a:t>';'</a:t>
             </a:r>
             <a:r>
-              <a:rPr lang="en-US" sz="2600" b="1" i="0" u="none" strike="noStrike" cap="none" dirty="0">
+              <a:rPr lang="es-419" sz="2600" b="1" i="0" u="none" strike="noStrike" cap="none" dirty="0">
                 <a:solidFill>
                   <a:schemeClr val="lt1"/>
                 </a:solidFill>
@@ -6358,7 +6561,7 @@
               <a:buSzPct val="25000"/>
             </a:pPr>
             <a:r>
-              <a:rPr lang="en-US" sz="2600" b="1" i="0" u="none" strike="noStrike" cap="none" dirty="0">
+              <a:rPr lang="es-419" sz="2600" b="1" i="0" u="none" strike="noStrike" cap="none" dirty="0">
                 <a:solidFill>
                   <a:schemeClr val="lt1"/>
                 </a:solidFill>
@@ -6370,7 +6573,7 @@
               <a:t>&gt;&gt;&gt; </a:t>
             </a:r>
             <a:r>
-              <a:rPr lang="en-US" sz="2600" b="1" i="0" u="none" strike="noStrike" cap="none" dirty="0" smtClean="0">
+              <a:rPr lang="es-419" sz="2600" b="1" i="0" u="none" strike="noStrike" cap="none" dirty="0" err="1">
                 <a:solidFill>
                   <a:srgbClr val="FFFF00"/>
                 </a:solidFill>
@@ -6379,10 +6582,22 @@
                 <a:cs typeface="Courier New"/>
                 <a:sym typeface="Courier New"/>
               </a:rPr>
-              <a:t>print(</a:t>
-            </a:r>
-            <a:r>
-              <a:rPr lang="en-US" sz="2600" b="1" i="0" u="none" strike="noStrike" cap="none" dirty="0" smtClean="0">
+              <a:t>print</a:t>
+            </a:r>
+            <a:r>
+              <a:rPr lang="es-419" sz="2600" b="1" i="0" u="none" strike="noStrike" cap="none" dirty="0">
+                <a:solidFill>
+                  <a:srgbClr val="FFFF00"/>
+                </a:solidFill>
+                <a:latin typeface="Courier New"/>
+                <a:ea typeface="Courier New"/>
+                <a:cs typeface="Courier New"/>
+                <a:sym typeface="Courier New"/>
+              </a:rPr>
+              <a:t>(</a:t>
+            </a:r>
+            <a:r>
+              <a:rPr lang="es-419" sz="2600" b="1" i="0" u="none" strike="noStrike" cap="none" dirty="0">
                 <a:solidFill>
                   <a:srgbClr val="00FF00"/>
                 </a:solidFill>
@@ -6391,10 +6606,10 @@
                 <a:cs typeface="Courier New"/>
                 <a:sym typeface="Courier New"/>
               </a:rPr>
-              <a:t>thing</a:t>
-            </a:r>
-            <a:r>
-              <a:rPr lang="en-US" sz="2600" b="1" dirty="0" smtClean="0">
+              <a:t>cosa</a:t>
+            </a:r>
+            <a:r>
+              <a:rPr lang="es-419" sz="2600" b="1" dirty="0">
                 <a:solidFill>
                   <a:srgbClr val="FFFF00"/>
                 </a:solidFill>
@@ -6405,7 +6620,7 @@
               </a:rPr>
               <a:t>)</a:t>
             </a:r>
-            <a:endParaRPr lang="en-US" sz="2600" b="1" i="0" u="none" strike="noStrike" cap="none" dirty="0">
+            <a:endParaRPr lang="es-419" sz="2600" b="1" i="0" u="none" strike="noStrike" cap="none" dirty="0">
               <a:solidFill>
                 <a:srgbClr val="00FF00"/>
               </a:solidFill>
@@ -6416,34 +6631,35 @@
             </a:endParaRPr>
           </a:p>
           <a:p>
-            <a:pPr marL="0" marR="0" lvl="0" indent="0" algn="l" rtl="0">
-              <a:lnSpc>
-                <a:spcPct val="100000"/>
-              </a:lnSpc>
-              <a:spcBef>
-                <a:spcPts val="0"/>
-              </a:spcBef>
-              <a:spcAft>
-                <a:spcPts val="0"/>
-              </a:spcAft>
+            <a:pPr lvl="0">
               <a:buClr>
                 <a:schemeClr val="lt1"/>
               </a:buClr>
               <a:buSzPct val="25000"/>
-              <a:buFont typeface="Courier New"/>
-              <a:buNone/>
             </a:pPr>
             <a:r>
-              <a:rPr lang="en-US" sz="2600" b="1" i="0" u="none" strike="noStrike" cap="none" dirty="0">
-                <a:solidFill>
-                  <a:schemeClr val="lt1"/>
-                </a:solidFill>
-                <a:latin typeface="Courier New"/>
-                <a:ea typeface="Courier New"/>
-                <a:cs typeface="Courier New"/>
-                <a:sym typeface="Courier New"/>
-              </a:rPr>
-              <a:t>['first', 'second', 'third']</a:t>
+              <a:rPr lang="es-419" sz="2600" b="1" dirty="0">
+                <a:solidFill>
+                  <a:schemeClr val="lt1"/>
+                </a:solidFill>
+                <a:latin typeface="Courier New"/>
+                <a:ea typeface="Courier New"/>
+                <a:cs typeface="Courier New"/>
+                <a:sym typeface="Courier New"/>
+              </a:rPr>
+              <a:t>['primero', 'segundo', 'tercero</a:t>
+            </a:r>
+            <a:r>
+              <a:rPr lang="es-419" sz="2600" b="1" i="0" u="none" strike="noStrike" cap="none" dirty="0">
+                <a:solidFill>
+                  <a:schemeClr val="lt1"/>
+                </a:solidFill>
+                <a:latin typeface="Courier New"/>
+                <a:ea typeface="Courier New"/>
+                <a:cs typeface="Courier New"/>
+                <a:sym typeface="Courier New"/>
+              </a:rPr>
+              <a:t>']</a:t>
             </a:r>
           </a:p>
           <a:p>
@@ -6454,7 +6670,7 @@
               <a:buSzPct val="25000"/>
             </a:pPr>
             <a:r>
-              <a:rPr lang="en-US" sz="2600" b="1" i="0" u="none" strike="noStrike" cap="none" dirty="0">
+              <a:rPr lang="es-419" sz="2600" b="1" i="0" u="none" strike="noStrike" cap="none" dirty="0">
                 <a:solidFill>
                   <a:schemeClr val="lt1"/>
                 </a:solidFill>
@@ -6466,7 +6682,7 @@
               <a:t>&gt;&gt;&gt; </a:t>
             </a:r>
             <a:r>
-              <a:rPr lang="en-US" sz="2600" b="1" i="0" u="none" strike="noStrike" cap="none" dirty="0" smtClean="0">
+              <a:rPr lang="es-419" sz="2600" b="1" i="0" u="none" strike="noStrike" cap="none" dirty="0" err="1">
                 <a:solidFill>
                   <a:srgbClr val="FFFF00"/>
                 </a:solidFill>
@@ -6475,10 +6691,22 @@
                 <a:cs typeface="Courier New"/>
                 <a:sym typeface="Courier New"/>
               </a:rPr>
-              <a:t>print(</a:t>
-            </a:r>
-            <a:r>
-              <a:rPr lang="en-US" sz="2600" b="1" i="0" u="none" strike="noStrike" cap="none" dirty="0" err="1" smtClean="0">
+              <a:t>print</a:t>
+            </a:r>
+            <a:r>
+              <a:rPr lang="es-419" sz="2600" b="1" i="0" u="none" strike="noStrike" cap="none" dirty="0">
+                <a:solidFill>
+                  <a:srgbClr val="FFFF00"/>
+                </a:solidFill>
+                <a:latin typeface="Courier New"/>
+                <a:ea typeface="Courier New"/>
+                <a:cs typeface="Courier New"/>
+                <a:sym typeface="Courier New"/>
+              </a:rPr>
+              <a:t>(</a:t>
+            </a:r>
+            <a:r>
+              <a:rPr lang="es-419" sz="2600" b="1" i="0" u="none" strike="noStrike" cap="none" dirty="0" err="1">
                 <a:solidFill>
                   <a:srgbClr val="FF00FF"/>
                 </a:solidFill>
@@ -6490,7 +6718,7 @@
               <a:t>len</a:t>
             </a:r>
             <a:r>
-              <a:rPr lang="en-US" sz="2600" b="1" i="0" u="none" strike="noStrike" cap="none" dirty="0" smtClean="0">
+              <a:rPr lang="es-419" sz="2600" b="1" i="0" u="none" strike="noStrike" cap="none" dirty="0">
                 <a:solidFill>
                   <a:schemeClr val="lt1"/>
                 </a:solidFill>
@@ -6502,7 +6730,7 @@
               <a:t>(</a:t>
             </a:r>
             <a:r>
-              <a:rPr lang="en-US" sz="2600" b="1" i="0" u="none" strike="noStrike" cap="none" dirty="0" smtClean="0">
+              <a:rPr lang="es-419" sz="2600" b="1" i="0" u="none" strike="noStrike" cap="none" dirty="0">
                 <a:solidFill>
                   <a:srgbClr val="00FF00"/>
                 </a:solidFill>
@@ -6511,10 +6739,10 @@
                 <a:cs typeface="Courier New"/>
                 <a:sym typeface="Courier New"/>
               </a:rPr>
-              <a:t>thing</a:t>
-            </a:r>
-            <a:r>
-              <a:rPr lang="en-US" sz="2600" b="1" i="0" u="none" strike="noStrike" cap="none" dirty="0" smtClean="0">
+              <a:t>cosa</a:t>
+            </a:r>
+            <a:r>
+              <a:rPr lang="es-419" sz="2600" b="1" i="0" u="none" strike="noStrike" cap="none" dirty="0">
                 <a:solidFill>
                   <a:schemeClr val="lt1"/>
                 </a:solidFill>
@@ -6526,7 +6754,7 @@
               <a:t>)</a:t>
             </a:r>
             <a:r>
-              <a:rPr lang="en-US" sz="2600" b="1" dirty="0" smtClean="0">
+              <a:rPr lang="es-419" sz="2600" b="1" dirty="0">
                 <a:solidFill>
                   <a:srgbClr val="FFFF00"/>
                 </a:solidFill>
@@ -6537,7 +6765,7 @@
               </a:rPr>
               <a:t>)</a:t>
             </a:r>
-            <a:endParaRPr lang="en-US" sz="2600" b="1" i="0" u="none" strike="noStrike" cap="none" dirty="0">
+            <a:endParaRPr lang="es-419" sz="2600" b="1" i="0" u="none" strike="noStrike" cap="none" dirty="0">
               <a:solidFill>
                 <a:schemeClr val="lt1"/>
               </a:solidFill>
@@ -6566,7 +6794,7 @@
               <a:buNone/>
             </a:pPr>
             <a:r>
-              <a:rPr lang="en-US" sz="2600" b="1" i="0" u="none" strike="noStrike" cap="none" dirty="0">
+              <a:rPr lang="es-419" sz="2600" b="1" i="0" u="none" strike="noStrike" cap="none" dirty="0">
                 <a:solidFill>
                   <a:schemeClr val="lt1"/>
                 </a:solidFill>
@@ -6597,7 +6825,7 @@
               <a:buNone/>
             </a:pPr>
             <a:r>
-              <a:rPr lang="en-US" sz="2600" b="1" i="0" u="none" strike="noStrike" cap="none" dirty="0">
+              <a:rPr lang="es-419" sz="2600" b="1" i="0" u="none" strike="noStrike" cap="none" dirty="0">
                 <a:solidFill>
                   <a:schemeClr val="lt1"/>
                 </a:solidFill>
@@ -6654,7 +6882,7 @@
               <a:buChar char="●"/>
             </a:pPr>
             <a:r>
-              <a:rPr lang="en-US" sz="3000" u="none" strike="noStrike" cap="none" dirty="0">
+              <a:rPr lang="es-419" sz="3000" u="none" strike="noStrike" cap="none" dirty="0">
                 <a:solidFill>
                   <a:schemeClr val="lt1"/>
                 </a:solidFill>
@@ -6663,10 +6891,10 @@
                 <a:cs typeface="Arial" charset="0"/>
                 <a:sym typeface="Cabin"/>
               </a:rPr>
-              <a:t>When you do not specify a </a:t>
-            </a:r>
-            <a:r>
-              <a:rPr lang="en-US" sz="3000" u="none" strike="noStrike" cap="none" dirty="0">
+              <a:t>Cuando no especificas un </a:t>
+            </a:r>
+            <a:r>
+              <a:rPr lang="es-419" sz="3000" u="none" strike="noStrike" cap="none" dirty="0">
                 <a:solidFill>
                   <a:srgbClr val="00FFFF"/>
                 </a:solidFill>
@@ -6675,10 +6903,10 @@
                 <a:cs typeface="Arial" charset="0"/>
                 <a:sym typeface="Cabin"/>
               </a:rPr>
-              <a:t>delimiter</a:t>
-            </a:r>
-            <a:r>
-              <a:rPr lang="en-US" sz="3000" u="none" strike="noStrike" cap="none" dirty="0">
+              <a:t>delimitador</a:t>
+            </a:r>
+            <a:r>
+              <a:rPr lang="es-419" sz="3000" u="none" strike="noStrike" cap="none" dirty="0">
                 <a:solidFill>
                   <a:schemeClr val="lt1"/>
                 </a:solidFill>
@@ -6687,10 +6915,10 @@
                 <a:cs typeface="Arial" charset="0"/>
                 <a:sym typeface="Cabin"/>
               </a:rPr>
-              <a:t>, multiple spaces are treated like</a:t>
-            </a:r>
-            <a:r>
-              <a:rPr lang="en-US" sz="3000" dirty="0">
+              <a:t>, m</a:t>
+            </a:r>
+            <a:r>
+              <a:rPr lang="es-MX" sz="3000" u="none" strike="noStrike" cap="none" dirty="0" err="1">
                 <a:solidFill>
                   <a:schemeClr val="lt1"/>
                 </a:solidFill>
@@ -6699,10 +6927,10 @@
                 <a:cs typeface="Arial" charset="0"/>
                 <a:sym typeface="Cabin"/>
               </a:rPr>
-              <a:t> </a:t>
-            </a:r>
-            <a:r>
-              <a:rPr lang="en-US" sz="3000" u="none" strike="noStrike" cap="none" dirty="0">
+              <a:t>últiples</a:t>
+            </a:r>
+            <a:r>
+              <a:rPr lang="es-MX" sz="3000" u="none" strike="noStrike" cap="none" dirty="0">
                 <a:solidFill>
                   <a:schemeClr val="lt1"/>
                 </a:solidFill>
@@ -6711,8 +6939,17 @@
                 <a:cs typeface="Arial" charset="0"/>
                 <a:sym typeface="Cabin"/>
               </a:rPr>
-              <a:t>one delimiter</a:t>
-            </a:r>
+              <a:t> espacios son tratados como un solo delimitador</a:t>
+            </a:r>
+            <a:endParaRPr lang="es-419" sz="3000" u="none" strike="noStrike" cap="none" dirty="0">
+              <a:solidFill>
+                <a:schemeClr val="lt1"/>
+              </a:solidFill>
+              <a:latin typeface="Arial" charset="0"/>
+              <a:ea typeface="Arial" charset="0"/>
+              <a:cs typeface="Arial" charset="0"/>
+              <a:sym typeface="Cabin"/>
+            </a:endParaRPr>
           </a:p>
           <a:p>
             <a:pPr marL="457200" marR="0" lvl="0" indent="-419100" rtl="0">
@@ -6733,7 +6970,7 @@
               <a:buChar char="●"/>
             </a:pPr>
             <a:r>
-              <a:rPr lang="en-US" sz="3000" u="none" strike="noStrike" cap="none" dirty="0">
+              <a:rPr lang="es-419" sz="3000" u="none" strike="noStrike" cap="none" dirty="0">
                 <a:solidFill>
                   <a:schemeClr val="lt1"/>
                 </a:solidFill>
@@ -6742,10 +6979,10 @@
                 <a:cs typeface="Arial" charset="0"/>
                 <a:sym typeface="Cabin"/>
               </a:rPr>
-              <a:t>You can specify what </a:t>
-            </a:r>
-            <a:r>
-              <a:rPr lang="en-US" sz="3000" u="none" strike="noStrike" cap="none" dirty="0">
+              <a:t>Puedes especificar qué carácter </a:t>
+            </a:r>
+            <a:r>
+              <a:rPr lang="es-419" sz="3000" u="none" strike="noStrike" cap="none" dirty="0">
                 <a:solidFill>
                   <a:srgbClr val="00FFFF"/>
                 </a:solidFill>
@@ -6754,10 +6991,10 @@
                 <a:cs typeface="Arial" charset="0"/>
                 <a:sym typeface="Cabin"/>
               </a:rPr>
-              <a:t>delimiter</a:t>
-            </a:r>
-            <a:r>
-              <a:rPr lang="en-US" sz="3000" u="none" strike="noStrike" cap="none" dirty="0">
+              <a:t>delimitador</a:t>
+            </a:r>
+            <a:r>
+              <a:rPr lang="es-419" sz="3000" u="none" strike="noStrike" cap="none" dirty="0">
                 <a:solidFill>
                   <a:schemeClr val="lt1"/>
                 </a:solidFill>
@@ -6766,10 +7003,10 @@
                 <a:cs typeface="Arial" charset="0"/>
                 <a:sym typeface="Cabin"/>
               </a:rPr>
-              <a:t> character to use in the </a:t>
-            </a:r>
-            <a:r>
-              <a:rPr lang="en-US" sz="3000" u="none" strike="noStrike" cap="none" dirty="0">
+              <a:t> utilizar al dividir llamando a la función </a:t>
+            </a:r>
+            <a:r>
+              <a:rPr lang="es-419" sz="3000" u="none" strike="noStrike" cap="none" dirty="0" err="1">
                 <a:solidFill>
                   <a:srgbClr val="FF00FF"/>
                 </a:solidFill>
@@ -6778,8 +7015,17 @@
                 <a:cs typeface="Arial" charset="0"/>
                 <a:sym typeface="Cabin"/>
               </a:rPr>
-              <a:t>splitting</a:t>
-            </a:r>
+              <a:t>split</a:t>
+            </a:r>
+            <a:endParaRPr lang="es-419" sz="3000" u="none" strike="noStrike" cap="none" dirty="0">
+              <a:solidFill>
+                <a:srgbClr val="FF00FF"/>
+              </a:solidFill>
+              <a:latin typeface="Arial" charset="0"/>
+              <a:ea typeface="Arial" charset="0"/>
+              <a:cs typeface="Arial" charset="0"/>
+              <a:sym typeface="Cabin"/>
+            </a:endParaRPr>
           </a:p>
         </p:txBody>
       </p:sp>
@@ -6857,7 +7103,7 @@
               <a:buNone/>
             </a:pPr>
             <a:r>
-              <a:rPr lang="en-US" sz="2400" b="1" dirty="0">
+              <a:rPr lang="es-419" sz="2400" b="1" dirty="0">
                 <a:solidFill>
                   <a:srgbClr val="00FF00"/>
                 </a:solidFill>
@@ -6869,7 +7115,7 @@
               <a:t> </a:t>
             </a:r>
             <a:r>
-              <a:rPr lang="en-US" sz="2400" b="1" i="0" u="none" strike="noStrike" cap="none" dirty="0" err="1">
+              <a:rPr lang="es-419" sz="2400" b="1" i="0" u="none" strike="noStrike" cap="none" dirty="0" err="1">
                 <a:solidFill>
                   <a:srgbClr val="00FF00"/>
                 </a:solidFill>
@@ -6878,10 +7124,10 @@
                 <a:cs typeface="Courier New"/>
                 <a:sym typeface="Courier New"/>
               </a:rPr>
-              <a:t>fhand</a:t>
-            </a:r>
-            <a:r>
-              <a:rPr lang="en-US" sz="2400" b="1" i="0" u="none" strike="noStrike" cap="none" dirty="0">
+              <a:t>man_a</a:t>
+            </a:r>
+            <a:r>
+              <a:rPr lang="es-419" sz="2400" b="1" i="0" u="none" strike="noStrike" cap="none" dirty="0">
                 <a:solidFill>
                   <a:schemeClr val="lt1"/>
                 </a:solidFill>
@@ -6893,7 +7139,7 @@
               <a:t> = </a:t>
             </a:r>
             <a:r>
-              <a:rPr lang="en-US" sz="2400" b="1" i="0" u="none" strike="noStrike" cap="none" dirty="0">
+              <a:rPr lang="es-419" sz="2400" b="1" i="0" u="none" strike="noStrike" cap="none" dirty="0">
                 <a:solidFill>
                   <a:srgbClr val="FF00FF"/>
                 </a:solidFill>
@@ -6905,40 +7151,16 @@
               <a:t>open</a:t>
             </a:r>
             <a:r>
-              <a:rPr lang="en-US" sz="2400" b="1" i="0" u="none" strike="noStrike" cap="none" dirty="0">
-                <a:solidFill>
-                  <a:schemeClr val="lt1"/>
-                </a:solidFill>
-                <a:latin typeface="Courier New"/>
-                <a:ea typeface="Courier New"/>
-                <a:cs typeface="Courier New"/>
-                <a:sym typeface="Courier New"/>
-              </a:rPr>
-              <a:t>('</a:t>
-            </a:r>
-            <a:r>
-              <a:rPr lang="en-US" sz="2400" b="1" i="0" u="none" strike="noStrike" cap="none" dirty="0" err="1">
-                <a:solidFill>
-                  <a:schemeClr val="lt1"/>
-                </a:solidFill>
-                <a:latin typeface="Courier New"/>
-                <a:ea typeface="Courier New"/>
-                <a:cs typeface="Courier New"/>
-                <a:sym typeface="Courier New"/>
-              </a:rPr>
-              <a:t>mbox-short.txt</a:t>
-            </a:r>
-            <a:r>
-              <a:rPr lang="en-US" sz="2400" b="1" i="0" u="none" strike="noStrike" cap="none" dirty="0">
-                <a:solidFill>
-                  <a:schemeClr val="lt1"/>
-                </a:solidFill>
-                <a:latin typeface="Courier New"/>
-                <a:ea typeface="Courier New"/>
-                <a:cs typeface="Courier New"/>
-                <a:sym typeface="Courier New"/>
-              </a:rPr>
-              <a:t>')</a:t>
+              <a:rPr lang="es-419" sz="2400" b="1" i="0" u="none" strike="noStrike" cap="none" dirty="0">
+                <a:solidFill>
+                  <a:schemeClr val="lt1"/>
+                </a:solidFill>
+                <a:latin typeface="Courier New"/>
+                <a:ea typeface="Courier New"/>
+                <a:cs typeface="Courier New"/>
+                <a:sym typeface="Courier New"/>
+              </a:rPr>
+              <a:t>('mbox-short.txt')</a:t>
             </a:r>
           </a:p>
           <a:p>
@@ -6960,7 +7182,7 @@
               <a:buNone/>
             </a:pPr>
             <a:r>
-              <a:rPr lang="en-US" sz="2400" b="1" dirty="0">
+              <a:rPr lang="es-419" sz="2400" b="1" dirty="0">
                 <a:solidFill>
                   <a:srgbClr val="FFFF00"/>
                 </a:solidFill>
@@ -6972,7 +7194,7 @@
               <a:t> </a:t>
             </a:r>
             <a:r>
-              <a:rPr lang="en-US" sz="2400" b="1" i="0" u="none" strike="noStrike" cap="none" dirty="0">
+              <a:rPr lang="es-419" sz="2400" b="1" i="0" u="none" strike="noStrike" cap="none" dirty="0" err="1">
                 <a:solidFill>
                   <a:srgbClr val="FFFF00"/>
                 </a:solidFill>
@@ -6984,7 +7206,7 @@
               <a:t>for</a:t>
             </a:r>
             <a:r>
-              <a:rPr lang="en-US" sz="2400" b="1" i="0" u="none" strike="noStrike" cap="none" dirty="0">
+              <a:rPr lang="es-419" sz="2400" b="1" i="0" u="none" strike="noStrike" cap="none" dirty="0">
                 <a:solidFill>
                   <a:schemeClr val="lt1"/>
                 </a:solidFill>
@@ -6996,7 +7218,7 @@
               <a:t> </a:t>
             </a:r>
             <a:r>
-              <a:rPr lang="en-US" sz="2400" b="1" i="0" u="none" strike="noStrike" cap="none" dirty="0">
+              <a:rPr lang="es-419" sz="2400" b="1" i="0" u="none" strike="noStrike" cap="none" dirty="0" err="1">
                 <a:solidFill>
                   <a:srgbClr val="00FF00"/>
                 </a:solidFill>
@@ -7005,10 +7227,10 @@
                 <a:cs typeface="Courier New"/>
                 <a:sym typeface="Courier New"/>
               </a:rPr>
-              <a:t>line</a:t>
-            </a:r>
-            <a:r>
-              <a:rPr lang="en-US" sz="2400" b="1" i="0" u="none" strike="noStrike" cap="none" dirty="0">
+              <a:t>linea</a:t>
+            </a:r>
+            <a:r>
+              <a:rPr lang="es-419" sz="2400" b="1" i="0" u="none" strike="noStrike" cap="none" dirty="0">
                 <a:solidFill>
                   <a:schemeClr val="lt1"/>
                 </a:solidFill>
@@ -7020,7 +7242,7 @@
               <a:t> </a:t>
             </a:r>
             <a:r>
-              <a:rPr lang="en-US" sz="2400" b="1" i="0" u="none" strike="noStrike" cap="none" dirty="0">
+              <a:rPr lang="es-419" sz="2400" b="1" i="0" u="none" strike="noStrike" cap="none" dirty="0">
                 <a:solidFill>
                   <a:srgbClr val="FFFF00"/>
                 </a:solidFill>
@@ -7032,7 +7254,7 @@
               <a:t>in</a:t>
             </a:r>
             <a:r>
-              <a:rPr lang="en-US" sz="2400" b="1" i="0" u="none" strike="noStrike" cap="none" dirty="0">
+              <a:rPr lang="es-419" sz="2400" b="1" i="0" u="none" strike="noStrike" cap="none" dirty="0">
                 <a:solidFill>
                   <a:schemeClr val="lt1"/>
                 </a:solidFill>
@@ -7044,7 +7266,7 @@
               <a:t> </a:t>
             </a:r>
             <a:r>
-              <a:rPr lang="en-US" sz="2400" b="1" i="0" u="none" strike="noStrike" cap="none" dirty="0" err="1">
+              <a:rPr lang="es-419" sz="2400" b="1" dirty="0" err="1">
                 <a:solidFill>
                   <a:srgbClr val="00FF00"/>
                 </a:solidFill>
@@ -7053,10 +7275,10 @@
                 <a:cs typeface="Courier New"/>
                 <a:sym typeface="Courier New"/>
               </a:rPr>
-              <a:t>fhand</a:t>
-            </a:r>
-            <a:r>
-              <a:rPr lang="en-US" sz="2400" b="1" i="0" u="none" strike="noStrike" cap="none" dirty="0">
+              <a:t>man_a</a:t>
+            </a:r>
+            <a:r>
+              <a:rPr lang="es-419" sz="2400" b="1" i="0" u="none" strike="noStrike" cap="none" dirty="0">
                 <a:solidFill>
                   <a:schemeClr val="lt1"/>
                 </a:solidFill>
@@ -7087,7 +7309,7 @@
               <a:buNone/>
             </a:pPr>
             <a:r>
-              <a:rPr lang="en-US" sz="2400" b="1" i="0" u="none" strike="noStrike" cap="none" dirty="0">
+              <a:rPr lang="es-419" sz="2400" b="1" i="0" u="none" strike="noStrike" cap="none" dirty="0">
                 <a:solidFill>
                   <a:schemeClr val="lt1"/>
                 </a:solidFill>
@@ -7099,7 +7321,7 @@
               <a:t>     </a:t>
             </a:r>
             <a:r>
-              <a:rPr lang="en-US" sz="2400" b="1" i="0" u="none" strike="noStrike" cap="none" dirty="0">
+              <a:rPr lang="es-419" sz="2400" b="1" i="0" u="none" strike="noStrike" cap="none" dirty="0" err="1">
                 <a:solidFill>
                   <a:srgbClr val="00FF00"/>
                 </a:solidFill>
@@ -7108,10 +7330,10 @@
                 <a:cs typeface="Courier New"/>
                 <a:sym typeface="Courier New"/>
               </a:rPr>
-              <a:t>line</a:t>
-            </a:r>
-            <a:r>
-              <a:rPr lang="en-US" sz="2400" b="1" i="0" u="none" strike="noStrike" cap="none" dirty="0">
+              <a:t>linea</a:t>
+            </a:r>
+            <a:r>
+              <a:rPr lang="es-419" sz="2400" b="1" i="0" u="none" strike="noStrike" cap="none" dirty="0">
                 <a:solidFill>
                   <a:schemeClr val="lt1"/>
                 </a:solidFill>
@@ -7123,7 +7345,7 @@
               <a:t> = </a:t>
             </a:r>
             <a:r>
-              <a:rPr lang="en-US" sz="2400" b="1" i="0" u="none" strike="noStrike" cap="none" dirty="0" err="1">
+              <a:rPr lang="es-419" sz="2400" b="1" i="0" u="none" strike="noStrike" cap="none" dirty="0" err="1">
                 <a:solidFill>
                   <a:srgbClr val="00FF00"/>
                 </a:solidFill>
@@ -7132,10 +7354,10 @@
                 <a:cs typeface="Courier New"/>
                 <a:sym typeface="Courier New"/>
               </a:rPr>
-              <a:t>line</a:t>
-            </a:r>
-            <a:r>
-              <a:rPr lang="en-US" sz="2400" b="1" i="0" u="none" strike="noStrike" cap="none" dirty="0" err="1">
+              <a:t>linea</a:t>
+            </a:r>
+            <a:r>
+              <a:rPr lang="es-419" sz="2400" b="1" i="0" u="none" strike="noStrike" cap="none" dirty="0" err="1">
                 <a:solidFill>
                   <a:srgbClr val="FF00FF"/>
                 </a:solidFill>
@@ -7147,7 +7369,7 @@
               <a:t>.rstrip</a:t>
             </a:r>
             <a:r>
-              <a:rPr lang="en-US" sz="2400" b="1" i="0" u="none" strike="noStrike" cap="none" dirty="0">
+              <a:rPr lang="es-419" sz="2400" b="1" i="0" u="none" strike="noStrike" cap="none" dirty="0">
                 <a:solidFill>
                   <a:schemeClr val="lt1"/>
                 </a:solidFill>
@@ -7178,7 +7400,7 @@
               <a:buNone/>
             </a:pPr>
             <a:r>
-              <a:rPr lang="en-US" sz="2400" b="1" i="0" u="none" strike="noStrike" cap="none" dirty="0">
+              <a:rPr lang="es-419" sz="2400" b="1" i="0" u="none" strike="noStrike" cap="none" dirty="0">
                 <a:solidFill>
                   <a:schemeClr val="lt1"/>
                 </a:solidFill>
@@ -7190,7 +7412,7 @@
               <a:t>     </a:t>
             </a:r>
             <a:r>
-              <a:rPr lang="en-US" sz="2400" b="1" i="0" u="none" strike="noStrike" cap="none" dirty="0">
+              <a:rPr lang="es-419" sz="2400" b="1" i="0" u="none" strike="noStrike" cap="none" dirty="0" err="1">
                 <a:solidFill>
                   <a:srgbClr val="FFFF00"/>
                 </a:solidFill>
@@ -7199,12 +7421,12 @@
                 <a:cs typeface="Courier New"/>
                 <a:sym typeface="Courier New"/>
               </a:rPr>
-              <a:t>if not</a:t>
-            </a:r>
-            <a:r>
-              <a:rPr lang="en-US" sz="2400" b="1" i="0" u="none" strike="noStrike" cap="none" dirty="0">
-                <a:solidFill>
-                  <a:schemeClr val="lt1"/>
+              <a:t>if</a:t>
+            </a:r>
+            <a:r>
+              <a:rPr lang="es-419" sz="2400" b="1" i="0" u="none" strike="noStrike" cap="none" dirty="0">
+                <a:solidFill>
+                  <a:srgbClr val="FFFF00"/>
                 </a:solidFill>
                 <a:latin typeface="Courier New"/>
                 <a:ea typeface="Courier New"/>
@@ -7214,7 +7436,31 @@
               <a:t> </a:t>
             </a:r>
             <a:r>
-              <a:rPr lang="en-US" sz="2400" b="1" i="0" u="none" strike="noStrike" cap="none" dirty="0" err="1">
+              <a:rPr lang="es-419" sz="2400" b="1" i="0" u="none" strike="noStrike" cap="none" dirty="0" err="1">
+                <a:solidFill>
+                  <a:srgbClr val="FFFF00"/>
+                </a:solidFill>
+                <a:latin typeface="Courier New"/>
+                <a:ea typeface="Courier New"/>
+                <a:cs typeface="Courier New"/>
+                <a:sym typeface="Courier New"/>
+              </a:rPr>
+              <a:t>not</a:t>
+            </a:r>
+            <a:r>
+              <a:rPr lang="es-419" sz="2400" b="1" i="0" u="none" strike="noStrike" cap="none" dirty="0">
+                <a:solidFill>
+                  <a:schemeClr val="lt1"/>
+                </a:solidFill>
+                <a:latin typeface="Courier New"/>
+                <a:ea typeface="Courier New"/>
+                <a:cs typeface="Courier New"/>
+                <a:sym typeface="Courier New"/>
+              </a:rPr>
+              <a:t> </a:t>
+            </a:r>
+            <a:r>
+              <a:rPr lang="es-419" sz="2400" b="1" i="0" u="none" strike="noStrike" cap="none" dirty="0" err="1">
                 <a:solidFill>
                   <a:srgbClr val="00FF00"/>
                 </a:solidFill>
@@ -7223,10 +7469,10 @@
                 <a:cs typeface="Courier New"/>
                 <a:sym typeface="Courier New"/>
               </a:rPr>
-              <a:t>line</a:t>
-            </a:r>
-            <a:r>
-              <a:rPr lang="en-US" sz="2400" b="1" i="0" u="none" strike="noStrike" cap="none" dirty="0" err="1">
+              <a:t>linea</a:t>
+            </a:r>
+            <a:r>
+              <a:rPr lang="es-419" sz="2400" b="1" i="0" u="none" strike="noStrike" cap="none" dirty="0" err="1">
                 <a:solidFill>
                   <a:srgbClr val="FF00FF"/>
                 </a:solidFill>
@@ -7238,19 +7484,43 @@
               <a:t>.startswith</a:t>
             </a:r>
             <a:r>
-              <a:rPr lang="en-US" sz="2400" b="1" i="0" u="none" strike="noStrike" cap="none" dirty="0">
-                <a:solidFill>
-                  <a:schemeClr val="lt1"/>
-                </a:solidFill>
-                <a:latin typeface="Courier New"/>
-                <a:ea typeface="Courier New"/>
-                <a:cs typeface="Courier New"/>
-                <a:sym typeface="Courier New"/>
-              </a:rPr>
-              <a:t>('From ') : </a:t>
-            </a:r>
-            <a:r>
-              <a:rPr lang="en-US" sz="2400" b="1" i="0" u="none" strike="noStrike" cap="none" dirty="0">
+              <a:rPr lang="es-419" sz="2400" b="1" i="0" u="none" strike="noStrike" cap="none" dirty="0">
+                <a:solidFill>
+                  <a:schemeClr val="lt1"/>
+                </a:solidFill>
+                <a:latin typeface="Courier New"/>
+                <a:ea typeface="Courier New"/>
+                <a:cs typeface="Courier New"/>
+                <a:sym typeface="Courier New"/>
+              </a:rPr>
+              <a:t>('</a:t>
+            </a:r>
+            <a:r>
+              <a:rPr lang="es-419" sz="2400" b="1" i="0" u="none" strike="noStrike" cap="none" dirty="0" err="1">
+                <a:solidFill>
+                  <a:schemeClr val="lt1"/>
+                </a:solidFill>
+                <a:latin typeface="Courier New"/>
+                <a:ea typeface="Courier New"/>
+                <a:cs typeface="Courier New"/>
+                <a:sym typeface="Courier New"/>
+              </a:rPr>
+              <a:t>From</a:t>
+            </a:r>
+            <a:r>
+              <a:rPr lang="es-419" sz="2400" b="1" i="0" u="none" strike="noStrike" cap="none" dirty="0">
+                <a:solidFill>
+                  <a:schemeClr val="lt1"/>
+                </a:solidFill>
+                <a:latin typeface="Courier New"/>
+                <a:ea typeface="Courier New"/>
+                <a:cs typeface="Courier New"/>
+                <a:sym typeface="Courier New"/>
+              </a:rPr>
+              <a:t> ') : </a:t>
+            </a:r>
+            <a:r>
+              <a:rPr lang="es-419" sz="2400" b="1" i="0" u="none" strike="noStrike" cap="none" dirty="0" err="1">
                 <a:solidFill>
                   <a:srgbClr val="FFFF00"/>
                 </a:solidFill>
@@ -7261,166 +7531,7 @@
               </a:rPr>
               <a:t>continue</a:t>
             </a:r>
-          </a:p>
-          <a:p>
-            <a:pPr marL="0" marR="0" lvl="0" indent="0" algn="l" rtl="0">
-              <a:lnSpc>
-                <a:spcPct val="100000"/>
-              </a:lnSpc>
-              <a:spcBef>
-                <a:spcPts val="0"/>
-              </a:spcBef>
-              <a:spcAft>
-                <a:spcPts val="0"/>
-              </a:spcAft>
-              <a:buClr>
-                <a:schemeClr val="lt1"/>
-              </a:buClr>
-              <a:buSzPct val="25000"/>
-              <a:buFont typeface="Cabin"/>
-              <a:buNone/>
-            </a:pPr>
-            <a:r>
-              <a:rPr lang="en-US" sz="2400" b="1" i="0" u="none" strike="noStrike" cap="none" dirty="0">
-                <a:solidFill>
-                  <a:schemeClr val="lt1"/>
-                </a:solidFill>
-                <a:latin typeface="Courier New"/>
-                <a:ea typeface="Courier New"/>
-                <a:cs typeface="Courier New"/>
-                <a:sym typeface="Courier New"/>
-              </a:rPr>
-              <a:t>     </a:t>
-            </a:r>
-            <a:r>
-              <a:rPr lang="en-US" sz="2400" b="1" i="0" u="none" strike="noStrike" cap="none" dirty="0">
-                <a:solidFill>
-                  <a:srgbClr val="00FF00"/>
-                </a:solidFill>
-                <a:latin typeface="Courier New"/>
-                <a:ea typeface="Courier New"/>
-                <a:cs typeface="Courier New"/>
-                <a:sym typeface="Courier New"/>
-              </a:rPr>
-              <a:t>words</a:t>
-            </a:r>
-            <a:r>
-              <a:rPr lang="en-US" sz="2400" b="1" i="0" u="none" strike="noStrike" cap="none" dirty="0">
-                <a:solidFill>
-                  <a:schemeClr val="lt1"/>
-                </a:solidFill>
-                <a:latin typeface="Courier New"/>
-                <a:ea typeface="Courier New"/>
-                <a:cs typeface="Courier New"/>
-                <a:sym typeface="Courier New"/>
-              </a:rPr>
-              <a:t> = </a:t>
-            </a:r>
-            <a:r>
-              <a:rPr lang="en-US" sz="2400" b="1" i="0" u="none" strike="noStrike" cap="none" dirty="0" err="1">
-                <a:solidFill>
-                  <a:srgbClr val="00FF00"/>
-                </a:solidFill>
-                <a:latin typeface="Courier New"/>
-                <a:ea typeface="Courier New"/>
-                <a:cs typeface="Courier New"/>
-                <a:sym typeface="Courier New"/>
-              </a:rPr>
-              <a:t>line</a:t>
-            </a:r>
-            <a:r>
-              <a:rPr lang="en-US" sz="2400" b="1" i="0" u="none" strike="noStrike" cap="none" dirty="0" err="1">
-                <a:solidFill>
-                  <a:srgbClr val="FF00FF"/>
-                </a:solidFill>
-                <a:latin typeface="Courier New"/>
-                <a:ea typeface="Courier New"/>
-                <a:cs typeface="Courier New"/>
-                <a:sym typeface="Courier New"/>
-              </a:rPr>
-              <a:t>.split</a:t>
-            </a:r>
-            <a:r>
-              <a:rPr lang="en-US" sz="2400" b="1" i="0" u="none" strike="noStrike" cap="none" dirty="0">
-                <a:solidFill>
-                  <a:schemeClr val="lt1"/>
-                </a:solidFill>
-                <a:latin typeface="Courier New"/>
-                <a:ea typeface="Courier New"/>
-                <a:cs typeface="Courier New"/>
-                <a:sym typeface="Courier New"/>
-              </a:rPr>
-              <a:t>()</a:t>
-            </a:r>
-          </a:p>
-          <a:p>
-            <a:pPr>
-              <a:buClr>
-                <a:schemeClr val="lt1"/>
-              </a:buClr>
-              <a:buSzPct val="25000"/>
-            </a:pPr>
-            <a:r>
-              <a:rPr lang="en-US" sz="2400" b="1" i="0" u="none" strike="noStrike" cap="none" dirty="0">
-                <a:solidFill>
-                  <a:schemeClr val="lt1"/>
-                </a:solidFill>
-                <a:latin typeface="Courier New"/>
-                <a:ea typeface="Courier New"/>
-                <a:cs typeface="Courier New"/>
-                <a:sym typeface="Courier New"/>
-              </a:rPr>
-              <a:t>     </a:t>
-            </a:r>
-            <a:r>
-              <a:rPr lang="en-US" sz="2400" b="1" i="0" u="none" strike="noStrike" cap="none" dirty="0" smtClean="0">
-                <a:solidFill>
-                  <a:srgbClr val="FFFF00"/>
-                </a:solidFill>
-                <a:latin typeface="Courier New"/>
-                <a:ea typeface="Courier New"/>
-                <a:cs typeface="Courier New"/>
-                <a:sym typeface="Courier New"/>
-              </a:rPr>
-              <a:t>print(</a:t>
-            </a:r>
-            <a:r>
-              <a:rPr lang="en-US" sz="2400" b="1" i="0" u="none" strike="noStrike" cap="none" dirty="0" smtClean="0">
-                <a:solidFill>
-                  <a:srgbClr val="00FF00"/>
-                </a:solidFill>
-                <a:latin typeface="Courier New"/>
-                <a:ea typeface="Courier New"/>
-                <a:cs typeface="Courier New"/>
-                <a:sym typeface="Courier New"/>
-              </a:rPr>
-              <a:t>words</a:t>
-            </a:r>
-            <a:r>
-              <a:rPr lang="en-US" sz="2400" b="1" i="0" u="none" strike="noStrike" cap="none" dirty="0" smtClean="0">
-                <a:solidFill>
-                  <a:srgbClr val="00FFFF"/>
-                </a:solidFill>
-                <a:latin typeface="Courier New"/>
-                <a:ea typeface="Courier New"/>
-                <a:cs typeface="Courier New"/>
-                <a:sym typeface="Courier New"/>
-              </a:rPr>
-              <a:t>[2]</a:t>
-            </a:r>
-            <a:r>
-              <a:rPr lang="en-US" sz="2400" b="1" dirty="0" smtClean="0">
-                <a:solidFill>
-                  <a:srgbClr val="FFFF00"/>
-                </a:solidFill>
-                <a:latin typeface="Courier New"/>
-                <a:ea typeface="Courier New"/>
-                <a:cs typeface="Courier New"/>
-                <a:sym typeface="Courier New"/>
-              </a:rPr>
-              <a:t>)</a:t>
-            </a:r>
-            <a:endParaRPr lang="en-US" sz="2400" b="1" dirty="0">
+            <a:endParaRPr lang="es-419" sz="2400" b="1" i="0" u="none" strike="noStrike" cap="none" dirty="0">
               <a:solidFill>
                 <a:srgbClr val="FFFF00"/>
               </a:solidFill>
@@ -7448,7 +7559,178 @@
               <a:buFont typeface="Cabin"/>
               <a:buNone/>
             </a:pPr>
-            <a:endParaRPr lang="en-US" sz="2400" b="1" i="0" u="none" strike="noStrike" cap="none" dirty="0">
+            <a:r>
+              <a:rPr lang="es-419" sz="2400" b="1" i="0" u="none" strike="noStrike" cap="none" dirty="0">
+                <a:solidFill>
+                  <a:schemeClr val="lt1"/>
+                </a:solidFill>
+                <a:latin typeface="Courier New"/>
+                <a:ea typeface="Courier New"/>
+                <a:cs typeface="Courier New"/>
+                <a:sym typeface="Courier New"/>
+              </a:rPr>
+              <a:t>     </a:t>
+            </a:r>
+            <a:r>
+              <a:rPr lang="es-419" sz="2400" b="1" dirty="0">
+                <a:solidFill>
+                  <a:srgbClr val="00FF00"/>
+                </a:solidFill>
+                <a:latin typeface="Courier New"/>
+                <a:ea typeface="Courier New"/>
+                <a:cs typeface="Courier New"/>
+                <a:sym typeface="Courier New"/>
+              </a:rPr>
+              <a:t>palabras</a:t>
+            </a:r>
+            <a:r>
+              <a:rPr lang="es-419" sz="2400" b="1" i="0" u="none" strike="noStrike" cap="none" dirty="0">
+                <a:solidFill>
+                  <a:schemeClr val="lt1"/>
+                </a:solidFill>
+                <a:latin typeface="Courier New"/>
+                <a:ea typeface="Courier New"/>
+                <a:cs typeface="Courier New"/>
+                <a:sym typeface="Courier New"/>
+              </a:rPr>
+              <a:t> = </a:t>
+            </a:r>
+            <a:r>
+              <a:rPr lang="es-419" sz="2400" b="1" i="0" u="none" strike="noStrike" cap="none" dirty="0" err="1">
+                <a:solidFill>
+                  <a:srgbClr val="00FF00"/>
+                </a:solidFill>
+                <a:latin typeface="Courier New"/>
+                <a:ea typeface="Courier New"/>
+                <a:cs typeface="Courier New"/>
+                <a:sym typeface="Courier New"/>
+              </a:rPr>
+              <a:t>linea</a:t>
+            </a:r>
+            <a:r>
+              <a:rPr lang="es-419" sz="2400" b="1" i="0" u="none" strike="noStrike" cap="none" dirty="0" err="1">
+                <a:solidFill>
+                  <a:srgbClr val="FF00FF"/>
+                </a:solidFill>
+                <a:latin typeface="Courier New"/>
+                <a:ea typeface="Courier New"/>
+                <a:cs typeface="Courier New"/>
+                <a:sym typeface="Courier New"/>
+              </a:rPr>
+              <a:t>.split</a:t>
+            </a:r>
+            <a:r>
+              <a:rPr lang="es-419" sz="2400" b="1" i="0" u="none" strike="noStrike" cap="none" dirty="0">
+                <a:solidFill>
+                  <a:schemeClr val="lt1"/>
+                </a:solidFill>
+                <a:latin typeface="Courier New"/>
+                <a:ea typeface="Courier New"/>
+                <a:cs typeface="Courier New"/>
+                <a:sym typeface="Courier New"/>
+              </a:rPr>
+              <a:t>()</a:t>
+            </a:r>
+          </a:p>
+          <a:p>
+            <a:pPr>
+              <a:buClr>
+                <a:schemeClr val="lt1"/>
+              </a:buClr>
+              <a:buSzPct val="25000"/>
+            </a:pPr>
+            <a:r>
+              <a:rPr lang="es-419" sz="2400" b="1" i="0" u="none" strike="noStrike" cap="none" dirty="0">
+                <a:solidFill>
+                  <a:schemeClr val="lt1"/>
+                </a:solidFill>
+                <a:latin typeface="Courier New"/>
+                <a:ea typeface="Courier New"/>
+                <a:cs typeface="Courier New"/>
+                <a:sym typeface="Courier New"/>
+              </a:rPr>
+              <a:t>     </a:t>
+            </a:r>
+            <a:r>
+              <a:rPr lang="es-419" sz="2400" b="1" i="0" u="none" strike="noStrike" cap="none" dirty="0" err="1">
+                <a:solidFill>
+                  <a:srgbClr val="FFFF00"/>
+                </a:solidFill>
+                <a:latin typeface="Courier New"/>
+                <a:ea typeface="Courier New"/>
+                <a:cs typeface="Courier New"/>
+                <a:sym typeface="Courier New"/>
+              </a:rPr>
+              <a:t>print</a:t>
+            </a:r>
+            <a:r>
+              <a:rPr lang="es-419" sz="2400" b="1" i="0" u="none" strike="noStrike" cap="none" dirty="0">
+                <a:solidFill>
+                  <a:srgbClr val="FFFF00"/>
+                </a:solidFill>
+                <a:latin typeface="Courier New"/>
+                <a:ea typeface="Courier New"/>
+                <a:cs typeface="Courier New"/>
+                <a:sym typeface="Courier New"/>
+              </a:rPr>
+              <a:t>(</a:t>
+            </a:r>
+            <a:r>
+              <a:rPr lang="es-419" sz="2400" b="1" dirty="0">
+                <a:solidFill>
+                  <a:srgbClr val="00FF00"/>
+                </a:solidFill>
+                <a:latin typeface="Courier New"/>
+                <a:ea typeface="Courier New"/>
+                <a:cs typeface="Courier New"/>
+                <a:sym typeface="Courier New"/>
+              </a:rPr>
+              <a:t>palabras</a:t>
+            </a:r>
+            <a:r>
+              <a:rPr lang="es-419" sz="2400" b="1" i="0" u="none" strike="noStrike" cap="none" dirty="0">
+                <a:solidFill>
+                  <a:srgbClr val="00FFFF"/>
+                </a:solidFill>
+                <a:latin typeface="Courier New"/>
+                <a:ea typeface="Courier New"/>
+                <a:cs typeface="Courier New"/>
+                <a:sym typeface="Courier New"/>
+              </a:rPr>
+              <a:t>[2]</a:t>
+            </a:r>
+            <a:r>
+              <a:rPr lang="es-419" sz="2400" b="1" dirty="0">
+                <a:solidFill>
+                  <a:srgbClr val="FFFF00"/>
+                </a:solidFill>
+                <a:latin typeface="Courier New"/>
+                <a:ea typeface="Courier New"/>
+                <a:cs typeface="Courier New"/>
+                <a:sym typeface="Courier New"/>
+              </a:rPr>
+              <a:t>)</a:t>
+            </a:r>
+          </a:p>
+          <a:p>
+            <a:pPr marL="0" marR="0" lvl="0" indent="0" algn="l" rtl="0">
+              <a:lnSpc>
+                <a:spcPct val="100000"/>
+              </a:lnSpc>
+              <a:spcBef>
+                <a:spcPts val="0"/>
+              </a:spcBef>
+              <a:spcAft>
+                <a:spcPts val="0"/>
+              </a:spcAft>
+              <a:buClr>
+                <a:schemeClr val="lt1"/>
+              </a:buClr>
+              <a:buSzPct val="25000"/>
+              <a:buFont typeface="Cabin"/>
+              <a:buNone/>
+            </a:pPr>
+            <a:endParaRPr lang="es-419" sz="2400" b="1" i="0" u="none" strike="noStrike" cap="none" dirty="0">
               <a:solidFill>
                 <a:srgbClr val="00FFFF"/>
               </a:solidFill>
@@ -7503,7 +7785,7 @@
               <a:buNone/>
             </a:pPr>
             <a:r>
-              <a:rPr lang="en-US" sz="3000" u="none" strike="noStrike" cap="none">
+              <a:rPr lang="es-419" sz="3000" u="none" strike="noStrike" cap="none">
                 <a:solidFill>
                   <a:srgbClr val="FF00FF"/>
                 </a:solidFill>
@@ -7534,7 +7816,7 @@
               <a:buNone/>
             </a:pPr>
             <a:r>
-              <a:rPr lang="en-US" sz="3000" u="none" strike="noStrike" cap="none">
+              <a:rPr lang="es-419" sz="3000" u="none" strike="noStrike" cap="none">
                 <a:solidFill>
                   <a:srgbClr val="FF00FF"/>
                 </a:solidFill>
@@ -7565,7 +7847,7 @@
               <a:buNone/>
             </a:pPr>
             <a:r>
-              <a:rPr lang="en-US" sz="3000" u="none" strike="noStrike" cap="none">
+              <a:rPr lang="es-419" sz="3000" u="none" strike="noStrike" cap="none">
                 <a:solidFill>
                   <a:srgbClr val="FF00FF"/>
                 </a:solidFill>
@@ -7596,7 +7878,7 @@
               <a:buNone/>
             </a:pPr>
             <a:r>
-              <a:rPr lang="en-US" sz="3000" u="none" strike="noStrike" cap="none">
+              <a:rPr lang="es-419" sz="3000" u="none" strike="noStrike" cap="none">
                 <a:solidFill>
                   <a:srgbClr val="FF00FF"/>
                 </a:solidFill>
@@ -7627,7 +7909,7 @@
               <a:buNone/>
             </a:pPr>
             <a:r>
-              <a:rPr lang="en-US" sz="3000" u="none" strike="noStrike" cap="none">
+              <a:rPr lang="es-419" sz="3000" u="none" strike="noStrike" cap="none">
                 <a:solidFill>
                   <a:srgbClr val="FF00FF"/>
                 </a:solidFill>
@@ -7684,7 +7966,7 @@
               <a:buNone/>
             </a:pPr>
             <a:r>
-              <a:rPr lang="en-US" sz="3600" b="0" i="0" u="none" strike="noStrike" cap="none" dirty="0">
+              <a:rPr lang="es-419" sz="3600" b="0" i="0" u="none" strike="noStrike" cap="none">
                 <a:solidFill>
                   <a:schemeClr val="lt1"/>
                 </a:solidFill>
@@ -7693,46 +7975,22 @@
                 <a:cs typeface="Arial"/>
                 <a:sym typeface="Arial"/>
               </a:rPr>
-              <a:t>From </a:t>
-            </a:r>
-            <a:r>
-              <a:rPr lang="en-US" sz="3600" b="0" i="0" u="none" strike="noStrike" cap="none" dirty="0" err="1">
-                <a:solidFill>
-                  <a:schemeClr val="lt1"/>
+              <a:t>From stephen.marquard@uct.ac.za </a:t>
+            </a:r>
+            <a:r>
+              <a:rPr lang="es-419" sz="3600" b="0" i="0" u="none" strike="noStrike" cap="none">
+                <a:solidFill>
+                  <a:srgbClr val="FF00FF"/>
                 </a:solidFill>
                 <a:latin typeface="Arial"/>
                 <a:ea typeface="Arial"/>
                 <a:cs typeface="Arial"/>
                 <a:sym typeface="Arial"/>
               </a:rPr>
-              <a:t>stephen.marquard@uct.ac.za</a:t>
-            </a:r>
-            <a:r>
-              <a:rPr lang="en-US" sz="3600" b="0" i="0" u="none" strike="noStrike" cap="none" dirty="0">
-                <a:solidFill>
-                  <a:schemeClr val="lt1"/>
-                </a:solidFill>
-                <a:latin typeface="Arial"/>
-                <a:ea typeface="Arial"/>
-                <a:cs typeface="Arial"/>
-                <a:sym typeface="Arial"/>
-              </a:rPr>
-              <a:t> </a:t>
-            </a:r>
-            <a:r>
-              <a:rPr lang="en-US" sz="3600" b="0" i="0" u="none" strike="noStrike" cap="none" dirty="0">
-                <a:solidFill>
-                  <a:srgbClr val="FF00FF"/>
-                </a:solidFill>
-                <a:latin typeface="Arial"/>
-                <a:ea typeface="Arial"/>
-                <a:cs typeface="Arial"/>
-                <a:sym typeface="Arial"/>
-              </a:rPr>
               <a:t>Sat</a:t>
             </a:r>
             <a:r>
-              <a:rPr lang="en-US" sz="3600" b="0" i="0" u="none" strike="noStrike" cap="none" dirty="0">
+              <a:rPr lang="es-419" sz="3600" b="0" i="0" u="none" strike="noStrike" cap="none">
                 <a:solidFill>
                   <a:schemeClr val="lt1"/>
                 </a:solidFill>
@@ -7789,7 +8047,7 @@
               <a:buNone/>
             </a:pPr>
             <a:r>
-              <a:rPr lang="en-US" sz="2400" b="1" i="0" u="none" strike="noStrike" cap="none" dirty="0">
+              <a:rPr lang="es-419" sz="2400" b="1" i="0" u="none" strike="noStrike" cap="none" dirty="0">
                 <a:solidFill>
                   <a:schemeClr val="lt1"/>
                 </a:solidFill>
@@ -7801,7 +8059,7 @@
               <a:t>&gt;&gt;&gt; </a:t>
             </a:r>
             <a:r>
-              <a:rPr lang="en-US" sz="2400" b="1" i="0" u="none" strike="noStrike" cap="none" dirty="0">
+              <a:rPr lang="es-419" sz="2400" b="1" i="0" u="none" strike="noStrike" cap="none" dirty="0" err="1">
                 <a:solidFill>
                   <a:srgbClr val="00FF00"/>
                 </a:solidFill>
@@ -7810,43 +8068,67 @@
                 <a:cs typeface="Courier New"/>
                 <a:sym typeface="Courier New"/>
               </a:rPr>
-              <a:t>line</a:t>
-            </a:r>
-            <a:r>
-              <a:rPr lang="en-US" sz="2400" b="1" i="0" u="none" strike="noStrike" cap="none" dirty="0">
-                <a:solidFill>
-                  <a:schemeClr val="lt1"/>
-                </a:solidFill>
-                <a:latin typeface="Courier New"/>
-                <a:ea typeface="Courier New"/>
-                <a:cs typeface="Courier New"/>
-                <a:sym typeface="Courier New"/>
-              </a:rPr>
-              <a:t> = 'From </a:t>
-            </a:r>
-            <a:r>
-              <a:rPr lang="en-US" sz="2400" b="1" i="0" u="none" strike="noStrike" cap="none" dirty="0" err="1">
-                <a:solidFill>
-                  <a:schemeClr val="lt1"/>
-                </a:solidFill>
-                <a:latin typeface="Courier New"/>
-                <a:ea typeface="Courier New"/>
-                <a:cs typeface="Courier New"/>
-                <a:sym typeface="Courier New"/>
-              </a:rPr>
-              <a:t>stephen.marquard@uct.ac.za</a:t>
-            </a:r>
-            <a:r>
-              <a:rPr lang="en-US" sz="2400" b="1" i="0" u="none" strike="noStrike" cap="none" dirty="0">
-                <a:solidFill>
-                  <a:schemeClr val="lt1"/>
-                </a:solidFill>
-                <a:latin typeface="Courier New"/>
-                <a:ea typeface="Courier New"/>
-                <a:cs typeface="Courier New"/>
-                <a:sym typeface="Courier New"/>
-              </a:rPr>
-              <a:t> Sat Jan  5 09:14:16 2008’</a:t>
+              <a:t>linea</a:t>
+            </a:r>
+            <a:r>
+              <a:rPr lang="es-419" sz="2400" b="1" i="0" u="none" strike="noStrike" cap="none" dirty="0">
+                <a:solidFill>
+                  <a:schemeClr val="lt1"/>
+                </a:solidFill>
+                <a:latin typeface="Courier New"/>
+                <a:ea typeface="Courier New"/>
+                <a:cs typeface="Courier New"/>
+                <a:sym typeface="Courier New"/>
+              </a:rPr>
+              <a:t> = '</a:t>
+            </a:r>
+            <a:r>
+              <a:rPr lang="es-419" sz="2400" b="1" i="0" u="none" strike="noStrike" cap="none" dirty="0" err="1">
+                <a:solidFill>
+                  <a:schemeClr val="lt1"/>
+                </a:solidFill>
+                <a:latin typeface="Courier New"/>
+                <a:ea typeface="Courier New"/>
+                <a:cs typeface="Courier New"/>
+                <a:sym typeface="Courier New"/>
+              </a:rPr>
+              <a:t>From</a:t>
+            </a:r>
+            <a:r>
+              <a:rPr lang="es-419" sz="2400" b="1" i="0" u="none" strike="noStrike" cap="none" dirty="0">
+                <a:solidFill>
+                  <a:schemeClr val="lt1"/>
+                </a:solidFill>
+                <a:latin typeface="Courier New"/>
+                <a:ea typeface="Courier New"/>
+                <a:cs typeface="Courier New"/>
+                <a:sym typeface="Courier New"/>
+              </a:rPr>
+              <a:t> stephen.marquard@uct.ac.za </a:t>
+            </a:r>
+            <a:r>
+              <a:rPr lang="es-419" sz="2400" b="1" i="0" u="none" strike="noStrike" cap="none" dirty="0" err="1">
+                <a:solidFill>
+                  <a:schemeClr val="lt1"/>
+                </a:solidFill>
+                <a:latin typeface="Courier New"/>
+                <a:ea typeface="Courier New"/>
+                <a:cs typeface="Courier New"/>
+                <a:sym typeface="Courier New"/>
+              </a:rPr>
+              <a:t>Sat</a:t>
+            </a:r>
+            <a:r>
+              <a:rPr lang="es-419" sz="2400" b="1" i="0" u="none" strike="noStrike" cap="none" dirty="0">
+                <a:solidFill>
+                  <a:schemeClr val="lt1"/>
+                </a:solidFill>
+                <a:latin typeface="Courier New"/>
+                <a:ea typeface="Courier New"/>
+                <a:cs typeface="Courier New"/>
+                <a:sym typeface="Courier New"/>
+              </a:rPr>
+              <a:t> Jan  5 09:14:16 2008’</a:t>
             </a:r>
           </a:p>
           <a:p>
@@ -7868,7 +8150,7 @@
               <a:buNone/>
             </a:pPr>
             <a:r>
-              <a:rPr lang="en-US" sz="2400" b="1" i="0" u="none" strike="noStrike" cap="none" dirty="0">
+              <a:rPr lang="es-419" sz="2400" b="1" i="0" u="none" strike="noStrike" cap="none" dirty="0">
                 <a:solidFill>
                   <a:schemeClr val="lt1"/>
                 </a:solidFill>
@@ -7880,7 +8162,7 @@
               <a:t>&gt;&gt;&gt; </a:t>
             </a:r>
             <a:r>
-              <a:rPr lang="en-US" sz="2400" b="1" i="0" u="none" strike="noStrike" cap="none" dirty="0">
+              <a:rPr lang="es-419" sz="2400" b="1" i="0" u="none" strike="noStrike" cap="none" dirty="0">
                 <a:solidFill>
                   <a:srgbClr val="00FF00"/>
                 </a:solidFill>
@@ -7889,10 +8171,10 @@
                 <a:cs typeface="Courier New"/>
                 <a:sym typeface="Courier New"/>
               </a:rPr>
-              <a:t>words</a:t>
-            </a:r>
-            <a:r>
-              <a:rPr lang="en-US" sz="2400" b="1" i="0" u="none" strike="noStrike" cap="none" dirty="0">
+              <a:t>palabras</a:t>
+            </a:r>
+            <a:r>
+              <a:rPr lang="es-419" sz="2400" b="1" i="0" u="none" strike="noStrike" cap="none" dirty="0">
                 <a:solidFill>
                   <a:schemeClr val="lt1"/>
                 </a:solidFill>
@@ -7904,7 +8186,7 @@
               <a:t> = </a:t>
             </a:r>
             <a:r>
-              <a:rPr lang="en-US" sz="2400" b="1" i="0" u="none" strike="noStrike" cap="none" dirty="0" err="1">
+              <a:rPr lang="es-419" sz="2400" b="1" i="0" u="none" strike="noStrike" cap="none" dirty="0" err="1">
                 <a:solidFill>
                   <a:srgbClr val="00FF00"/>
                 </a:solidFill>
@@ -7913,10 +8195,10 @@
                 <a:cs typeface="Courier New"/>
                 <a:sym typeface="Courier New"/>
               </a:rPr>
-              <a:t>line</a:t>
-            </a:r>
-            <a:r>
-              <a:rPr lang="en-US" sz="2400" b="1" i="0" u="none" strike="noStrike" cap="none" dirty="0" err="1">
+              <a:t>linea</a:t>
+            </a:r>
+            <a:r>
+              <a:rPr lang="es-419" sz="2400" b="1" i="0" u="none" strike="noStrike" cap="none" dirty="0" err="1">
                 <a:solidFill>
                   <a:srgbClr val="FF00FF"/>
                 </a:solidFill>
@@ -7928,7 +8210,7 @@
               <a:t>.split</a:t>
             </a:r>
             <a:r>
-              <a:rPr lang="en-US" sz="2400" b="1" i="0" u="none" strike="noStrike" cap="none" dirty="0">
+              <a:rPr lang="es-419" sz="2400" b="1" i="0" u="none" strike="noStrike" cap="none" dirty="0">
                 <a:solidFill>
                   <a:schemeClr val="lt1"/>
                 </a:solidFill>
@@ -7948,7 +8230,7 @@
               <a:buSzPct val="25000"/>
             </a:pPr>
             <a:r>
-              <a:rPr lang="en-US" sz="2400" b="1" i="0" u="none" strike="noStrike" cap="none" dirty="0">
+              <a:rPr lang="es-419" sz="2400" b="1" i="0" u="none" strike="noStrike" cap="none" dirty="0">
                 <a:solidFill>
                   <a:schemeClr val="lt1"/>
                 </a:solidFill>
@@ -7960,7 +8242,7 @@
               <a:t>&gt;&gt;&gt; </a:t>
             </a:r>
             <a:r>
-              <a:rPr lang="en-US" sz="2400" b="1" i="0" u="none" strike="noStrike" cap="none" dirty="0" smtClean="0">
+              <a:rPr lang="es-419" sz="2400" b="1" i="0" u="none" strike="noStrike" cap="none" dirty="0" err="1">
                 <a:solidFill>
                   <a:srgbClr val="FFFF00"/>
                 </a:solidFill>
@@ -7969,10 +8251,22 @@
                 <a:cs typeface="Courier New"/>
                 <a:sym typeface="Courier New"/>
               </a:rPr>
-              <a:t>print(</a:t>
-            </a:r>
-            <a:r>
-              <a:rPr lang="en-US" sz="2400" b="1" i="0" u="none" strike="noStrike" cap="none" dirty="0" smtClean="0">
+              <a:t>print</a:t>
+            </a:r>
+            <a:r>
+              <a:rPr lang="es-419" sz="2400" b="1" i="0" u="none" strike="noStrike" cap="none" dirty="0">
+                <a:solidFill>
+                  <a:srgbClr val="FFFF00"/>
+                </a:solidFill>
+                <a:latin typeface="Courier New"/>
+                <a:ea typeface="Courier New"/>
+                <a:cs typeface="Courier New"/>
+                <a:sym typeface="Courier New"/>
+              </a:rPr>
+              <a:t>(</a:t>
+            </a:r>
+            <a:r>
+              <a:rPr lang="es-419" sz="2400" b="1" i="0" u="none" strike="noStrike" cap="none" dirty="0">
                 <a:solidFill>
                   <a:srgbClr val="00FF00"/>
                 </a:solidFill>
@@ -7981,10 +8275,10 @@
                 <a:cs typeface="Courier New"/>
                 <a:sym typeface="Courier New"/>
               </a:rPr>
-              <a:t>words</a:t>
-            </a:r>
-            <a:r>
-              <a:rPr lang="en-US" sz="2400" b="1" dirty="0" smtClean="0">
+              <a:t>palabras</a:t>
+            </a:r>
+            <a:r>
+              <a:rPr lang="es-419" sz="2400" b="1" dirty="0">
                 <a:solidFill>
                   <a:srgbClr val="FFFF00"/>
                 </a:solidFill>
@@ -7995,7 +8289,7 @@
               </a:rPr>
               <a:t>)</a:t>
             </a:r>
-            <a:endParaRPr lang="en-US" sz="2400" b="1" i="0" u="none" strike="noStrike" cap="none" dirty="0">
+            <a:endParaRPr lang="es-419" sz="2400" b="1" i="0" u="none" strike="noStrike" cap="none" dirty="0">
               <a:solidFill>
                 <a:srgbClr val="00FF00"/>
               </a:solidFill>
@@ -8024,40 +8318,64 @@
               <a:buNone/>
             </a:pPr>
             <a:r>
-              <a:rPr lang="en-US" sz="2400" b="1" i="0" u="none" strike="noStrike" cap="none" dirty="0">
-                <a:solidFill>
-                  <a:schemeClr val="lt1"/>
-                </a:solidFill>
-                <a:latin typeface="Courier New"/>
-                <a:ea typeface="Courier New"/>
-                <a:cs typeface="Courier New"/>
-                <a:sym typeface="Courier New"/>
-              </a:rPr>
-              <a:t>['From', '</a:t>
-            </a:r>
-            <a:r>
-              <a:rPr lang="en-US" sz="2400" b="1" i="0" u="none" strike="noStrike" cap="none" dirty="0" err="1">
-                <a:solidFill>
-                  <a:schemeClr val="lt1"/>
-                </a:solidFill>
-                <a:latin typeface="Courier New"/>
-                <a:ea typeface="Courier New"/>
-                <a:cs typeface="Courier New"/>
-                <a:sym typeface="Courier New"/>
-              </a:rPr>
-              <a:t>stephen.marquard@uct.ac.za</a:t>
-            </a:r>
-            <a:r>
-              <a:rPr lang="en-US" sz="2400" b="1" i="0" u="none" strike="noStrike" cap="none" dirty="0">
-                <a:solidFill>
-                  <a:schemeClr val="lt1"/>
-                </a:solidFill>
-                <a:latin typeface="Courier New"/>
-                <a:ea typeface="Courier New"/>
-                <a:cs typeface="Courier New"/>
-                <a:sym typeface="Courier New"/>
-              </a:rPr>
-              <a:t>', 'Sat', 'Jan', '5', '09:14:16', '2008']</a:t>
+              <a:rPr lang="es-419" sz="2400" b="1" i="0" u="none" strike="noStrike" cap="none" dirty="0">
+                <a:solidFill>
+                  <a:schemeClr val="lt1"/>
+                </a:solidFill>
+                <a:latin typeface="Courier New"/>
+                <a:ea typeface="Courier New"/>
+                <a:cs typeface="Courier New"/>
+                <a:sym typeface="Courier New"/>
+              </a:rPr>
+              <a:t>['</a:t>
+            </a:r>
+            <a:r>
+              <a:rPr lang="es-419" sz="2400" b="1" i="0" u="none" strike="noStrike" cap="none" dirty="0" err="1">
+                <a:solidFill>
+                  <a:schemeClr val="lt1"/>
+                </a:solidFill>
+                <a:latin typeface="Courier New"/>
+                <a:ea typeface="Courier New"/>
+                <a:cs typeface="Courier New"/>
+                <a:sym typeface="Courier New"/>
+              </a:rPr>
+              <a:t>From</a:t>
+            </a:r>
+            <a:r>
+              <a:rPr lang="es-419" sz="2400" b="1" i="0" u="none" strike="noStrike" cap="none" dirty="0">
+                <a:solidFill>
+                  <a:schemeClr val="lt1"/>
+                </a:solidFill>
+                <a:latin typeface="Courier New"/>
+                <a:ea typeface="Courier New"/>
+                <a:cs typeface="Courier New"/>
+                <a:sym typeface="Courier New"/>
+              </a:rPr>
+              <a:t>', 'stephen.marquard@uct.ac.za', '</a:t>
+            </a:r>
+            <a:r>
+              <a:rPr lang="es-419" sz="2400" b="1" i="0" u="none" strike="noStrike" cap="none" dirty="0" err="1">
+                <a:solidFill>
+                  <a:schemeClr val="lt1"/>
+                </a:solidFill>
+                <a:latin typeface="Courier New"/>
+                <a:ea typeface="Courier New"/>
+                <a:cs typeface="Courier New"/>
+                <a:sym typeface="Courier New"/>
+              </a:rPr>
+              <a:t>Sat</a:t>
+            </a:r>
+            <a:r>
+              <a:rPr lang="es-419" sz="2400" b="1" i="0" u="none" strike="noStrike" cap="none" dirty="0">
+                <a:solidFill>
+                  <a:schemeClr val="lt1"/>
+                </a:solidFill>
+                <a:latin typeface="Courier New"/>
+                <a:ea typeface="Courier New"/>
+                <a:cs typeface="Courier New"/>
+                <a:sym typeface="Courier New"/>
+              </a:rPr>
+              <a:t>', 'Jan', '5', '09:14:16', '2008']</a:t>
             </a:r>
           </a:p>
           <a:p>
@@ -8079,7 +8397,7 @@
               <a:buNone/>
             </a:pPr>
             <a:r>
-              <a:rPr lang="en-US" sz="2400" b="1" i="0" u="none" strike="noStrike" cap="none" dirty="0">
+              <a:rPr lang="es-419" sz="2400" b="1" i="0" u="none" strike="noStrike" cap="none" dirty="0">
                 <a:solidFill>
                   <a:schemeClr val="lt1"/>
                 </a:solidFill>
@@ -8161,7 +8479,7 @@
               <a:buNone/>
             </a:pPr>
             <a:r>
-              <a:rPr lang="en-US" sz="7600" u="none" strike="noStrike" cap="none" dirty="0">
+              <a:rPr lang="es-419" sz="7600" u="none" strike="noStrike" cap="none" dirty="0">
                 <a:solidFill>
                   <a:srgbClr val="FFFF00"/>
                 </a:solidFill>
@@ -8170,8 +8488,29 @@
                 <a:cs typeface="Arial" charset="0"/>
                 <a:sym typeface="Cabin"/>
               </a:rPr>
-              <a:t>The Double Split Pattern</a:t>
-            </a:r>
+              <a:t>El </a:t>
+            </a:r>
+            <a:r>
+              <a:rPr lang="es-419" sz="7600" dirty="0">
+                <a:solidFill>
+                  <a:srgbClr val="FFFF00"/>
+                </a:solidFill>
+                <a:latin typeface="Arial" charset="0"/>
+                <a:ea typeface="Arial" charset="0"/>
+                <a:cs typeface="Arial" charset="0"/>
+                <a:sym typeface="Cabin"/>
+              </a:rPr>
+              <a:t>Patrón Doble División</a:t>
+            </a:r>
+            <a:endParaRPr lang="es-419" sz="7600" u="none" strike="noStrike" cap="none" dirty="0">
+              <a:solidFill>
+                <a:srgbClr val="FFFF00"/>
+              </a:solidFill>
+              <a:latin typeface="Arial" charset="0"/>
+              <a:ea typeface="Arial" charset="0"/>
+              <a:cs typeface="Arial" charset="0"/>
+              <a:sym typeface="Cabin"/>
+            </a:endParaRPr>
           </a:p>
         </p:txBody>
       </p:sp>
@@ -8218,7 +8557,7 @@
               <a:buNone/>
             </a:pPr>
             <a:r>
-              <a:rPr lang="en-US" sz="3600" b="0" u="none" strike="noStrike" cap="none" dirty="0">
+              <a:rPr lang="es-419" sz="3600" b="0" u="none" strike="noStrike" cap="none" dirty="0">
                 <a:solidFill>
                   <a:schemeClr val="lt1"/>
                 </a:solidFill>
@@ -8227,7 +8566,7 @@
                 <a:cs typeface="Arial" charset="0"/>
                 <a:sym typeface="Cabin"/>
               </a:rPr>
-              <a:t>Sometimes we split a line one way, and then grab one of the pieces of the line and split that piece again</a:t>
+              <a:t>A veces dividimos una línea de una forma, y luego tomamos una de las partes de la línea y dividimos esa parte de nuevo</a:t>
             </a:r>
           </a:p>
         </p:txBody>
@@ -8275,7 +8614,7 @@
               <a:buNone/>
             </a:pPr>
             <a:r>
-              <a:rPr lang="en-US" sz="3000" i="0" u="none" strike="noStrike" cap="none" dirty="0">
+              <a:rPr lang="es-419" sz="3000" i="0" u="none" strike="noStrike" cap="none">
                 <a:solidFill>
                   <a:srgbClr val="FF7F00"/>
                 </a:solidFill>
@@ -8287,7 +8626,7 @@
               <a:t>From</a:t>
             </a:r>
             <a:r>
-              <a:rPr lang="en-US" sz="3000" b="1" i="0" u="none" strike="noStrike" cap="none" dirty="0">
+              <a:rPr lang="es-419" sz="3000" b="1" i="0" u="none" strike="noStrike" cap="none">
                 <a:solidFill>
                   <a:srgbClr val="FF7F00"/>
                 </a:solidFill>
@@ -8296,46 +8635,34 @@
                 <a:cs typeface="Courier New"/>
                 <a:sym typeface="Courier New"/>
               </a:rPr>
+              <a:t> stephen.marquard@</a:t>
+            </a:r>
+            <a:r>
+              <a:rPr lang="es-419" sz="3000" b="1" i="0" u="none" strike="noStrike" cap="none">
+                <a:solidFill>
+                  <a:srgbClr val="FFFF00"/>
+                </a:solidFill>
+                <a:latin typeface="Courier New"/>
+                <a:ea typeface="Courier New"/>
+                <a:cs typeface="Courier New"/>
+                <a:sym typeface="Courier New"/>
+              </a:rPr>
+              <a:t>uct.ac.za</a:t>
+            </a:r>
+            <a:r>
+              <a:rPr lang="es-419" sz="3000" b="1" i="0" u="none" strike="noStrike" cap="none">
+                <a:solidFill>
+                  <a:srgbClr val="FF7F00"/>
+                </a:solidFill>
+                <a:latin typeface="Courier New"/>
+                <a:ea typeface="Courier New"/>
+                <a:cs typeface="Courier New"/>
+                <a:sym typeface="Courier New"/>
+              </a:rPr>
               <a:t> </a:t>
             </a:r>
             <a:r>
-              <a:rPr lang="en-US" sz="3000" b="1" i="0" u="none" strike="noStrike" cap="none" dirty="0" err="1">
-                <a:solidFill>
-                  <a:srgbClr val="FF7F00"/>
-                </a:solidFill>
-                <a:latin typeface="Courier New"/>
-                <a:ea typeface="Courier New"/>
-                <a:cs typeface="Courier New"/>
-                <a:sym typeface="Courier New"/>
-              </a:rPr>
-              <a:t>stephen.marquard@</a:t>
-            </a:r>
-            <a:r>
-              <a:rPr lang="en-US" sz="3000" b="1" i="0" u="none" strike="noStrike" cap="none" dirty="0" err="1">
-                <a:solidFill>
-                  <a:srgbClr val="FFFF00"/>
-                </a:solidFill>
-                <a:latin typeface="Courier New"/>
-                <a:ea typeface="Courier New"/>
-                <a:cs typeface="Courier New"/>
-                <a:sym typeface="Courier New"/>
-              </a:rPr>
-              <a:t>uct.ac.za</a:t>
-            </a:r>
-            <a:r>
-              <a:rPr lang="en-US" sz="3000" b="1" i="0" u="none" strike="noStrike" cap="none" dirty="0">
-                <a:solidFill>
-                  <a:srgbClr val="FF7F00"/>
-                </a:solidFill>
-                <a:latin typeface="Courier New"/>
-                <a:ea typeface="Courier New"/>
-                <a:cs typeface="Courier New"/>
-                <a:sym typeface="Courier New"/>
-              </a:rPr>
-              <a:t> </a:t>
-            </a:r>
-            <a:r>
-              <a:rPr lang="en-US" sz="3000" i="0" u="none" strike="noStrike" cap="none" dirty="0">
+              <a:rPr lang="es-419" sz="3000" i="0" u="none" strike="noStrike" cap="none">
                 <a:solidFill>
                   <a:srgbClr val="FF7F00"/>
                 </a:solidFill>
@@ -8392,19 +8719,19 @@
               <a:buNone/>
             </a:pPr>
             <a:r>
-              <a:rPr lang="en-US" sz="2400" b="1" i="0" u="none" strike="noStrike" cap="none" dirty="0">
-                <a:solidFill>
-                  <a:schemeClr val="lt1"/>
-                </a:solidFill>
-                <a:latin typeface="Courier New"/>
-                <a:ea typeface="Courier New"/>
-                <a:cs typeface="Courier New"/>
-                <a:sym typeface="Courier New"/>
-              </a:rPr>
-              <a:t>words = </a:t>
-            </a:r>
-            <a:r>
-              <a:rPr lang="en-US" sz="2400" b="1" i="0" u="none" strike="noStrike" cap="none" dirty="0" err="1">
+              <a:rPr lang="es-419" sz="2400" b="1" i="0" u="none" strike="noStrike" cap="none" dirty="0">
+                <a:solidFill>
+                  <a:schemeClr val="lt1"/>
+                </a:solidFill>
+                <a:latin typeface="Courier New"/>
+                <a:ea typeface="Courier New"/>
+                <a:cs typeface="Courier New"/>
+                <a:sym typeface="Courier New"/>
+              </a:rPr>
+              <a:t>palabras = </a:t>
+            </a:r>
+            <a:r>
+              <a:rPr lang="es-419" sz="2400" b="1" i="0" u="none" strike="noStrike" cap="none" dirty="0" err="1">
                 <a:solidFill>
                   <a:srgbClr val="FF7F00"/>
                 </a:solidFill>
@@ -8413,10 +8740,10 @@
                 <a:cs typeface="Courier New"/>
                 <a:sym typeface="Courier New"/>
               </a:rPr>
-              <a:t>line</a:t>
-            </a:r>
-            <a:r>
-              <a:rPr lang="en-US" sz="2400" b="1" i="0" u="none" strike="noStrike" cap="none" dirty="0" err="1">
+              <a:t>linea</a:t>
+            </a:r>
+            <a:r>
+              <a:rPr lang="es-419" sz="2400" b="1" i="0" u="none" strike="noStrike" cap="none" dirty="0" err="1">
                 <a:solidFill>
                   <a:schemeClr val="lt1"/>
                 </a:solidFill>
@@ -8428,7 +8755,7 @@
               <a:t>.split</a:t>
             </a:r>
             <a:r>
-              <a:rPr lang="en-US" sz="2400" b="1" i="0" u="none" strike="noStrike" cap="none" dirty="0">
+              <a:rPr lang="es-419" sz="2400" b="1" i="0" u="none" strike="noStrike" cap="none" dirty="0">
                 <a:solidFill>
                   <a:schemeClr val="lt1"/>
                 </a:solidFill>
@@ -8459,7 +8786,7 @@
               <a:buNone/>
             </a:pPr>
             <a:r>
-              <a:rPr lang="en-US" sz="2400" b="1" i="0" u="none" strike="noStrike" cap="none" dirty="0">
+              <a:rPr lang="es-419" sz="2400" b="1" i="0" u="none" strike="noStrike" cap="none" dirty="0">
                 <a:solidFill>
                   <a:srgbClr val="FF00FF"/>
                 </a:solidFill>
@@ -8471,16 +8798,16 @@
               <a:t>email</a:t>
             </a:r>
             <a:r>
-              <a:rPr lang="en-US" sz="2400" b="1" i="0" u="none" strike="noStrike" cap="none" dirty="0">
-                <a:solidFill>
-                  <a:schemeClr val="lt1"/>
-                </a:solidFill>
-                <a:latin typeface="Courier New"/>
-                <a:ea typeface="Courier New"/>
-                <a:cs typeface="Courier New"/>
-                <a:sym typeface="Courier New"/>
-              </a:rPr>
-              <a:t> = words[1]</a:t>
+              <a:rPr lang="es-419" sz="2400" b="1" i="0" u="none" strike="noStrike" cap="none" dirty="0">
+                <a:solidFill>
+                  <a:schemeClr val="lt1"/>
+                </a:solidFill>
+                <a:latin typeface="Courier New"/>
+                <a:ea typeface="Courier New"/>
+                <a:cs typeface="Courier New"/>
+                <a:sym typeface="Courier New"/>
+              </a:rPr>
+              <a:t> = palabras[1]</a:t>
             </a:r>
           </a:p>
           <a:p>
@@ -8502,6 +8829,30 @@
               <a:buNone/>
             </a:pPr>
             <a:r>
+              <a:rPr lang="es-419" sz="3000" b="1" i="0" u="none" strike="noStrike" cap="none" dirty="0" err="1">
+                <a:solidFill>
+                  <a:srgbClr val="000000"/>
+                </a:solidFill>
+                <a:latin typeface="Courier New"/>
+                <a:ea typeface="Courier New"/>
+                <a:cs typeface="Courier New"/>
+                <a:sym typeface="Courier New"/>
+              </a:rPr>
+              <a:t>print</a:t>
+            </a:r>
+            <a:r>
+              <a:rPr lang="es-419" sz="3000" b="1" i="0" u="none" strike="noStrike" cap="none" dirty="0">
+                <a:solidFill>
+                  <a:srgbClr val="000000"/>
+                </a:solidFill>
+                <a:latin typeface="Courier New"/>
+                <a:ea typeface="Courier New"/>
+                <a:cs typeface="Courier New"/>
+                <a:sym typeface="Courier New"/>
+              </a:rPr>
+              <a:t>(piezas</a:t>
+            </a:r>
+            <a:r>
               <a:rPr lang="en-US" sz="3000" b="1" i="0" u="none" strike="noStrike" cap="none" dirty="0">
                 <a:solidFill>
                   <a:srgbClr val="000000"/>
@@ -8511,8 +8862,17 @@
                 <a:cs typeface="Courier New"/>
                 <a:sym typeface="Courier New"/>
               </a:rPr>
-              <a:t>print pieces[1]</a:t>
-            </a:r>
+              <a:t>[1])</a:t>
+            </a:r>
+            <a:endParaRPr lang="es-419" sz="3000" b="1" i="0" u="none" strike="noStrike" cap="none" dirty="0">
+              <a:solidFill>
+                <a:srgbClr val="000000"/>
+              </a:solidFill>
+              <a:latin typeface="Courier New"/>
+              <a:ea typeface="Courier New"/>
+              <a:cs typeface="Courier New"/>
+              <a:sym typeface="Courier New"/>
+            </a:endParaRPr>
           </a:p>
         </p:txBody>
       </p:sp>
@@ -8584,7 +8944,7 @@
               <a:buNone/>
             </a:pPr>
             <a:r>
-              <a:rPr lang="en-US" sz="2400" i="0" u="none" strike="noStrike" cap="none" dirty="0" smtClean="0">
+              <a:rPr lang="es-419" sz="2400" i="0" u="none" strike="noStrike" cap="none">
                 <a:solidFill>
                   <a:srgbClr val="FF00FF"/>
                 </a:solidFill>
@@ -8593,41 +8953,8 @@
                 <a:cs typeface="Courier New"/>
                 <a:sym typeface="Courier New"/>
               </a:rPr>
-              <a:t> </a:t>
-            </a:r>
-            <a:r>
-              <a:rPr lang="en-US" sz="2400" i="0" u="none" strike="noStrike" cap="none" dirty="0" err="1" smtClean="0">
-                <a:solidFill>
-                  <a:srgbClr val="FF00FF"/>
-                </a:solidFill>
-                <a:latin typeface="Courier New"/>
-                <a:ea typeface="Courier New"/>
-                <a:cs typeface="Courier New"/>
-                <a:sym typeface="Courier New"/>
-              </a:rPr>
-              <a:t>stephen.marquard</a:t>
-            </a:r>
-            <a:r>
-              <a:rPr lang="en-US" sz="2400" i="0" u="none" strike="noStrike" cap="none" dirty="0" err="1">
-                <a:solidFill>
-                  <a:srgbClr val="FF00FF"/>
-                </a:solidFill>
-                <a:latin typeface="Courier New"/>
-                <a:ea typeface="Courier New"/>
-                <a:cs typeface="Courier New"/>
-                <a:sym typeface="Courier New"/>
-              </a:rPr>
-              <a:t>@uct.ac.za</a:t>
-            </a:r>
-            <a:endParaRPr lang="en-US" sz="2400" i="0" u="none" strike="noStrike" cap="none" dirty="0">
-              <a:solidFill>
-                <a:srgbClr val="FF00FF"/>
-              </a:solidFill>
-              <a:latin typeface="Courier New"/>
-              <a:ea typeface="Courier New"/>
-              <a:cs typeface="Courier New"/>
-              <a:sym typeface="Courier New"/>
-            </a:endParaRPr>
+              <a:t> stephen.marquard@uct.ac.za</a:t>
+            </a:r>
           </a:p>
         </p:txBody>
       </p:sp>
@@ -8685,7 +9012,7 @@
               <a:buNone/>
             </a:pPr>
             <a:r>
-              <a:rPr lang="en-US" sz="7600" dirty="0" smtClean="0">
+              <a:rPr lang="es-419" sz="7600" dirty="0">
                 <a:solidFill>
                   <a:srgbClr val="FFFF00"/>
                 </a:solidFill>
@@ -8694,17 +9021,8 @@
                 <a:cs typeface="Arial" charset="0"/>
                 <a:sym typeface="Cabin"/>
               </a:rPr>
-              <a:t>The Double Split Pattern</a:t>
-            </a:r>
-            <a:endParaRPr lang="en-US" sz="7600" dirty="0">
-              <a:solidFill>
-                <a:srgbClr val="FFFF00"/>
-              </a:solidFill>
-              <a:latin typeface="Arial" charset="0"/>
-              <a:ea typeface="Arial" charset="0"/>
-              <a:cs typeface="Arial" charset="0"/>
-              <a:sym typeface="Cabin"/>
-            </a:endParaRPr>
+              <a:t>El Patrón Doble División</a:t>
+            </a:r>
           </a:p>
         </p:txBody>
       </p:sp>
@@ -8751,7 +9069,7 @@
               <a:buNone/>
             </a:pPr>
             <a:r>
-              <a:rPr lang="en-US" sz="3000" i="0" u="none" strike="noStrike" cap="none" dirty="0">
+              <a:rPr lang="es-419" sz="3000" i="0" u="none" strike="noStrike" cap="none">
                 <a:solidFill>
                   <a:srgbClr val="FF7F00"/>
                 </a:solidFill>
@@ -8763,7 +9081,7 @@
               <a:t>From</a:t>
             </a:r>
             <a:r>
-              <a:rPr lang="en-US" sz="3000" b="1" i="0" u="none" strike="noStrike" cap="none" dirty="0">
+              <a:rPr lang="es-419" sz="3000" b="1" i="0" u="none" strike="noStrike" cap="none">
                 <a:solidFill>
                   <a:srgbClr val="FF7F00"/>
                 </a:solidFill>
@@ -8772,46 +9090,34 @@
                 <a:cs typeface="Courier New"/>
                 <a:sym typeface="Courier New"/>
               </a:rPr>
+              <a:t> stephen.marquard@</a:t>
+            </a:r>
+            <a:r>
+              <a:rPr lang="es-419" sz="3000" b="1" i="0" u="none" strike="noStrike" cap="none">
+                <a:solidFill>
+                  <a:srgbClr val="FFFF00"/>
+                </a:solidFill>
+                <a:latin typeface="Courier New"/>
+                <a:ea typeface="Courier New"/>
+                <a:cs typeface="Courier New"/>
+                <a:sym typeface="Courier New"/>
+              </a:rPr>
+              <a:t>uct.ac.za</a:t>
+            </a:r>
+            <a:r>
+              <a:rPr lang="es-419" sz="3000" b="1" i="0" u="none" strike="noStrike" cap="none">
+                <a:solidFill>
+                  <a:srgbClr val="FF7F00"/>
+                </a:solidFill>
+                <a:latin typeface="Courier New"/>
+                <a:ea typeface="Courier New"/>
+                <a:cs typeface="Courier New"/>
+                <a:sym typeface="Courier New"/>
+              </a:rPr>
               <a:t> </a:t>
             </a:r>
             <a:r>
-              <a:rPr lang="en-US" sz="3000" b="1" i="0" u="none" strike="noStrike" cap="none" dirty="0" err="1">
-                <a:solidFill>
-                  <a:srgbClr val="FF7F00"/>
-                </a:solidFill>
-                <a:latin typeface="Courier New"/>
-                <a:ea typeface="Courier New"/>
-                <a:cs typeface="Courier New"/>
-                <a:sym typeface="Courier New"/>
-              </a:rPr>
-              <a:t>stephen.marquard@</a:t>
-            </a:r>
-            <a:r>
-              <a:rPr lang="en-US" sz="3000" b="1" i="0" u="none" strike="noStrike" cap="none" dirty="0" err="1">
-                <a:solidFill>
-                  <a:srgbClr val="FFFF00"/>
-                </a:solidFill>
-                <a:latin typeface="Courier New"/>
-                <a:ea typeface="Courier New"/>
-                <a:cs typeface="Courier New"/>
-                <a:sym typeface="Courier New"/>
-              </a:rPr>
-              <a:t>uct.ac.za</a:t>
-            </a:r>
-            <a:r>
-              <a:rPr lang="en-US" sz="3000" b="1" i="0" u="none" strike="noStrike" cap="none" dirty="0">
-                <a:solidFill>
-                  <a:srgbClr val="FF7F00"/>
-                </a:solidFill>
-                <a:latin typeface="Courier New"/>
-                <a:ea typeface="Courier New"/>
-                <a:cs typeface="Courier New"/>
-                <a:sym typeface="Courier New"/>
-              </a:rPr>
-              <a:t> </a:t>
-            </a:r>
-            <a:r>
-              <a:rPr lang="en-US" sz="3000" i="0" u="none" strike="noStrike" cap="none" dirty="0">
+              <a:rPr lang="es-419" sz="3000" i="0" u="none" strike="noStrike" cap="none">
                 <a:solidFill>
                   <a:srgbClr val="FF7F00"/>
                 </a:solidFill>
@@ -8868,19 +9174,31 @@
               <a:buNone/>
             </a:pPr>
             <a:r>
-              <a:rPr lang="en-US" sz="2400" b="1" i="0" u="none" strike="noStrike" cap="none" dirty="0">
-                <a:solidFill>
-                  <a:schemeClr val="lt1"/>
-                </a:solidFill>
-                <a:latin typeface="Courier New"/>
-                <a:ea typeface="Courier New"/>
-                <a:cs typeface="Courier New"/>
-                <a:sym typeface="Courier New"/>
-              </a:rPr>
-              <a:t>words = </a:t>
-            </a:r>
-            <a:r>
-              <a:rPr lang="en-US" sz="2400" b="1" i="0" u="none" strike="noStrike" cap="none" dirty="0" err="1">
+              <a:rPr lang="es-419" sz="2400" b="1" dirty="0">
+                <a:solidFill>
+                  <a:schemeClr val="lt1"/>
+                </a:solidFill>
+                <a:latin typeface="Courier New"/>
+                <a:ea typeface="Courier New"/>
+                <a:cs typeface="Courier New"/>
+                <a:sym typeface="Courier New"/>
+              </a:rPr>
+              <a:t>palabras</a:t>
+            </a:r>
+            <a:r>
+              <a:rPr lang="es-419" sz="2400" b="1" i="0" u="none" strike="noStrike" cap="none" dirty="0">
+                <a:solidFill>
+                  <a:schemeClr val="lt1"/>
+                </a:solidFill>
+                <a:latin typeface="Courier New"/>
+                <a:ea typeface="Courier New"/>
+                <a:cs typeface="Courier New"/>
+                <a:sym typeface="Courier New"/>
+              </a:rPr>
+              <a:t> = </a:t>
+            </a:r>
+            <a:r>
+              <a:rPr lang="es-419" sz="2400" b="1" i="0" u="none" strike="noStrike" cap="none" dirty="0" err="1">
                 <a:solidFill>
                   <a:srgbClr val="FF7F00"/>
                 </a:solidFill>
@@ -8889,10 +9207,10 @@
                 <a:cs typeface="Courier New"/>
                 <a:sym typeface="Courier New"/>
               </a:rPr>
-              <a:t>line</a:t>
-            </a:r>
-            <a:r>
-              <a:rPr lang="en-US" sz="2400" b="1" i="0" u="none" strike="noStrike" cap="none" dirty="0" err="1">
+              <a:t>linea</a:t>
+            </a:r>
+            <a:r>
+              <a:rPr lang="es-419" sz="2400" b="1" i="0" u="none" strike="noStrike" cap="none" dirty="0" err="1">
                 <a:solidFill>
                   <a:schemeClr val="lt1"/>
                 </a:solidFill>
@@ -8904,7 +9222,7 @@
               <a:t>.split</a:t>
             </a:r>
             <a:r>
-              <a:rPr lang="en-US" sz="2400" b="1" i="0" u="none" strike="noStrike" cap="none" dirty="0">
+              <a:rPr lang="es-419" sz="2400" b="1" i="0" u="none" strike="noStrike" cap="none" dirty="0">
                 <a:solidFill>
                   <a:schemeClr val="lt1"/>
                 </a:solidFill>
@@ -8935,7 +9253,7 @@
               <a:buNone/>
             </a:pPr>
             <a:r>
-              <a:rPr lang="en-US" sz="2400" b="1" i="0" u="none" strike="noStrike" cap="none" dirty="0">
+              <a:rPr lang="es-419" sz="2400" b="1" i="0" u="none" strike="noStrike" cap="none" dirty="0">
                 <a:solidFill>
                   <a:srgbClr val="FF00FF"/>
                 </a:solidFill>
@@ -8947,16 +9265,40 @@
               <a:t>email</a:t>
             </a:r>
             <a:r>
-              <a:rPr lang="en-US" sz="2400" b="1" i="0" u="none" strike="noStrike" cap="none" dirty="0">
-                <a:solidFill>
-                  <a:schemeClr val="lt1"/>
-                </a:solidFill>
-                <a:latin typeface="Courier New"/>
-                <a:ea typeface="Courier New"/>
-                <a:cs typeface="Courier New"/>
-                <a:sym typeface="Courier New"/>
-              </a:rPr>
-              <a:t> = words[1]</a:t>
+              <a:rPr lang="es-419" sz="2400" b="1" i="0" u="none" strike="noStrike" cap="none" dirty="0">
+                <a:solidFill>
+                  <a:schemeClr val="lt1"/>
+                </a:solidFill>
+                <a:latin typeface="Courier New"/>
+                <a:ea typeface="Courier New"/>
+                <a:cs typeface="Courier New"/>
+                <a:sym typeface="Courier New"/>
+              </a:rPr>
+              <a:t> = </a:t>
+            </a:r>
+            <a:r>
+              <a:rPr lang="es-419" sz="2400" b="1" dirty="0">
+                <a:solidFill>
+                  <a:schemeClr val="lt1"/>
+                </a:solidFill>
+                <a:latin typeface="Courier New"/>
+                <a:ea typeface="Courier New"/>
+                <a:cs typeface="Courier New"/>
+                <a:sym typeface="Courier New"/>
+              </a:rPr>
+              <a:t>palabras</a:t>
+            </a:r>
+            <a:r>
+              <a:rPr lang="es-419" sz="2400" b="1" i="0" u="none" strike="noStrike" cap="none" dirty="0">
+                <a:solidFill>
+                  <a:schemeClr val="lt1"/>
+                </a:solidFill>
+                <a:latin typeface="Courier New"/>
+                <a:ea typeface="Courier New"/>
+                <a:cs typeface="Courier New"/>
+                <a:sym typeface="Courier New"/>
+              </a:rPr>
+              <a:t>[1]</a:t>
             </a:r>
           </a:p>
           <a:p>
@@ -8978,7 +9320,7 @@
               <a:buNone/>
             </a:pPr>
             <a:r>
-              <a:rPr lang="en-US" sz="3000" b="1" i="0" u="none" strike="noStrike" cap="none" dirty="0">
+              <a:rPr lang="es-419" sz="3000" b="1" i="0" u="none" strike="noStrike" cap="none" dirty="0" err="1">
                 <a:solidFill>
                   <a:srgbClr val="000000"/>
                 </a:solidFill>
@@ -8987,7 +9329,19 @@
                 <a:cs typeface="Courier New"/>
                 <a:sym typeface="Courier New"/>
               </a:rPr>
-              <a:t>print pieces[1]</a:t>
+              <a:t>print</a:t>
+            </a:r>
+            <a:r>
+              <a:rPr lang="es-419" sz="3000" b="1" i="0" u="none" strike="noStrike" cap="none" dirty="0">
+                <a:solidFill>
+                  <a:srgbClr val="000000"/>
+                </a:solidFill>
+                <a:latin typeface="Courier New"/>
+                <a:ea typeface="Courier New"/>
+                <a:cs typeface="Courier New"/>
+                <a:sym typeface="Courier New"/>
+              </a:rPr>
+              <a:t>(piezas[1])</a:t>
             </a:r>
           </a:p>
         </p:txBody>
@@ -9060,7 +9414,7 @@
               <a:buNone/>
             </a:pPr>
             <a:r>
-              <a:rPr lang="en-US" sz="2400" i="0" u="none" strike="noStrike" cap="none" dirty="0">
+              <a:rPr lang="es-419" sz="2400" i="0" u="none" strike="noStrike" cap="none">
                 <a:solidFill>
                   <a:srgbClr val="FFFF00"/>
                 </a:solidFill>
@@ -9069,10 +9423,10 @@
                 <a:cs typeface="Courier New"/>
                 <a:sym typeface="Courier New"/>
               </a:rPr>
-              <a:t>['</a:t>
-            </a:r>
-            <a:r>
-              <a:rPr lang="en-US" sz="2400" i="0" u="none" strike="noStrike" cap="none" dirty="0" err="1">
+              <a:t>['stephen.marquard', </a:t>
+            </a:r>
+            <a:r>
+              <a:rPr lang="es-419" sz="2400" b="1" i="0" u="none" strike="noStrike" cap="none">
                 <a:solidFill>
                   <a:srgbClr val="FFFF00"/>
                 </a:solidFill>
@@ -9081,46 +9435,10 @@
                 <a:cs typeface="Courier New"/>
                 <a:sym typeface="Courier New"/>
               </a:rPr>
-              <a:t>stephen.marquard</a:t>
-            </a:r>
-            <a:r>
-              <a:rPr lang="en-US" sz="2400" i="0" u="none" strike="noStrike" cap="none" dirty="0">
-                <a:solidFill>
-                  <a:srgbClr val="FFFF00"/>
-                </a:solidFill>
-                <a:latin typeface="Courier New"/>
-                <a:ea typeface="Courier New"/>
-                <a:cs typeface="Courier New"/>
-                <a:sym typeface="Courier New"/>
-              </a:rPr>
-              <a:t>', </a:t>
-            </a:r>
-            <a:r>
-              <a:rPr lang="en-US" sz="2400" b="1" i="0" u="none" strike="noStrike" cap="none" dirty="0">
-                <a:solidFill>
-                  <a:srgbClr val="FFFF00"/>
-                </a:solidFill>
-                <a:latin typeface="Courier New"/>
-                <a:ea typeface="Courier New"/>
-                <a:cs typeface="Courier New"/>
-                <a:sym typeface="Courier New"/>
-              </a:rPr>
-              <a:t>'</a:t>
-            </a:r>
-            <a:r>
-              <a:rPr lang="en-US" sz="2400" b="1" i="0" u="none" strike="noStrike" cap="none" dirty="0" err="1">
-                <a:solidFill>
-                  <a:srgbClr val="FFFF00"/>
-                </a:solidFill>
-                <a:latin typeface="Courier New"/>
-                <a:ea typeface="Courier New"/>
-                <a:cs typeface="Courier New"/>
-                <a:sym typeface="Courier New"/>
-              </a:rPr>
-              <a:t>uct.ac.za</a:t>
-            </a:r>
-            <a:r>
-              <a:rPr lang="en-US" sz="2400" i="0" u="none" strike="noStrike" cap="none" dirty="0">
+              <a:t>'uct.ac.za</a:t>
+            </a:r>
+            <a:r>
+              <a:rPr lang="es-419" sz="2400" i="0" u="none" strike="noStrike" cap="none">
                 <a:solidFill>
                   <a:srgbClr val="FFFF00"/>
                 </a:solidFill>
@@ -9177,7 +9495,7 @@
               <a:buNone/>
             </a:pPr>
             <a:r>
-              <a:rPr lang="en-US" sz="3000" i="0" u="none" strike="noStrike" cap="none" dirty="0">
+              <a:rPr lang="es-419" sz="3000" i="0" u="none" strike="noStrike" cap="none">
                 <a:solidFill>
                   <a:srgbClr val="FF7F00"/>
                 </a:solidFill>
@@ -9189,7 +9507,7 @@
               <a:t>From </a:t>
             </a:r>
             <a:r>
-              <a:rPr lang="en-US" sz="3000" b="1" i="0" u="none" strike="noStrike" cap="none" dirty="0" err="1">
+              <a:rPr lang="es-419" sz="3000" b="1" i="0" u="none" strike="noStrike" cap="none">
                 <a:solidFill>
                   <a:srgbClr val="FF7F00"/>
                 </a:solidFill>
@@ -9201,7 +9519,7 @@
               <a:t>stephen.marquard@</a:t>
             </a:r>
             <a:r>
-              <a:rPr lang="en-US" sz="3000" b="1" i="0" u="none" strike="noStrike" cap="none" dirty="0" err="1">
+              <a:rPr lang="es-419" sz="3000" b="1" i="0" u="none" strike="noStrike" cap="none">
                 <a:solidFill>
                   <a:srgbClr val="FFFF00"/>
                 </a:solidFill>
@@ -9213,7 +9531,7 @@
               <a:t>uct.ac.za</a:t>
             </a:r>
             <a:r>
-              <a:rPr lang="en-US" sz="3000" b="1" i="0" u="none" strike="noStrike" cap="none" dirty="0">
+              <a:rPr lang="es-419" sz="3000" b="1" i="0" u="none" strike="noStrike" cap="none">
                 <a:solidFill>
                   <a:srgbClr val="FF7F00"/>
                 </a:solidFill>
@@ -9225,7 +9543,7 @@
               <a:t> </a:t>
             </a:r>
             <a:r>
-              <a:rPr lang="en-US" sz="3000" i="0" u="none" strike="noStrike" cap="none" dirty="0">
+              <a:rPr lang="es-419" sz="3000" i="0" u="none" strike="noStrike" cap="none">
                 <a:solidFill>
                   <a:srgbClr val="FF7F00"/>
                 </a:solidFill>
@@ -9282,19 +9600,19 @@
               <a:buNone/>
             </a:pPr>
             <a:r>
-              <a:rPr lang="en-US" sz="2400" b="1" i="0" u="none" strike="noStrike" cap="none" dirty="0">
-                <a:solidFill>
-                  <a:schemeClr val="lt1"/>
-                </a:solidFill>
-                <a:latin typeface="Courier New"/>
-                <a:ea typeface="Courier New"/>
-                <a:cs typeface="Courier New"/>
-                <a:sym typeface="Courier New"/>
-              </a:rPr>
-              <a:t>words = </a:t>
-            </a:r>
-            <a:r>
-              <a:rPr lang="en-US" sz="2400" b="1" i="0" u="none" strike="noStrike" cap="none" dirty="0" err="1">
+              <a:rPr lang="es-419" sz="2400" b="1" i="0" u="none" strike="noStrike" cap="none" dirty="0">
+                <a:solidFill>
+                  <a:schemeClr val="lt1"/>
+                </a:solidFill>
+                <a:latin typeface="Courier New"/>
+                <a:ea typeface="Courier New"/>
+                <a:cs typeface="Courier New"/>
+                <a:sym typeface="Courier New"/>
+              </a:rPr>
+              <a:t>palabras = </a:t>
+            </a:r>
+            <a:r>
+              <a:rPr lang="es-419" sz="2400" b="1" i="0" u="none" strike="noStrike" cap="none" dirty="0" err="1">
                 <a:solidFill>
                   <a:srgbClr val="FF7F00"/>
                 </a:solidFill>
@@ -9303,10 +9621,10 @@
                 <a:cs typeface="Courier New"/>
                 <a:sym typeface="Courier New"/>
               </a:rPr>
-              <a:t>line</a:t>
-            </a:r>
-            <a:r>
-              <a:rPr lang="en-US" sz="2400" b="1" i="0" u="none" strike="noStrike" cap="none" dirty="0" err="1">
+              <a:t>linea</a:t>
+            </a:r>
+            <a:r>
+              <a:rPr lang="es-419" sz="2400" b="1" i="0" u="none" strike="noStrike" cap="none" dirty="0" err="1">
                 <a:solidFill>
                   <a:schemeClr val="lt1"/>
                 </a:solidFill>
@@ -9318,7 +9636,7 @@
               <a:t>.split</a:t>
             </a:r>
             <a:r>
-              <a:rPr lang="en-US" sz="2400" b="1" i="0" u="none" strike="noStrike" cap="none" dirty="0">
+              <a:rPr lang="es-419" sz="2400" b="1" i="0" u="none" strike="noStrike" cap="none" dirty="0">
                 <a:solidFill>
                   <a:schemeClr val="lt1"/>
                 </a:solidFill>
@@ -9349,7 +9667,7 @@
               <a:buNone/>
             </a:pPr>
             <a:r>
-              <a:rPr lang="en-US" sz="2400" b="1" i="0" u="none" strike="noStrike" cap="none" dirty="0">
+              <a:rPr lang="es-419" sz="2400" b="1" i="0" u="none" strike="noStrike" cap="none" dirty="0">
                 <a:solidFill>
                   <a:srgbClr val="FF00FF"/>
                 </a:solidFill>
@@ -9361,16 +9679,40 @@
               <a:t>email</a:t>
             </a:r>
             <a:r>
-              <a:rPr lang="en-US" sz="2400" b="1" i="0" u="none" strike="noStrike" cap="none" dirty="0">
-                <a:solidFill>
-                  <a:schemeClr val="lt1"/>
-                </a:solidFill>
-                <a:latin typeface="Courier New"/>
-                <a:ea typeface="Courier New"/>
-                <a:cs typeface="Courier New"/>
-                <a:sym typeface="Courier New"/>
-              </a:rPr>
-              <a:t> = words[1]</a:t>
+              <a:rPr lang="es-419" sz="2400" b="1" i="0" u="none" strike="noStrike" cap="none" dirty="0">
+                <a:solidFill>
+                  <a:schemeClr val="lt1"/>
+                </a:solidFill>
+                <a:latin typeface="Courier New"/>
+                <a:ea typeface="Courier New"/>
+                <a:cs typeface="Courier New"/>
+                <a:sym typeface="Courier New"/>
+              </a:rPr>
+              <a:t> = </a:t>
+            </a:r>
+            <a:r>
+              <a:rPr lang="es-419" sz="2400" b="1" dirty="0">
+                <a:solidFill>
+                  <a:schemeClr val="lt1"/>
+                </a:solidFill>
+                <a:latin typeface="Courier New"/>
+                <a:ea typeface="Courier New"/>
+                <a:cs typeface="Courier New"/>
+                <a:sym typeface="Courier New"/>
+              </a:rPr>
+              <a:t>palabras</a:t>
+            </a:r>
+            <a:r>
+              <a:rPr lang="es-419" sz="2400" b="1" i="0" u="none" strike="noStrike" cap="none" dirty="0">
+                <a:solidFill>
+                  <a:schemeClr val="lt1"/>
+                </a:solidFill>
+                <a:latin typeface="Courier New"/>
+                <a:ea typeface="Courier New"/>
+                <a:cs typeface="Courier New"/>
+                <a:sym typeface="Courier New"/>
+              </a:rPr>
+              <a:t>[1]</a:t>
             </a:r>
           </a:p>
           <a:p>
@@ -9392,7 +9734,7 @@
               <a:buNone/>
             </a:pPr>
             <a:r>
-              <a:rPr lang="en-US" sz="2400" b="1" dirty="0">
+              <a:rPr lang="es-419" sz="2400" b="1" dirty="0">
                 <a:solidFill>
                   <a:srgbClr val="FFFF00"/>
                 </a:solidFill>
@@ -9401,10 +9743,10 @@
                 <a:cs typeface="Courier New"/>
                 <a:sym typeface="Courier New"/>
               </a:rPr>
-              <a:t>pieces</a:t>
-            </a:r>
-            <a:r>
-              <a:rPr lang="en-US" sz="2400" b="1" dirty="0">
+              <a:t>piezas</a:t>
+            </a:r>
+            <a:r>
+              <a:rPr lang="es-419" sz="2400" b="1" dirty="0">
                 <a:solidFill>
                   <a:schemeClr val="lt1"/>
                 </a:solidFill>
@@ -9416,7 +9758,7 @@
               <a:t> = </a:t>
             </a:r>
             <a:r>
-              <a:rPr lang="en-US" sz="2400" b="1" dirty="0" err="1">
+              <a:rPr lang="es-419" sz="2400" b="1" dirty="0" err="1">
                 <a:solidFill>
                   <a:schemeClr val="lt1"/>
                 </a:solidFill>
@@ -9428,7 +9770,7 @@
               <a:t>email.split</a:t>
             </a:r>
             <a:r>
-              <a:rPr lang="en-US" sz="2400" b="1" dirty="0">
+              <a:rPr lang="es-419" sz="2400" b="1" dirty="0">
                 <a:solidFill>
                   <a:schemeClr val="lt1"/>
                 </a:solidFill>
@@ -9459,7 +9801,7 @@
               <a:buNone/>
             </a:pPr>
             <a:r>
-              <a:rPr lang="en-US" sz="3000" b="1" i="0" u="none" strike="noStrike" cap="none" dirty="0">
+              <a:rPr lang="es-419" sz="3000" b="1" i="0" u="none" strike="noStrike" cap="none" dirty="0" err="1">
                 <a:solidFill>
                   <a:srgbClr val="000000"/>
                 </a:solidFill>
@@ -9468,7 +9810,19 @@
                 <a:cs typeface="Courier New"/>
                 <a:sym typeface="Courier New"/>
               </a:rPr>
-              <a:t>print pieces[1]</a:t>
+              <a:t>print</a:t>
+            </a:r>
+            <a:r>
+              <a:rPr lang="es-419" sz="3000" b="1" i="0" u="none" strike="noStrike" cap="none" dirty="0">
+                <a:solidFill>
+                  <a:srgbClr val="000000"/>
+                </a:solidFill>
+                <a:latin typeface="Courier New"/>
+                <a:ea typeface="Courier New"/>
+                <a:cs typeface="Courier New"/>
+                <a:sym typeface="Courier New"/>
+              </a:rPr>
+              <a:t>(piezas[1])</a:t>
             </a:r>
           </a:p>
         </p:txBody>
@@ -9516,7 +9870,7 @@
               <a:buNone/>
             </a:pPr>
             <a:r>
-              <a:rPr lang="en-US" sz="2400" b="1" i="0" u="none" strike="noStrike" cap="none" dirty="0" err="1">
+              <a:rPr lang="es-419" sz="2400" b="1" i="0" u="none" strike="noStrike" cap="none">
                 <a:solidFill>
                   <a:srgbClr val="FF00FF"/>
                 </a:solidFill>
@@ -9527,15 +9881,6 @@
               </a:rPr>
               <a:t>stephen.marquard@uct.ac.za</a:t>
             </a:r>
-            <a:endParaRPr lang="en-US" sz="2400" b="1" i="0" u="none" strike="noStrike" cap="none" dirty="0">
-              <a:solidFill>
-                <a:srgbClr val="FF00FF"/>
-              </a:solidFill>
-              <a:latin typeface="Courier New"/>
-              <a:ea typeface="Courier New"/>
-              <a:cs typeface="Courier New"/>
-              <a:sym typeface="Courier New"/>
-            </a:endParaRPr>
           </a:p>
         </p:txBody>
       </p:sp>
@@ -9593,7 +9938,7 @@
               <a:buNone/>
             </a:pPr>
             <a:r>
-              <a:rPr lang="en-US" sz="7600" dirty="0" smtClean="0">
+              <a:rPr lang="es-419" sz="7600" dirty="0">
                 <a:solidFill>
                   <a:srgbClr val="FFFF00"/>
                 </a:solidFill>
@@ -9602,17 +9947,8 @@
                 <a:cs typeface="Arial" charset="0"/>
                 <a:sym typeface="Cabin"/>
               </a:rPr>
-              <a:t>The Double Split Pattern</a:t>
-            </a:r>
-            <a:endParaRPr lang="en-US" sz="7600" dirty="0">
-              <a:solidFill>
-                <a:srgbClr val="FFFF00"/>
-              </a:solidFill>
-              <a:latin typeface="Arial" charset="0"/>
-              <a:ea typeface="Arial" charset="0"/>
-              <a:cs typeface="Arial" charset="0"/>
-              <a:sym typeface="Cabin"/>
-            </a:endParaRPr>
+              <a:t>El Patrón Doble División</a:t>
+            </a:r>
           </a:p>
         </p:txBody>
       </p:sp>
@@ -9684,7 +10020,7 @@
               <a:buNone/>
             </a:pPr>
             <a:r>
-              <a:rPr lang="en-US" sz="2400" b="1" i="0" u="none" strike="noStrike" cap="none" dirty="0">
+              <a:rPr lang="es-419" sz="2400" b="1" i="0" u="none" strike="noStrike" cap="none">
                 <a:solidFill>
                   <a:srgbClr val="FFFF00"/>
                 </a:solidFill>
@@ -9693,55 +10029,7 @@
                 <a:cs typeface="Courier New"/>
                 <a:sym typeface="Courier New"/>
               </a:rPr>
-              <a:t>['</a:t>
-            </a:r>
-            <a:r>
-              <a:rPr lang="en-US" sz="2400" b="1" i="0" u="none" strike="noStrike" cap="none" dirty="0" err="1">
-                <a:solidFill>
-                  <a:srgbClr val="FFFF00"/>
-                </a:solidFill>
-                <a:latin typeface="Courier New"/>
-                <a:ea typeface="Courier New"/>
-                <a:cs typeface="Courier New"/>
-                <a:sym typeface="Courier New"/>
-              </a:rPr>
-              <a:t>stephen.marquard</a:t>
-            </a:r>
-            <a:r>
-              <a:rPr lang="en-US" sz="2400" b="1" i="0" u="none" strike="noStrike" cap="none" dirty="0">
-                <a:solidFill>
-                  <a:srgbClr val="FFFF00"/>
-                </a:solidFill>
-                <a:latin typeface="Courier New"/>
-                <a:ea typeface="Courier New"/>
-                <a:cs typeface="Courier New"/>
-                <a:sym typeface="Courier New"/>
-              </a:rPr>
-              <a:t>', '</a:t>
-            </a:r>
-            <a:r>
-              <a:rPr lang="en-US" sz="2400" b="1" i="0" u="none" strike="noStrike" cap="none" dirty="0" err="1">
-                <a:solidFill>
-                  <a:srgbClr val="FFFF00"/>
-                </a:solidFill>
-                <a:latin typeface="Courier New"/>
-                <a:ea typeface="Courier New"/>
-                <a:cs typeface="Courier New"/>
-                <a:sym typeface="Courier New"/>
-              </a:rPr>
-              <a:t>uct.ac.za</a:t>
-            </a:r>
-            <a:r>
-              <a:rPr lang="en-US" sz="2400" b="1" i="0" u="none" strike="noStrike" cap="none" dirty="0">
-                <a:solidFill>
-                  <a:srgbClr val="FFFF00"/>
-                </a:solidFill>
-                <a:latin typeface="Courier New"/>
-                <a:ea typeface="Courier New"/>
-                <a:cs typeface="Courier New"/>
-                <a:sym typeface="Courier New"/>
-              </a:rPr>
-              <a:t>']</a:t>
+              <a:t>['stephen.marquard', 'uct.ac.za']</a:t>
             </a:r>
           </a:p>
         </p:txBody>
@@ -9789,7 +10077,7 @@
               <a:buNone/>
             </a:pPr>
             <a:r>
-              <a:rPr lang="en-US" sz="3000" i="0" u="none" strike="noStrike" cap="none" dirty="0">
+              <a:rPr lang="es-419" sz="3000" i="0" u="none" strike="noStrike" cap="none">
                 <a:solidFill>
                   <a:srgbClr val="FF7F00"/>
                 </a:solidFill>
@@ -9801,7 +10089,7 @@
               <a:t>From </a:t>
             </a:r>
             <a:r>
-              <a:rPr lang="en-US" sz="3000" b="1" i="0" u="none" strike="noStrike" cap="none" dirty="0" err="1">
+              <a:rPr lang="es-419" sz="3000" b="1" i="0" u="none" strike="noStrike" cap="none">
                 <a:solidFill>
                   <a:srgbClr val="FF7F00"/>
                 </a:solidFill>
@@ -9813,7 +10101,7 @@
               <a:t>stephen.marquard@</a:t>
             </a:r>
             <a:r>
-              <a:rPr lang="en-US" sz="3000" b="1" i="0" u="none" strike="noStrike" cap="none" dirty="0" err="1">
+              <a:rPr lang="es-419" sz="3000" b="1" i="0" u="none" strike="noStrike" cap="none">
                 <a:solidFill>
                   <a:srgbClr val="FFFF00"/>
                 </a:solidFill>
@@ -9825,7 +10113,7 @@
               <a:t>uct.ac.za</a:t>
             </a:r>
             <a:r>
-              <a:rPr lang="en-US" sz="3000" i="0" u="none" strike="noStrike" cap="none" dirty="0">
+              <a:rPr lang="es-419" sz="3000" i="0" u="none" strike="noStrike" cap="none">
                 <a:solidFill>
                   <a:srgbClr val="FF7F00"/>
                 </a:solidFill>
@@ -9882,19 +10170,19 @@
               <a:buNone/>
             </a:pPr>
             <a:r>
-              <a:rPr lang="en-US" sz="2400" b="1" i="0" u="none" strike="noStrike" cap="none" dirty="0">
-                <a:solidFill>
-                  <a:schemeClr val="lt1"/>
-                </a:solidFill>
-                <a:latin typeface="Courier New"/>
-                <a:ea typeface="Courier New"/>
-                <a:cs typeface="Courier New"/>
-                <a:sym typeface="Courier New"/>
-              </a:rPr>
-              <a:t>words = </a:t>
-            </a:r>
-            <a:r>
-              <a:rPr lang="en-US" sz="2400" b="1" i="0" u="none" strike="noStrike" cap="none" dirty="0" err="1">
+              <a:rPr lang="es-419" sz="2400" b="1" i="0" u="none" strike="noStrike" cap="none" dirty="0">
+                <a:solidFill>
+                  <a:schemeClr val="lt1"/>
+                </a:solidFill>
+                <a:latin typeface="Courier New"/>
+                <a:ea typeface="Courier New"/>
+                <a:cs typeface="Courier New"/>
+                <a:sym typeface="Courier New"/>
+              </a:rPr>
+              <a:t>palabras = </a:t>
+            </a:r>
+            <a:r>
+              <a:rPr lang="es-419" sz="2400" b="1" i="0" u="none" strike="noStrike" cap="none" dirty="0" err="1">
                 <a:solidFill>
                   <a:srgbClr val="FF7F00"/>
                 </a:solidFill>
@@ -9903,10 +10191,10 @@
                 <a:cs typeface="Courier New"/>
                 <a:sym typeface="Courier New"/>
               </a:rPr>
-              <a:t>line</a:t>
-            </a:r>
-            <a:r>
-              <a:rPr lang="en-US" sz="2400" b="1" i="0" u="none" strike="noStrike" cap="none" dirty="0" err="1">
+              <a:t>linea</a:t>
+            </a:r>
+            <a:r>
+              <a:rPr lang="es-419" sz="2400" b="1" i="0" u="none" strike="noStrike" cap="none" dirty="0" err="1">
                 <a:solidFill>
                   <a:schemeClr val="lt1"/>
                 </a:solidFill>
@@ -9918,7 +10206,7 @@
               <a:t>.split</a:t>
             </a:r>
             <a:r>
-              <a:rPr lang="en-US" sz="2400" b="1" i="0" u="none" strike="noStrike" cap="none" dirty="0">
+              <a:rPr lang="es-419" sz="2400" b="1" i="0" u="none" strike="noStrike" cap="none" dirty="0">
                 <a:solidFill>
                   <a:schemeClr val="lt1"/>
                 </a:solidFill>
@@ -9949,7 +10237,7 @@
               <a:buNone/>
             </a:pPr>
             <a:r>
-              <a:rPr lang="en-US" sz="2400" b="1" i="0" u="none" strike="noStrike" cap="none" dirty="0">
+              <a:rPr lang="es-419" sz="2400" b="1" i="0" u="none" strike="noStrike" cap="none" dirty="0">
                 <a:solidFill>
                   <a:srgbClr val="FF00FF"/>
                 </a:solidFill>
@@ -9961,16 +10249,40 @@
               <a:t>email</a:t>
             </a:r>
             <a:r>
-              <a:rPr lang="en-US" sz="2400" b="1" i="0" u="none" strike="noStrike" cap="none" dirty="0">
-                <a:solidFill>
-                  <a:schemeClr val="lt1"/>
-                </a:solidFill>
-                <a:latin typeface="Courier New"/>
-                <a:ea typeface="Courier New"/>
-                <a:cs typeface="Courier New"/>
-                <a:sym typeface="Courier New"/>
-              </a:rPr>
-              <a:t> = words[1]</a:t>
+              <a:rPr lang="es-419" sz="2400" b="1" i="0" u="none" strike="noStrike" cap="none" dirty="0">
+                <a:solidFill>
+                  <a:schemeClr val="lt1"/>
+                </a:solidFill>
+                <a:latin typeface="Courier New"/>
+                <a:ea typeface="Courier New"/>
+                <a:cs typeface="Courier New"/>
+                <a:sym typeface="Courier New"/>
+              </a:rPr>
+              <a:t> = </a:t>
+            </a:r>
+            <a:r>
+              <a:rPr lang="es-419" sz="2400" b="1" dirty="0">
+                <a:solidFill>
+                  <a:schemeClr val="lt1"/>
+                </a:solidFill>
+                <a:latin typeface="Courier New"/>
+                <a:ea typeface="Courier New"/>
+                <a:cs typeface="Courier New"/>
+                <a:sym typeface="Courier New"/>
+              </a:rPr>
+              <a:t>palabras</a:t>
+            </a:r>
+            <a:r>
+              <a:rPr lang="es-419" sz="2400" b="1" i="0" u="none" strike="noStrike" cap="none" dirty="0">
+                <a:solidFill>
+                  <a:schemeClr val="lt1"/>
+                </a:solidFill>
+                <a:latin typeface="Courier New"/>
+                <a:ea typeface="Courier New"/>
+                <a:cs typeface="Courier New"/>
+                <a:sym typeface="Courier New"/>
+              </a:rPr>
+              <a:t>[1]</a:t>
             </a:r>
           </a:p>
           <a:p>
@@ -9992,7 +10304,7 @@
               <a:buNone/>
             </a:pPr>
             <a:r>
-              <a:rPr lang="en-US" sz="2400" b="1" dirty="0">
+              <a:rPr lang="es-419" sz="2400" b="1" dirty="0">
                 <a:solidFill>
                   <a:srgbClr val="FFFF00"/>
                 </a:solidFill>
@@ -10001,10 +10313,10 @@
                 <a:cs typeface="Courier New"/>
                 <a:sym typeface="Courier New"/>
               </a:rPr>
-              <a:t>pieces</a:t>
-            </a:r>
-            <a:r>
-              <a:rPr lang="en-US" sz="2400" b="1" dirty="0">
+              <a:t>piezas</a:t>
+            </a:r>
+            <a:r>
+              <a:rPr lang="es-419" sz="2400" b="1" dirty="0">
                 <a:solidFill>
                   <a:schemeClr val="lt1"/>
                 </a:solidFill>
@@ -10016,7 +10328,7 @@
               <a:t> = </a:t>
             </a:r>
             <a:r>
-              <a:rPr lang="en-US" sz="2400" b="1" dirty="0" err="1">
+              <a:rPr lang="es-419" sz="2400" b="1" dirty="0" err="1">
                 <a:solidFill>
                   <a:schemeClr val="lt1"/>
                 </a:solidFill>
@@ -10028,7 +10340,7 @@
               <a:t>email.split</a:t>
             </a:r>
             <a:r>
-              <a:rPr lang="en-US" sz="2400" b="1" dirty="0">
+              <a:rPr lang="es-419" sz="2400" b="1" dirty="0">
                 <a:solidFill>
                   <a:schemeClr val="lt1"/>
                 </a:solidFill>
@@ -10059,19 +10371,31 @@
               <a:buNone/>
             </a:pPr>
             <a:r>
-              <a:rPr lang="en-US" sz="2400" b="1" dirty="0" smtClean="0">
-                <a:solidFill>
-                  <a:schemeClr val="lt1"/>
-                </a:solidFill>
-                <a:latin typeface="Courier New"/>
-                <a:ea typeface="Courier New"/>
-                <a:cs typeface="Courier New"/>
-                <a:sym typeface="Courier New"/>
-              </a:rPr>
-              <a:t>print(</a:t>
-            </a:r>
-            <a:r>
-              <a:rPr lang="en-US" sz="2400" b="1" dirty="0" smtClean="0">
+              <a:rPr lang="es-419" sz="2400" b="1" dirty="0" err="1">
+                <a:solidFill>
+                  <a:schemeClr val="lt1"/>
+                </a:solidFill>
+                <a:latin typeface="Courier New"/>
+                <a:ea typeface="Courier New"/>
+                <a:cs typeface="Courier New"/>
+                <a:sym typeface="Courier New"/>
+              </a:rPr>
+              <a:t>print</a:t>
+            </a:r>
+            <a:r>
+              <a:rPr lang="es-419" sz="2400" b="1" dirty="0">
+                <a:solidFill>
+                  <a:schemeClr val="lt1"/>
+                </a:solidFill>
+                <a:latin typeface="Courier New"/>
+                <a:ea typeface="Courier New"/>
+                <a:cs typeface="Courier New"/>
+                <a:sym typeface="Courier New"/>
+              </a:rPr>
+              <a:t>(</a:t>
+            </a:r>
+            <a:r>
+              <a:rPr lang="es-419" sz="2400" b="1" dirty="0">
                 <a:solidFill>
                   <a:srgbClr val="00FF00"/>
                 </a:solidFill>
@@ -10080,10 +10404,10 @@
                 <a:cs typeface="Courier New"/>
                 <a:sym typeface="Courier New"/>
               </a:rPr>
-              <a:t>pieces[1]</a:t>
-            </a:r>
-            <a:r>
-              <a:rPr lang="en-US" sz="2400" b="1" dirty="0" smtClean="0">
+              <a:t>piezas[1]</a:t>
+            </a:r>
+            <a:r>
+              <a:rPr lang="es-419" sz="2400" b="1" dirty="0">
                 <a:solidFill>
                   <a:schemeClr val="bg1"/>
                 </a:solidFill>
@@ -10113,7 +10437,7 @@
               <a:buFont typeface="Cabin"/>
               <a:buNone/>
             </a:pPr>
-            <a:endParaRPr lang="en-US" sz="2400" b="1" dirty="0">
+            <a:endParaRPr lang="es-419" sz="2400" b="1" dirty="0">
               <a:solidFill>
                 <a:schemeClr val="bg1"/>
               </a:solidFill>
@@ -10168,7 +10492,7 @@
               <a:buNone/>
             </a:pPr>
             <a:r>
-              <a:rPr lang="en-US" sz="2400" b="1" i="0" u="none" strike="noStrike" cap="none" dirty="0" err="1">
+              <a:rPr lang="es-419" sz="2400" b="1" i="0" u="none" strike="noStrike" cap="none">
                 <a:solidFill>
                   <a:srgbClr val="FF00FF"/>
                 </a:solidFill>
@@ -10179,15 +10503,6 @@
               </a:rPr>
               <a:t>stephen.marquard@uct.ac.za</a:t>
             </a:r>
-            <a:endParaRPr lang="en-US" sz="2400" b="1" i="0" u="none" strike="noStrike" cap="none" dirty="0">
-              <a:solidFill>
-                <a:srgbClr val="FF00FF"/>
-              </a:solidFill>
-              <a:latin typeface="Courier New"/>
-              <a:ea typeface="Courier New"/>
-              <a:cs typeface="Courier New"/>
-              <a:sym typeface="Courier New"/>
-            </a:endParaRPr>
           </a:p>
         </p:txBody>
       </p:sp>
@@ -10234,7 +10549,7 @@
               <a:buNone/>
             </a:pPr>
             <a:r>
-              <a:rPr lang="en-US" sz="2400" b="1" i="0" u="none" strike="noStrike" cap="none" dirty="0">
+              <a:rPr lang="es-419" sz="2400" b="1" i="0" u="none" strike="noStrike" cap="none">
                 <a:solidFill>
                   <a:srgbClr val="00FF00"/>
                 </a:solidFill>
@@ -10243,31 +10558,7 @@
                 <a:cs typeface="Courier New"/>
                 <a:sym typeface="Courier New"/>
               </a:rPr>
-              <a:t>'</a:t>
-            </a:r>
-            <a:r>
-              <a:rPr lang="en-US" sz="2400" b="1" i="0" u="none" strike="noStrike" cap="none" dirty="0" err="1">
-                <a:solidFill>
-                  <a:srgbClr val="00FF00"/>
-                </a:solidFill>
-                <a:latin typeface="Courier New"/>
-                <a:ea typeface="Courier New"/>
-                <a:cs typeface="Courier New"/>
-                <a:sym typeface="Courier New"/>
-              </a:rPr>
-              <a:t>uct.ac.za</a:t>
-            </a:r>
-            <a:r>
-              <a:rPr lang="en-US" sz="2400" b="1" i="0" u="none" strike="noStrike" cap="none" dirty="0">
-                <a:solidFill>
-                  <a:srgbClr val="00FF00"/>
-                </a:solidFill>
-                <a:latin typeface="Courier New"/>
-                <a:ea typeface="Courier New"/>
-                <a:cs typeface="Courier New"/>
-                <a:sym typeface="Courier New"/>
-              </a:rPr>
-              <a:t>'</a:t>
+              <a:t>'uct.ac.za'</a:t>
             </a:r>
           </a:p>
         </p:txBody>
@@ -10326,7 +10617,7 @@
               <a:buNone/>
             </a:pPr>
             <a:r>
-              <a:rPr lang="en-US" sz="7600" dirty="0" smtClean="0">
+              <a:rPr lang="es-419" sz="7600" dirty="0">
                 <a:solidFill>
                   <a:srgbClr val="FFFF00"/>
                 </a:solidFill>
@@ -10335,17 +10626,8 @@
                 <a:cs typeface="Arial" charset="0"/>
                 <a:sym typeface="Cabin"/>
               </a:rPr>
-              <a:t>The Double Split Pattern</a:t>
-            </a:r>
-            <a:endParaRPr lang="en-US" sz="7600" dirty="0">
-              <a:solidFill>
-                <a:srgbClr val="FFFF00"/>
-              </a:solidFill>
-              <a:latin typeface="Arial" charset="0"/>
-              <a:ea typeface="Arial" charset="0"/>
-              <a:cs typeface="Arial" charset="0"/>
-              <a:sym typeface="Cabin"/>
-            </a:endParaRPr>
+              <a:t>El Patrón Doble División</a:t>
+            </a:r>
           </a:p>
         </p:txBody>
       </p:sp>
@@ -10421,7 +10703,7 @@
               <a:buNone/>
             </a:pPr>
             <a:r>
-              <a:rPr lang="en-US" sz="7600" u="none" strike="noStrike" cap="none" dirty="0">
+              <a:rPr lang="es-419" sz="7600" u="none" strike="noStrike" cap="none" dirty="0">
                 <a:solidFill>
                   <a:srgbClr val="FFFF00"/>
                 </a:solidFill>
@@ -10430,7 +10712,7 @@
                 <a:cs typeface="Arial" charset="0"/>
                 <a:sym typeface="Cabin"/>
               </a:rPr>
-              <a:t>List Summary</a:t>
+              <a:t>Resumen</a:t>
             </a:r>
           </a:p>
         </p:txBody>
@@ -10472,7 +10754,7 @@
               <a:buChar char="•"/>
             </a:pPr>
             <a:r>
-              <a:rPr lang="en-US" sz="3600">
+              <a:rPr lang="es-419" sz="3600" dirty="0">
                 <a:solidFill>
                   <a:srgbClr val="FFFFFF"/>
                 </a:solidFill>
@@ -10481,7 +10763,7 @@
                 <a:cs typeface="Arial" charset="0"/>
                 <a:sym typeface="Cabin"/>
               </a:rPr>
-              <a:t>Concept of a collection</a:t>
+              <a:t>Concepto de “colección”</a:t>
             </a:r>
           </a:p>
           <a:p>
@@ -10497,7 +10779,7 @@
               <a:buChar char="•"/>
             </a:pPr>
             <a:r>
-              <a:rPr lang="en-US" sz="3600" dirty="0">
+              <a:rPr lang="es-419" sz="3600" dirty="0">
                 <a:solidFill>
                   <a:srgbClr val="FFFFFF"/>
                 </a:solidFill>
@@ -10506,7 +10788,7 @@
                 <a:cs typeface="Arial" charset="0"/>
                 <a:sym typeface="Cabin"/>
               </a:rPr>
-              <a:t>Lists and definite loops</a:t>
+              <a:t>Listas y bucles finitos</a:t>
             </a:r>
           </a:p>
           <a:p>
@@ -10522,7 +10804,7 @@
               <a:buChar char="•"/>
             </a:pPr>
             <a:r>
-              <a:rPr lang="en-US" sz="3600" dirty="0">
+              <a:rPr lang="es-419" sz="3600" dirty="0">
                 <a:solidFill>
                   <a:srgbClr val="FFFFFF"/>
                 </a:solidFill>
@@ -10531,7 +10813,7 @@
                 <a:cs typeface="Arial" charset="0"/>
                 <a:sym typeface="Cabin"/>
               </a:rPr>
-              <a:t>Indexing and lookup</a:t>
+              <a:t>Indexación y búsqueda</a:t>
             </a:r>
           </a:p>
           <a:p>
@@ -10547,7 +10829,7 @@
               <a:buChar char="•"/>
             </a:pPr>
             <a:r>
-              <a:rPr lang="en-US" sz="3600" dirty="0">
+              <a:rPr lang="es-419" sz="3600" dirty="0">
                 <a:solidFill>
                   <a:srgbClr val="FFFFFF"/>
                 </a:solidFill>
@@ -10556,7 +10838,7 @@
                 <a:cs typeface="Arial" charset="0"/>
                 <a:sym typeface="Cabin"/>
               </a:rPr>
-              <a:t>List mutability</a:t>
+              <a:t>Mutabilidad de listas</a:t>
             </a:r>
           </a:p>
           <a:p>
@@ -10572,7 +10854,7 @@
               <a:buChar char="•"/>
             </a:pPr>
             <a:r>
-              <a:rPr lang="en-US" sz="3600" dirty="0">
+              <a:rPr lang="es-419" sz="3600" dirty="0">
                 <a:solidFill>
                   <a:srgbClr val="FFFFFF"/>
                 </a:solidFill>
@@ -10581,10 +10863,10 @@
                 <a:cs typeface="Arial" charset="0"/>
                 <a:sym typeface="Cabin"/>
               </a:rPr>
-              <a:t>Functions: </a:t>
-            </a:r>
-            <a:r>
-              <a:rPr lang="en-US" sz="3600" dirty="0" err="1">
+              <a:t>Funciones: </a:t>
+            </a:r>
+            <a:r>
+              <a:rPr lang="es-419" sz="3600" dirty="0" err="1">
                 <a:solidFill>
                   <a:srgbClr val="FFFFFF"/>
                 </a:solidFill>
@@ -10596,7 +10878,7 @@
               <a:t>len</a:t>
             </a:r>
             <a:r>
-              <a:rPr lang="en-US" sz="3600" dirty="0">
+              <a:rPr lang="es-419" sz="3600" dirty="0">
                 <a:solidFill>
                   <a:srgbClr val="FFFFFF"/>
                 </a:solidFill>
@@ -10605,7 +10887,31 @@
                 <a:cs typeface="Arial" charset="0"/>
                 <a:sym typeface="Cabin"/>
               </a:rPr>
-              <a:t>, min, max, sum</a:t>
+              <a:t>, min, </a:t>
+            </a:r>
+            <a:r>
+              <a:rPr lang="es-419" sz="3600" dirty="0" err="1">
+                <a:solidFill>
+                  <a:srgbClr val="FFFFFF"/>
+                </a:solidFill>
+                <a:latin typeface="Arial" charset="0"/>
+                <a:ea typeface="Arial" charset="0"/>
+                <a:cs typeface="Arial" charset="0"/>
+                <a:sym typeface="Cabin"/>
+              </a:rPr>
+              <a:t>max</a:t>
+            </a:r>
+            <a:r>
+              <a:rPr lang="es-419" sz="3600" dirty="0">
+                <a:solidFill>
+                  <a:srgbClr val="FFFFFF"/>
+                </a:solidFill>
+                <a:latin typeface="Arial" charset="0"/>
+                <a:ea typeface="Arial" charset="0"/>
+                <a:cs typeface="Arial" charset="0"/>
+                <a:sym typeface="Cabin"/>
+              </a:rPr>
+              <a:t>, sum</a:t>
             </a:r>
           </a:p>
         </p:txBody>
@@ -10618,8 +10924,8 @@
         </p:nvSpPr>
         <p:spPr>
           <a:xfrm>
-            <a:off x="7932975" y="2733900"/>
-            <a:ext cx="7565400" cy="5110200"/>
+            <a:off x="7932974" y="2733900"/>
+            <a:ext cx="8122813" cy="5110200"/>
           </a:xfrm>
           <a:prstGeom prst="rect">
             <a:avLst/>
@@ -10647,7 +10953,7 @@
               <a:buChar char="•"/>
             </a:pPr>
             <a:r>
-              <a:rPr lang="en-US" sz="3600" dirty="0">
+              <a:rPr lang="es-419" sz="3600" dirty="0">
                 <a:solidFill>
                   <a:srgbClr val="FFFFFF"/>
                 </a:solidFill>
@@ -10656,7 +10962,7 @@
                 <a:cs typeface="Arial" charset="0"/>
                 <a:sym typeface="Cabin"/>
               </a:rPr>
-              <a:t>Slicing lists</a:t>
+              <a:t>Rebanado de listas</a:t>
             </a:r>
           </a:p>
           <a:p>
@@ -10672,7 +10978,7 @@
               <a:buChar char="•"/>
             </a:pPr>
             <a:r>
-              <a:rPr lang="en-US" sz="3600" dirty="0">
+              <a:rPr lang="es-419" sz="3600" dirty="0">
                 <a:solidFill>
                   <a:srgbClr val="FFFFFF"/>
                 </a:solidFill>
@@ -10681,8 +10987,53 @@
                 <a:cs typeface="Arial" charset="0"/>
                 <a:sym typeface="Cabin"/>
               </a:rPr>
-              <a:t>List methods: append,  remove</a:t>
-            </a:r>
+              <a:t>Métodos de listas: </a:t>
+            </a:r>
+            <a:r>
+              <a:rPr lang="es-419" sz="3600" dirty="0" err="1">
+                <a:solidFill>
+                  <a:srgbClr val="FFFFFF"/>
+                </a:solidFill>
+                <a:latin typeface="Arial" charset="0"/>
+                <a:ea typeface="Arial" charset="0"/>
+                <a:cs typeface="Arial" charset="0"/>
+                <a:sym typeface="Cabin"/>
+              </a:rPr>
+              <a:t>append</a:t>
+            </a:r>
+            <a:r>
+              <a:rPr lang="es-419" sz="3600" dirty="0">
+                <a:solidFill>
+                  <a:srgbClr val="FFFFFF"/>
+                </a:solidFill>
+                <a:latin typeface="Arial" charset="0"/>
+                <a:ea typeface="Arial" charset="0"/>
+                <a:cs typeface="Arial" charset="0"/>
+                <a:sym typeface="Cabin"/>
+              </a:rPr>
+              <a:t>, </a:t>
+            </a:r>
+            <a:r>
+              <a:rPr lang="es-419" sz="3600" dirty="0" err="1">
+                <a:solidFill>
+                  <a:srgbClr val="FFFFFF"/>
+                </a:solidFill>
+                <a:latin typeface="Arial" charset="0"/>
+                <a:ea typeface="Arial" charset="0"/>
+                <a:cs typeface="Arial" charset="0"/>
+                <a:sym typeface="Cabin"/>
+              </a:rPr>
+              <a:t>remove</a:t>
+            </a:r>
+            <a:endParaRPr lang="es-419" sz="3600" dirty="0">
+              <a:solidFill>
+                <a:srgbClr val="FFFFFF"/>
+              </a:solidFill>
+              <a:latin typeface="Arial" charset="0"/>
+              <a:ea typeface="Arial" charset="0"/>
+              <a:cs typeface="Arial" charset="0"/>
+              <a:sym typeface="Cabin"/>
+            </a:endParaRPr>
           </a:p>
           <a:p>
             <a:pPr marL="685800" lvl="0" indent="-394462" rtl="0">
@@ -10697,7 +11048,7 @@
               <a:buChar char="•"/>
             </a:pPr>
             <a:r>
-              <a:rPr lang="en-US" sz="3600" dirty="0">
+              <a:rPr lang="es-419" sz="3600" dirty="0">
                 <a:solidFill>
                   <a:srgbClr val="FFFFFF"/>
                 </a:solidFill>
@@ -10706,7 +11057,7 @@
                 <a:cs typeface="Arial" charset="0"/>
                 <a:sym typeface="Cabin"/>
               </a:rPr>
-              <a:t>Sorting lists</a:t>
+              <a:t>Ordenado de listas</a:t>
             </a:r>
           </a:p>
           <a:p>
@@ -10722,7 +11073,7 @@
               <a:buChar char="•"/>
             </a:pPr>
             <a:r>
-              <a:rPr lang="en-US" sz="3600" dirty="0">
+              <a:rPr lang="es-419" sz="3600" dirty="0">
                 <a:solidFill>
                   <a:srgbClr val="FFFFFF"/>
                 </a:solidFill>
@@ -10731,7 +11082,7 @@
                 <a:cs typeface="Arial" charset="0"/>
                 <a:sym typeface="Cabin"/>
               </a:rPr>
-              <a:t>Splitting strings into lists of words</a:t>
+              <a:t>División de cadenas en listas de palabras</a:t>
             </a:r>
           </a:p>
           <a:p>
@@ -10747,7 +11098,7 @@
               <a:buChar char="•"/>
             </a:pPr>
             <a:r>
-              <a:rPr lang="en-US" sz="3600" dirty="0">
+              <a:rPr lang="es-419" sz="3600" dirty="0">
                 <a:solidFill>
                   <a:srgbClr val="FFFFFF"/>
                 </a:solidFill>
@@ -10756,7 +11107,31 @@
                 <a:cs typeface="Arial" charset="0"/>
                 <a:sym typeface="Cabin"/>
               </a:rPr>
-              <a:t>Using split to parse strings</a:t>
+              <a:t>Uso de </a:t>
+            </a:r>
+            <a:r>
+              <a:rPr lang="es-419" sz="3600" dirty="0" err="1">
+                <a:solidFill>
+                  <a:srgbClr val="FFFFFF"/>
+                </a:solidFill>
+                <a:latin typeface="Arial" charset="0"/>
+                <a:ea typeface="Arial" charset="0"/>
+                <a:cs typeface="Arial" charset="0"/>
+                <a:sym typeface="Cabin"/>
+              </a:rPr>
+              <a:t>split</a:t>
+            </a:r>
+            <a:r>
+              <a:rPr lang="es-419" sz="3600" dirty="0">
+                <a:solidFill>
+                  <a:srgbClr val="FFFFFF"/>
+                </a:solidFill>
+                <a:latin typeface="Arial" charset="0"/>
+                <a:ea typeface="Arial" charset="0"/>
+                <a:cs typeface="Arial" charset="0"/>
+                <a:sym typeface="Cabin"/>
+              </a:rPr>
+              <a:t> para analizar cadenas</a:t>
             </a:r>
           </a:p>
         </p:txBody>
@@ -10774,7 +11149,7 @@
   <p:cSld>
     <p:spTree>
       <p:nvGrpSpPr>
-        <p:cNvPr id="1" name="Shape 380"/>
+        <p:cNvPr id="1" name="Shape 541"/>
         <p:cNvGrpSpPr/>
         <p:nvPr/>
       </p:nvGrpSpPr>
@@ -10788,22 +11163,22 @@
       </p:grpSpPr>
       <p:sp>
         <p:nvSpPr>
-          <p:cNvPr id="381" name="Shape 381"/>
-          <p:cNvSpPr txBox="1"/>
-          <p:nvPr/>
+          <p:cNvPr id="542" name="Shape 542"/>
+          <p:cNvSpPr txBox="1">
+            <a:spLocks noGrp="1"/>
+          </p:cNvSpPr>
+          <p:nvPr>
+            <p:ph type="title"/>
+          </p:nvPr>
         </p:nvSpPr>
         <p:spPr>
           <a:xfrm>
-            <a:off x="1155700" y="1155705"/>
-            <a:ext cx="13932000" cy="811500"/>
+            <a:off x="1155700" y="638977"/>
+            <a:ext cx="13932000" cy="1706182"/>
           </a:xfrm>
           <a:prstGeom prst="rect">
             <a:avLst/>
           </a:prstGeom>
-          <a:noFill/>
-          <a:ln>
-            <a:noFill/>
-          </a:ln>
         </p:spPr>
         <p:txBody>
           <a:bodyPr lIns="91425" tIns="91425" rIns="91425" bIns="91425" anchor="ctr" anchorCtr="0">
@@ -10811,33 +11186,33 @@
           </a:bodyPr>
           <a:lstStyle/>
           <a:p>
-            <a:pPr lvl="0" algn="ctr" rtl="0">
+            <a:pPr lvl="0" rtl="0">
               <a:spcBef>
                 <a:spcPts val="0"/>
               </a:spcBef>
               <a:buNone/>
             </a:pPr>
             <a:r>
-              <a:rPr lang="en-US" sz="3600" dirty="0">
+              <a:rPr lang="es-MX" sz="3600" b="1">
                 <a:solidFill>
                   <a:srgbClr val="FFFF00"/>
                 </a:solidFill>
               </a:rPr>
-              <a:t>Acknowledgements / Contributions</a:t>
+              <a:t>Agradecimientos / Contribuciones</a:t>
             </a:r>
           </a:p>
         </p:txBody>
       </p:sp>
       <p:sp>
         <p:nvSpPr>
-          <p:cNvPr id="382" name="Shape 382"/>
+          <p:cNvPr id="543" name="Shape 543"/>
           <p:cNvSpPr txBox="1"/>
           <p:nvPr/>
         </p:nvSpPr>
         <p:spPr>
           <a:xfrm>
-            <a:off x="1206100" y="2296131"/>
-            <a:ext cx="6797699" cy="5819170"/>
+            <a:off x="1155700" y="2208255"/>
+            <a:ext cx="7444961" cy="5690588"/>
           </a:xfrm>
           <a:prstGeom prst="rect">
             <a:avLst/>
@@ -10853,63 +11228,90 @@
           </a:bodyPr>
           <a:lstStyle/>
           <a:p>
+            <a:pPr lvl="0"/>
+            <a:r>
+              <a:rPr lang="es-MX" sz="1800" dirty="0">
+                <a:solidFill>
+                  <a:srgbClr val="FFFFFF"/>
+                </a:solidFill>
+              </a:rPr>
+              <a:t>Las diapositivas están bajo el Copyright 2010-  Charles R. </a:t>
+            </a:r>
+            <a:r>
+              <a:rPr lang="es-MX" sz="1800" dirty="0" err="1">
+                <a:solidFill>
+                  <a:srgbClr val="FFFFFF"/>
+                </a:solidFill>
+              </a:rPr>
+              <a:t>Severance</a:t>
+            </a:r>
+            <a:r>
+              <a:rPr lang="es-MX" sz="1800" dirty="0">
+                <a:solidFill>
+                  <a:srgbClr val="FFFFFF"/>
+                </a:solidFill>
+              </a:rPr>
+              <a:t> (</a:t>
+            </a:r>
+            <a:r>
+              <a:rPr lang="es-MX" sz="1800" u="sng" dirty="0">
+                <a:solidFill>
+                  <a:srgbClr val="FFFF00"/>
+                </a:solidFill>
+                <a:hlinkClick r:id="rId3"/>
+              </a:rPr>
+              <a:t>www.dr-chuck.com</a:t>
+            </a:r>
+            <a:r>
+              <a:rPr lang="es-MX" sz="1800" dirty="0">
+                <a:solidFill>
+                  <a:srgbClr val="FFFFFF"/>
+                </a:solidFill>
+              </a:rPr>
+              <a:t>) de la Escuela de Informática  de la Universidad de Michigan y </a:t>
+            </a:r>
+            <a:r>
+              <a:rPr lang="es-MX" sz="1800" u="sng" dirty="0">
+                <a:solidFill>
+                  <a:srgbClr val="FFFF00"/>
+                </a:solidFill>
+                <a:hlinkClick r:id="rId4"/>
+              </a:rPr>
+              <a:t>open.umich.edu</a:t>
+            </a:r>
+            <a:r>
+              <a:rPr lang="es-MX" sz="1800" dirty="0">
+                <a:solidFill>
+                  <a:srgbClr val="FFFFFF"/>
+                </a:solidFill>
+              </a:rPr>
+              <a:t>, y están disponibles públicamente bajo una Licencia Creative Commons </a:t>
+            </a:r>
+            <a:r>
+              <a:rPr lang="es-MX" sz="1800" dirty="0" err="1">
+                <a:solidFill>
+                  <a:srgbClr val="FFFFFF"/>
+                </a:solidFill>
+              </a:rPr>
+              <a:t>Attribution</a:t>
+            </a:r>
+            <a:r>
+              <a:rPr lang="es-MX" sz="1800" dirty="0">
+                <a:solidFill>
+                  <a:srgbClr val="FFFFFF"/>
+                </a:solidFill>
+              </a:rPr>
+              <a:t> 4.0. Favor de mantener esta última diapositiva en todas las copias del documento para cumplir con los requerimientos de atribución de la licencia. Si haces un cambio, siéntete libre de agregar tu nombre y organización a la lista de contribuidores en esta página conforme sean republicados los materiales.</a:t>
+            </a:r>
+          </a:p>
+          <a:p>
             <a:pPr lvl="0" rtl="0">
               <a:spcBef>
                 <a:spcPts val="0"/>
               </a:spcBef>
               <a:buNone/>
             </a:pPr>
-            <a:r>
-              <a:rPr lang="en-US" sz="1800">
-                <a:solidFill>
-                  <a:srgbClr val="FFFFFF"/>
-                </a:solidFill>
-              </a:rPr>
-              <a:t>These slides are Copyright 2010-  Charles R. Severance (</a:t>
-            </a:r>
-            <a:r>
-              <a:rPr lang="en-US" sz="1800" u="sng">
-                <a:solidFill>
-                  <a:srgbClr val="FFFF00"/>
-                </a:solidFill>
-                <a:hlinkClick r:id="rId3"/>
-              </a:rPr>
-              <a:t>www.dr-chuck.com</a:t>
-            </a:r>
-            <a:r>
-              <a:rPr lang="en-US" sz="1800">
-                <a:solidFill>
-                  <a:srgbClr val="FFFFFF"/>
-                </a:solidFill>
-              </a:rPr>
-              <a:t>) of the University of Michigan School of Information and </a:t>
-            </a:r>
-            <a:r>
-              <a:rPr lang="en-US" sz="1800" u="sng">
-                <a:solidFill>
-                  <a:srgbClr val="FFFF00"/>
-                </a:solidFill>
-                <a:hlinkClick r:id="rId4"/>
-              </a:rPr>
-              <a:t>open.umich.edu</a:t>
-            </a:r>
-            <a:r>
-              <a:rPr lang="en-US" sz="1800">
-                <a:solidFill>
-                  <a:srgbClr val="FFFFFF"/>
-                </a:solidFill>
-              </a:rPr>
-              <a:t> and made available under a Creative Commons Attribution 4.0 License.  Please maintain this last slide in all copies of the document to comply with the attribution requirements of the license.  If you make a change, feel free to add your name and organization to the list of contributors on this page as you republish the materials.</a:t>
-            </a:r>
-          </a:p>
-          <a:p>
-            <a:pPr lvl="0" rtl="0">
-              <a:spcBef>
-                <a:spcPts val="0"/>
-              </a:spcBef>
-              <a:buNone/>
-            </a:pPr>
-            <a:endParaRPr sz="1800">
+            <a:endParaRPr lang="es-MX" sz="1800" dirty="0">
               <a:solidFill>
                 <a:srgbClr val="FFFFFF"/>
               </a:solidFill>
@@ -10923,12 +11325,28 @@
               <a:buNone/>
             </a:pPr>
             <a:r>
-              <a:rPr lang="en-US" sz="1800">
+              <a:rPr lang="es-MX" sz="1800" dirty="0">
                 <a:solidFill>
                   <a:srgbClr val="FFFFFF"/>
                 </a:solidFill>
               </a:rPr>
-              <a:t>Initial Development: Charles Severance, University of Michigan School of Information</a:t>
+              <a:t>Desarrollo inicial: Charles </a:t>
+            </a:r>
+            <a:r>
+              <a:rPr lang="es-MX" sz="1800" dirty="0" err="1">
+                <a:solidFill>
+                  <a:srgbClr val="FFFFFF"/>
+                </a:solidFill>
+              </a:rPr>
+              <a:t>Severance</a:t>
+            </a:r>
+            <a:r>
+              <a:rPr lang="es-MX" sz="1800" dirty="0">
+                <a:solidFill>
+                  <a:srgbClr val="FFFFFF"/>
+                </a:solidFill>
+              </a:rPr>
+              <a:t>, Escuela de Informática de la Universidad de Michigan.</a:t>
             </a:r>
           </a:p>
           <a:p>
@@ -10938,51 +11356,82 @@
               </a:spcBef>
               <a:buNone/>
             </a:pPr>
-            <a:endParaRPr sz="1800">
+            <a:endParaRPr lang="es-MX" sz="1800" dirty="0">
               <a:solidFill>
                 <a:srgbClr val="FFFFFF"/>
               </a:solidFill>
             </a:endParaRPr>
           </a:p>
           <a:p>
-            <a:pPr lvl="0" rtl="0">
-              <a:spcBef>
-                <a:spcPts val="0"/>
-              </a:spcBef>
-              <a:buClr>
-                <a:srgbClr val="000000"/>
-              </a:buClr>
-              <a:buSzPct val="61111"/>
-              <a:buFont typeface="Arial"/>
-              <a:buNone/>
-            </a:pPr>
-            <a:r>
-              <a:rPr lang="en-US" sz="1800">
+            <a:r>
+              <a:rPr lang="en-US" sz="1800" dirty="0" err="1">
                 <a:solidFill>
                   <a:srgbClr val="FFFFFF"/>
                 </a:solidFill>
               </a:rPr>
-              <a:t>… Insert new Contributors and Translators here</a:t>
-            </a:r>
-          </a:p>
-          <a:p>
-            <a:pPr lvl="0" rtl="0">
-              <a:spcBef>
-                <a:spcPts val="0"/>
-              </a:spcBef>
-              <a:buNone/>
-            </a:pPr>
-            <a:endParaRPr sz="1800">
+              <a:t>Traducción</a:t>
+            </a:r>
+            <a:r>
+              <a:rPr lang="en-US" sz="1800" dirty="0">
+                <a:solidFill>
+                  <a:srgbClr val="FFFFFF"/>
+                </a:solidFill>
+              </a:rPr>
+              <a:t> al </a:t>
+            </a:r>
+            <a:r>
+              <a:rPr lang="en-US" sz="1800" dirty="0" err="1">
+                <a:solidFill>
+                  <a:srgbClr val="FFFFFF"/>
+                </a:solidFill>
+              </a:rPr>
+              <a:t>Español</a:t>
+            </a:r>
+            <a:r>
+              <a:rPr lang="en-US" sz="1800" dirty="0">
+                <a:solidFill>
+                  <a:srgbClr val="FFFFFF"/>
+                </a:solidFill>
+              </a:rPr>
+              <a:t> por Juan Carlos Pérez Castellanos - 2020-04-25</a:t>
+            </a:r>
+            <a:endParaRPr lang="es-MX" sz="1800" dirty="0">
               <a:solidFill>
                 <a:srgbClr val="FFFFFF"/>
               </a:solidFill>
             </a:endParaRPr>
           </a:p>
+          <a:p>
+            <a:pPr lvl="0" rtl="0">
+              <a:spcBef>
+                <a:spcPts val="0"/>
+              </a:spcBef>
+              <a:buNone/>
+            </a:pPr>
+            <a:endParaRPr lang="es-MX" sz="1800" dirty="0">
+              <a:solidFill>
+                <a:srgbClr val="FFFFFF"/>
+              </a:solidFill>
+            </a:endParaRPr>
+          </a:p>
+          <a:p>
+            <a:pPr lvl="0" rtl="0">
+              <a:spcBef>
+                <a:spcPts val="0"/>
+              </a:spcBef>
+              <a:buNone/>
+            </a:pPr>
+            <a:endParaRPr lang="es-MX" sz="1800" dirty="0">
+              <a:solidFill>
+                <a:srgbClr val="FFFFFF"/>
+              </a:solidFill>
+            </a:endParaRPr>
+          </a:p>
         </p:txBody>
       </p:sp>
       <p:pic>
         <p:nvPicPr>
-          <p:cNvPr id="383" name="Shape 383"/>
+          <p:cNvPr id="544" name="Shape 544"/>
           <p:cNvPicPr preferRelativeResize="0"/>
           <p:nvPr/>
         </p:nvPicPr>
@@ -10995,7 +11444,7 @@
         </p:blipFill>
         <p:spPr>
           <a:xfrm>
-            <a:off x="437900" y="1049055"/>
+            <a:off x="437900" y="977618"/>
             <a:ext cx="1024800" cy="1024800"/>
           </a:xfrm>
           <a:prstGeom prst="rect">
@@ -11009,7 +11458,7 @@
       </p:pic>
       <p:pic>
         <p:nvPicPr>
-          <p:cNvPr id="384" name="Shape 384"/>
+          <p:cNvPr id="545" name="Shape 545"/>
           <p:cNvPicPr preferRelativeResize="0"/>
           <p:nvPr/>
         </p:nvPicPr>
@@ -11022,7 +11471,7 @@
         </p:blipFill>
         <p:spPr>
           <a:xfrm>
-            <a:off x="13897687" y="1227255"/>
+            <a:off x="13897687" y="1155818"/>
             <a:ext cx="1968599" cy="668400"/>
           </a:xfrm>
           <a:prstGeom prst="rect">
@@ -11036,14 +11485,14 @@
       </p:pic>
       <p:sp>
         <p:nvSpPr>
-          <p:cNvPr id="385" name="Shape 385"/>
+          <p:cNvPr id="546" name="Shape 546"/>
           <p:cNvSpPr txBox="1"/>
           <p:nvPr/>
         </p:nvSpPr>
         <p:spPr>
           <a:xfrm>
-            <a:off x="8704400" y="2426605"/>
-            <a:ext cx="6797699" cy="5817283"/>
+            <a:off x="8452608" y="2208255"/>
+            <a:ext cx="7551600" cy="5690588"/>
           </a:xfrm>
           <a:prstGeom prst="rect">
             <a:avLst/>
@@ -11065,14 +11514,11 @@
               </a:spcBef>
               <a:buNone/>
             </a:pPr>
-            <a:r>
-              <a:rPr lang="en-US" sz="1800">
-                <a:solidFill>
-                  <a:srgbClr val="FFFFFF"/>
-                </a:solidFill>
-              </a:rPr>
-              <a:t>...</a:t>
-            </a:r>
+            <a:endParaRPr lang="es-MX" sz="1800" dirty="0">
+              <a:solidFill>
+                <a:srgbClr val="FFFFFF"/>
+              </a:solidFill>
+            </a:endParaRPr>
           </a:p>
         </p:txBody>
       </p:sp>
